--- a/_robotics/_materials/SLAM.pptx
+++ b/_robotics/_materials/SLAM.pptx
@@ -12,12 +12,14 @@
     <p:sldId id="260" r:id="rId6"/>
     <p:sldId id="261" r:id="rId7"/>
     <p:sldId id="262" r:id="rId8"/>
-    <p:sldId id="263" r:id="rId9"/>
-    <p:sldId id="264" r:id="rId10"/>
-    <p:sldId id="265" r:id="rId11"/>
-    <p:sldId id="266" r:id="rId12"/>
-    <p:sldId id="267" r:id="rId13"/>
-    <p:sldId id="268" r:id="rId14"/>
+    <p:sldId id="269" r:id="rId9"/>
+    <p:sldId id="263" r:id="rId10"/>
+    <p:sldId id="264" r:id="rId11"/>
+    <p:sldId id="270" r:id="rId12"/>
+    <p:sldId id="265" r:id="rId13"/>
+    <p:sldId id="266" r:id="rId14"/>
+    <p:sldId id="267" r:id="rId15"/>
+    <p:sldId id="268" r:id="rId16"/>
   </p:sldIdLst>
   <p:sldSz cx="12192000" cy="6858000"/>
   <p:notesSz cx="6858000" cy="9144000"/>
@@ -3479,106 +3481,1485 @@
           <a:p>
             <a:r>
               <a:rPr lang="en-US" altLang="ko-KR" dirty="0"/>
-              <a:t>SLAM</a:t>
-            </a:r>
-            <a:r>
-              <a:rPr lang="ko-KR" altLang="en-US" dirty="0"/>
-              <a:t>의 발전동향 </a:t>
-            </a:r>
-            <a:r>
-              <a:rPr lang="en-US" altLang="ko-KR" dirty="0"/>
-              <a:t>(2004~2010)</a:t>
+              <a:t>Particle</a:t>
             </a:r>
             <a:r>
               <a:rPr lang="ko-KR" altLang="en-US" dirty="0"/>
               <a:t> </a:t>
             </a:r>
+            <a:r>
+              <a:rPr lang="en-US" altLang="ko-KR" dirty="0"/>
+              <a:t>Filter</a:t>
+            </a:r>
+            <a:endParaRPr lang="ko-KR" altLang="en-US" dirty="0"/>
           </a:p>
         </p:txBody>
       </p:sp>
-      <p:sp>
-        <p:nvSpPr>
-          <p:cNvPr id="3" name="내용 개체 틀 2">
-            <a:extLst>
-              <a:ext uri="{FF2B5EF4-FFF2-40B4-BE49-F238E27FC236}">
-                <a16:creationId xmlns:a16="http://schemas.microsoft.com/office/drawing/2014/main" id="{C1DA0CCA-ABBD-44EC-91F4-FAB009748ACF}"/>
-              </a:ext>
-            </a:extLst>
-          </p:cNvPr>
-          <p:cNvSpPr>
-            <a:spLocks noGrp="1"/>
-          </p:cNvSpPr>
-          <p:nvPr>
-            <p:ph idx="1"/>
-          </p:nvPr>
-        </p:nvSpPr>
+      <p:grpSp>
+        <p:nvGrpSpPr>
+          <p:cNvPr id="16" name="그룹 15">
+            <a:extLst>
+              <a:ext uri="{FF2B5EF4-FFF2-40B4-BE49-F238E27FC236}">
+                <a16:creationId xmlns:a16="http://schemas.microsoft.com/office/drawing/2014/main" id="{423DBD03-4CC1-4389-A483-C7CFDC0A3272}"/>
+              </a:ext>
+            </a:extLst>
+          </p:cNvPr>
+          <p:cNvGrpSpPr/>
+          <p:nvPr/>
+        </p:nvGrpSpPr>
+        <p:grpSpPr>
+          <a:xfrm>
+            <a:off x="2012605" y="1108562"/>
+            <a:ext cx="6406837" cy="539263"/>
+            <a:chOff x="2012605" y="1108562"/>
+            <a:chExt cx="7667967" cy="645412"/>
+          </a:xfrm>
+        </p:grpSpPr>
+        <p:grpSp>
+          <p:nvGrpSpPr>
+            <p:cNvPr id="4" name="그룹 3">
+              <a:extLst>
+                <a:ext uri="{FF2B5EF4-FFF2-40B4-BE49-F238E27FC236}">
+                  <a16:creationId xmlns:a16="http://schemas.microsoft.com/office/drawing/2014/main" id="{621E22C3-8974-4F48-ACDF-8031FAEC2D1C}"/>
+                </a:ext>
+              </a:extLst>
+            </p:cNvPr>
+            <p:cNvGrpSpPr/>
+            <p:nvPr/>
+          </p:nvGrpSpPr>
+          <p:grpSpPr>
+            <a:xfrm>
+              <a:off x="2012605" y="1108562"/>
+              <a:ext cx="7667967" cy="645411"/>
+              <a:chOff x="1069630" y="1876625"/>
+              <a:chExt cx="9384800" cy="789917"/>
+            </a:xfrm>
+          </p:grpSpPr>
+          <p:pic>
+            <p:nvPicPr>
+              <p:cNvPr id="5" name="그림 4">
+                <a:extLst>
+                  <a:ext uri="{FF2B5EF4-FFF2-40B4-BE49-F238E27FC236}">
+                    <a16:creationId xmlns:a16="http://schemas.microsoft.com/office/drawing/2014/main" id="{2E14FDD2-D182-43D7-99FE-619DC0EAB7AA}"/>
+                  </a:ext>
+                </a:extLst>
+              </p:cNvPr>
+              <p:cNvPicPr>
+                <a:picLocks noChangeAspect="1"/>
+              </p:cNvPicPr>
+              <p:nvPr/>
+            </p:nvPicPr>
+            <p:blipFill>
+              <a:blip r:embed="rId2"/>
+              <a:stretch>
+                <a:fillRect/>
+              </a:stretch>
+            </p:blipFill>
+            <p:spPr>
+              <a:xfrm>
+                <a:off x="1069630" y="2013515"/>
+                <a:ext cx="3269515" cy="446956"/>
+              </a:xfrm>
+              <a:prstGeom prst="rect">
+                <a:avLst/>
+              </a:prstGeom>
+            </p:spPr>
+          </p:pic>
+          <p:pic>
+            <p:nvPicPr>
+              <p:cNvPr id="6" name="그림 5">
+                <a:extLst>
+                  <a:ext uri="{FF2B5EF4-FFF2-40B4-BE49-F238E27FC236}">
+                    <a16:creationId xmlns:a16="http://schemas.microsoft.com/office/drawing/2014/main" id="{1056A8FF-ABE6-4666-A266-E9F2858EC922}"/>
+                  </a:ext>
+                </a:extLst>
+              </p:cNvPr>
+              <p:cNvPicPr>
+                <a:picLocks noChangeAspect="1"/>
+              </p:cNvPicPr>
+              <p:nvPr/>
+            </p:nvPicPr>
+            <p:blipFill>
+              <a:blip r:embed="rId3"/>
+              <a:stretch>
+                <a:fillRect/>
+              </a:stretch>
+            </p:blipFill>
+            <p:spPr>
+              <a:xfrm>
+                <a:off x="4205621" y="1876625"/>
+                <a:ext cx="6248809" cy="789917"/>
+              </a:xfrm>
+              <a:prstGeom prst="rect">
+                <a:avLst/>
+              </a:prstGeom>
+            </p:spPr>
+          </p:pic>
+        </p:grpSp>
+        <p:cxnSp>
+          <p:nvCxnSpPr>
+            <p:cNvPr id="8" name="직선 화살표 연결선 7">
+              <a:extLst>
+                <a:ext uri="{FF2B5EF4-FFF2-40B4-BE49-F238E27FC236}">
+                  <a16:creationId xmlns:a16="http://schemas.microsoft.com/office/drawing/2014/main" id="{92616F15-E347-4F69-83C9-8D36DA0CEC07}"/>
+                </a:ext>
+              </a:extLst>
+            </p:cNvPr>
+            <p:cNvCxnSpPr>
+              <a:cxnSpLocks/>
+            </p:cNvCxnSpPr>
+            <p:nvPr/>
+          </p:nvCxnSpPr>
+          <p:spPr>
+            <a:xfrm flipV="1">
+              <a:off x="6096000" y="1585601"/>
+              <a:ext cx="2466975" cy="168373"/>
+            </a:xfrm>
+            <a:prstGeom prst="straightConnector1">
+              <a:avLst/>
+            </a:prstGeom>
+            <a:ln>
+              <a:solidFill>
+                <a:srgbClr val="FF0000"/>
+              </a:solidFill>
+              <a:tailEnd type="triangle"/>
+            </a:ln>
+          </p:spPr>
+          <p:style>
+            <a:lnRef idx="2">
+              <a:schemeClr val="accent1"/>
+            </a:lnRef>
+            <a:fillRef idx="0">
+              <a:schemeClr val="accent1"/>
+            </a:fillRef>
+            <a:effectRef idx="1">
+              <a:schemeClr val="accent1"/>
+            </a:effectRef>
+            <a:fontRef idx="minor">
+              <a:schemeClr val="tx1"/>
+            </a:fontRef>
+          </p:style>
+        </p:cxnSp>
+        <mc:AlternateContent xmlns:mc="http://schemas.openxmlformats.org/markup-compatibility/2006">
+          <mc:Choice xmlns:a14="http://schemas.microsoft.com/office/drawing/2010/main" Requires="a14">
+            <p:sp>
+              <p:nvSpPr>
+                <p:cNvPr id="11" name="TextBox 10">
+                  <a:extLst>
+                    <a:ext uri="{FF2B5EF4-FFF2-40B4-BE49-F238E27FC236}">
+                      <a16:creationId xmlns:a16="http://schemas.microsoft.com/office/drawing/2014/main" id="{E6FF7775-3A11-4788-8F77-C06B6BCCFBFD}"/>
+                    </a:ext>
+                  </a:extLst>
+                </p:cNvPr>
+                <p:cNvSpPr txBox="1"/>
+                <p:nvPr/>
+              </p:nvSpPr>
+              <p:spPr>
+                <a:xfrm>
+                  <a:off x="8562975" y="1403005"/>
+                  <a:ext cx="210314" cy="276999"/>
+                </a:xfrm>
+                <a:prstGeom prst="rect">
+                  <a:avLst/>
+                </a:prstGeom>
+                <a:noFill/>
+              </p:spPr>
+              <p:txBody>
+                <a:bodyPr wrap="none" lIns="0" tIns="0" rIns="0" bIns="0" rtlCol="0">
+                  <a:spAutoFit/>
+                </a:bodyPr>
+                <a:lstStyle/>
+                <a:p>
+                  <a14:m>
+                    <m:oMathPara xmlns:m="http://schemas.openxmlformats.org/officeDocument/2006/math">
+                      <m:oMathParaPr>
+                        <m:jc m:val="centerGroup"/>
+                      </m:oMathParaPr>
+                      <m:oMath xmlns:m="http://schemas.openxmlformats.org/officeDocument/2006/math">
+                        <m:r>
+                          <a:rPr lang="ko-KR" altLang="en-US" i="1" smtClean="0">
+                            <a:solidFill>
+                              <a:srgbClr val="FF0000"/>
+                            </a:solidFill>
+                            <a:latin typeface="Cambria Math" panose="02040503050406030204" pitchFamily="18" charset="0"/>
+                          </a:rPr>
+                          <m:t>𝜂</m:t>
+                        </m:r>
+                      </m:oMath>
+                    </m:oMathPara>
+                  </a14:m>
+                  <a:endParaRPr lang="ko-KR" altLang="en-US" dirty="0">
+                    <a:solidFill>
+                      <a:srgbClr val="FF0000"/>
+                    </a:solidFill>
+                  </a:endParaRPr>
+                </a:p>
+              </p:txBody>
+            </p:sp>
+          </mc:Choice>
+          <mc:Fallback>
+            <p:sp>
+              <p:nvSpPr>
+                <p:cNvPr id="11" name="TextBox 10">
+                  <a:extLst>
+                    <a:ext uri="{FF2B5EF4-FFF2-40B4-BE49-F238E27FC236}">
+                      <a16:creationId xmlns:a16="http://schemas.microsoft.com/office/drawing/2014/main" id="{E6FF7775-3A11-4788-8F77-C06B6BCCFBFD}"/>
+                    </a:ext>
+                  </a:extLst>
+                </p:cNvPr>
+                <p:cNvSpPr txBox="1">
+                  <a:spLocks noRot="1" noChangeAspect="1" noMove="1" noResize="1" noEditPoints="1" noAdjustHandles="1" noChangeArrowheads="1" noChangeShapeType="1" noTextEdit="1"/>
+                </p:cNvSpPr>
+                <p:nvPr/>
+              </p:nvSpPr>
+              <p:spPr>
+                <a:xfrm>
+                  <a:off x="8562975" y="1403005"/>
+                  <a:ext cx="210314" cy="276999"/>
+                </a:xfrm>
+                <a:prstGeom prst="rect">
+                  <a:avLst/>
+                </a:prstGeom>
+                <a:blipFill>
+                  <a:blip r:embed="rId4"/>
+                  <a:stretch>
+                    <a:fillRect l="-34483" r="-31034" b="-55263"/>
+                  </a:stretch>
+                </a:blipFill>
+              </p:spPr>
+              <p:txBody>
+                <a:bodyPr/>
+                <a:lstStyle/>
+                <a:p>
+                  <a:r>
+                    <a:rPr lang="ko-KR" altLang="en-US">
+                      <a:noFill/>
+                    </a:rPr>
+                    <a:t> </a:t>
+                  </a:r>
+                </a:p>
+              </p:txBody>
+            </p:sp>
+          </mc:Fallback>
+        </mc:AlternateContent>
+      </p:grpSp>
+      <p:pic>
+        <p:nvPicPr>
+          <p:cNvPr id="12" name="그림 11">
+            <a:extLst>
+              <a:ext uri="{FF2B5EF4-FFF2-40B4-BE49-F238E27FC236}">
+                <a16:creationId xmlns:a16="http://schemas.microsoft.com/office/drawing/2014/main" id="{C5872D66-0985-4378-9522-215005D0EE3D}"/>
+              </a:ext>
+            </a:extLst>
+          </p:cNvPr>
+          <p:cNvPicPr>
+            <a:picLocks noChangeAspect="1"/>
+          </p:cNvPicPr>
+          <p:nvPr/>
+        </p:nvPicPr>
+        <p:blipFill>
+          <a:blip r:embed="rId5"/>
+          <a:stretch>
+            <a:fillRect/>
+          </a:stretch>
+        </p:blipFill>
         <p:spPr>
           <a:xfrm>
-            <a:off x="485955" y="806254"/>
-            <a:ext cx="11220090" cy="3029145"/>
+            <a:off x="2721496" y="1860505"/>
+            <a:ext cx="4939881" cy="546977"/>
           </a:xfrm>
+          <a:prstGeom prst="rect">
+            <a:avLst/>
+          </a:prstGeom>
+          <a:ln>
+            <a:solidFill>
+              <a:schemeClr val="bg1">
+                <a:lumMod val="85000"/>
+              </a:schemeClr>
+            </a:solidFill>
+          </a:ln>
         </p:spPr>
-        <p:txBody>
-          <a:bodyPr>
-            <a:noAutofit/>
-          </a:bodyPr>
-          <a:lstStyle/>
-          <a:p>
-            <a:r>
-              <a:rPr lang="en-US" altLang="ko-KR" b="1" dirty="0"/>
-              <a:t>Computational Complexity</a:t>
-            </a:r>
-          </a:p>
-          <a:p>
-            <a:pPr lvl="1"/>
-            <a:r>
-              <a:rPr lang="en-US" altLang="ko-KR" b="1" dirty="0"/>
-              <a:t>State Augmentation</a:t>
-            </a:r>
-          </a:p>
-          <a:p>
-            <a:pPr lvl="1"/>
-            <a:r>
-              <a:rPr lang="en-US" altLang="ko-KR" b="1" dirty="0"/>
-              <a:t>Partitioned Updates</a:t>
-            </a:r>
-          </a:p>
-          <a:p>
-            <a:pPr lvl="1"/>
-            <a:r>
-              <a:rPr lang="en-US" altLang="ko-KR" b="1" dirty="0" err="1"/>
-              <a:t>Sparsification</a:t>
-            </a:r>
-            <a:endParaRPr lang="en-US" altLang="ko-KR" b="1" dirty="0"/>
-          </a:p>
-          <a:p>
-            <a:pPr lvl="1"/>
-            <a:r>
-              <a:rPr lang="en-US" altLang="ko-KR" b="1" dirty="0"/>
-              <a:t>Global Submaps</a:t>
-            </a:r>
-          </a:p>
-          <a:p>
-            <a:pPr lvl="1"/>
-            <a:r>
-              <a:rPr lang="en-US" altLang="ko-KR" b="1" dirty="0"/>
-              <a:t>Relative Submaps</a:t>
-            </a:r>
-          </a:p>
-          <a:p>
-            <a:pPr lvl="1"/>
-            <a:r>
-              <a:rPr lang="en-US" altLang="ko-KR" b="1" dirty="0"/>
-              <a:t>Mapping Relative Quantities</a:t>
-            </a:r>
-            <a:endParaRPr lang="ko-KR" altLang="en-US" b="1" dirty="0"/>
-          </a:p>
-        </p:txBody>
-      </p:sp>
+      </p:pic>
+      <p:pic>
+        <p:nvPicPr>
+          <p:cNvPr id="13" name="그림 12">
+            <a:extLst>
+              <a:ext uri="{FF2B5EF4-FFF2-40B4-BE49-F238E27FC236}">
+                <a16:creationId xmlns:a16="http://schemas.microsoft.com/office/drawing/2014/main" id="{C7DBF452-DF73-484C-9D63-B2E0E1AEDB02}"/>
+              </a:ext>
+            </a:extLst>
+          </p:cNvPr>
+          <p:cNvPicPr>
+            <a:picLocks noChangeAspect="1"/>
+          </p:cNvPicPr>
+          <p:nvPr/>
+        </p:nvPicPr>
+        <p:blipFill>
+          <a:blip r:embed="rId6"/>
+          <a:stretch>
+            <a:fillRect/>
+          </a:stretch>
+        </p:blipFill>
+        <p:spPr>
+          <a:xfrm>
+            <a:off x="1237874" y="3801256"/>
+            <a:ext cx="4429732" cy="2704120"/>
+          </a:xfrm>
+          <a:prstGeom prst="rect">
+            <a:avLst/>
+          </a:prstGeom>
+        </p:spPr>
+      </p:pic>
+      <mc:AlternateContent xmlns:mc="http://schemas.openxmlformats.org/markup-compatibility/2006">
+        <mc:Choice xmlns:a14="http://schemas.microsoft.com/office/drawing/2010/main" Requires="a14">
+          <p:sp>
+            <p:nvSpPr>
+              <p:cNvPr id="15" name="TextBox 14">
+                <a:extLst>
+                  <a:ext uri="{FF2B5EF4-FFF2-40B4-BE49-F238E27FC236}">
+                    <a16:creationId xmlns:a16="http://schemas.microsoft.com/office/drawing/2014/main" id="{9AC0D355-A2C0-448D-B445-F7DAE3F06914}"/>
+                  </a:ext>
+                </a:extLst>
+              </p:cNvPr>
+              <p:cNvSpPr txBox="1"/>
+              <p:nvPr/>
+            </p:nvSpPr>
+            <p:spPr>
+              <a:xfrm>
+                <a:off x="2010651" y="2614611"/>
+                <a:ext cx="8170698" cy="307777"/>
+              </a:xfrm>
+              <a:prstGeom prst="rect">
+                <a:avLst/>
+              </a:prstGeom>
+              <a:noFill/>
+            </p:spPr>
+            <p:txBody>
+              <a:bodyPr wrap="none" lIns="0" tIns="0" rIns="0" bIns="0" rtlCol="0">
+                <a:spAutoFit/>
+              </a:bodyPr>
+              <a:lstStyle/>
+              <a:p>
+                <a14:m>
+                  <m:oMath xmlns:m="http://schemas.openxmlformats.org/officeDocument/2006/math">
+                    <m:r>
+                      <a:rPr lang="en-US" altLang="ko-KR" sz="2000" b="0" i="1" smtClean="0">
+                        <a:latin typeface="Cambria Math" panose="02040503050406030204" pitchFamily="18" charset="0"/>
+                      </a:rPr>
+                      <m:t>𝑃</m:t>
+                    </m:r>
+                    <m:d>
+                      <m:dPr>
+                        <m:endChr m:val="|"/>
+                        <m:ctrlPr>
+                          <a:rPr lang="en-US" altLang="ko-KR" sz="2000" i="1" smtClean="0">
+                            <a:latin typeface="Cambria Math" panose="02040503050406030204" pitchFamily="18" charset="0"/>
+                          </a:rPr>
+                        </m:ctrlPr>
+                      </m:dPr>
+                      <m:e>
+                        <m:sSub>
+                          <m:sSubPr>
+                            <m:ctrlPr>
+                              <a:rPr lang="en-US" altLang="ko-KR" sz="2000" i="1" smtClean="0">
+                                <a:latin typeface="Cambria Math" panose="02040503050406030204" pitchFamily="18" charset="0"/>
+                              </a:rPr>
+                            </m:ctrlPr>
+                          </m:sSubPr>
+                          <m:e>
+                            <m:r>
+                              <a:rPr lang="en-US" altLang="ko-KR" sz="2000" b="0" i="1" smtClean="0">
+                                <a:latin typeface="Cambria Math" panose="02040503050406030204" pitchFamily="18" charset="0"/>
+                              </a:rPr>
+                              <m:t>𝑥</m:t>
+                            </m:r>
+                          </m:e>
+                          <m:sub>
+                            <m:r>
+                              <a:rPr lang="en-US" altLang="ko-KR" sz="2000" b="0" i="1" smtClean="0">
+                                <a:latin typeface="Cambria Math" panose="02040503050406030204" pitchFamily="18" charset="0"/>
+                              </a:rPr>
+                              <m:t>𝑘</m:t>
+                            </m:r>
+                          </m:sub>
+                        </m:sSub>
+                        <m:r>
+                          <a:rPr lang="en-US" altLang="ko-KR" sz="2000" b="0" i="1" smtClean="0">
+                            <a:latin typeface="Cambria Math" panose="02040503050406030204" pitchFamily="18" charset="0"/>
+                          </a:rPr>
+                          <m:t> , </m:t>
+                        </m:r>
+                        <m:r>
+                          <a:rPr lang="en-US" altLang="ko-KR" sz="2000" b="0" i="1" smtClean="0">
+                            <a:latin typeface="Cambria Math" panose="02040503050406030204" pitchFamily="18" charset="0"/>
+                          </a:rPr>
+                          <m:t>𝑚</m:t>
+                        </m:r>
+                        <m:r>
+                          <a:rPr lang="en-US" altLang="ko-KR" sz="2000" b="0" i="1" smtClean="0">
+                            <a:latin typeface="Cambria Math" panose="02040503050406030204" pitchFamily="18" charset="0"/>
+                          </a:rPr>
+                          <m:t> </m:t>
+                        </m:r>
+                      </m:e>
+                    </m:d>
+                    <m:r>
+                      <a:rPr lang="en-US" altLang="ko-KR" sz="2000" b="0" i="1" smtClean="0">
+                        <a:latin typeface="Cambria Math" panose="02040503050406030204" pitchFamily="18" charset="0"/>
+                      </a:rPr>
+                      <m:t> </m:t>
+                    </m:r>
+                    <m:sSub>
+                      <m:sSubPr>
+                        <m:ctrlPr>
+                          <a:rPr lang="en-US" altLang="ko-KR" sz="2000" i="1" smtClean="0">
+                            <a:latin typeface="Cambria Math" panose="02040503050406030204" pitchFamily="18" charset="0"/>
+                          </a:rPr>
+                        </m:ctrlPr>
+                      </m:sSubPr>
+                      <m:e>
+                        <m:r>
+                          <a:rPr lang="en-US" altLang="ko-KR" sz="2000" b="0" i="1" smtClean="0">
+                            <a:latin typeface="Cambria Math" panose="02040503050406030204" pitchFamily="18" charset="0"/>
+                          </a:rPr>
+                          <m:t>𝑍</m:t>
+                        </m:r>
+                      </m:e>
+                      <m:sub>
+                        <m:r>
+                          <a:rPr lang="en-US" altLang="ko-KR" sz="2000" b="0" i="1" smtClean="0">
+                            <a:latin typeface="Cambria Math" panose="02040503050406030204" pitchFamily="18" charset="0"/>
+                          </a:rPr>
+                          <m:t>0:</m:t>
+                        </m:r>
+                        <m:r>
+                          <a:rPr lang="en-US" altLang="ko-KR" sz="2000" b="0" i="1" smtClean="0">
+                            <a:latin typeface="Cambria Math" panose="02040503050406030204" pitchFamily="18" charset="0"/>
+                          </a:rPr>
+                          <m:t>𝑘</m:t>
+                        </m:r>
+                      </m:sub>
+                    </m:sSub>
+                    <m:r>
+                      <a:rPr lang="en-US" altLang="ko-KR" sz="2000" b="0" i="1" smtClean="0">
+                        <a:latin typeface="Cambria Math" panose="02040503050406030204" pitchFamily="18" charset="0"/>
+                      </a:rPr>
+                      <m:t> , </m:t>
+                    </m:r>
+                    <m:sSub>
+                      <m:sSubPr>
+                        <m:ctrlPr>
+                          <a:rPr lang="en-US" altLang="ko-KR" sz="2000" i="1" smtClean="0">
+                            <a:latin typeface="Cambria Math" panose="02040503050406030204" pitchFamily="18" charset="0"/>
+                          </a:rPr>
+                        </m:ctrlPr>
+                      </m:sSubPr>
+                      <m:e>
+                        <m:r>
+                          <a:rPr lang="en-US" altLang="ko-KR" sz="2000" b="0" i="1" smtClean="0">
+                            <a:latin typeface="Cambria Math" panose="02040503050406030204" pitchFamily="18" charset="0"/>
+                          </a:rPr>
+                          <m:t>𝑈</m:t>
+                        </m:r>
+                      </m:e>
+                      <m:sub>
+                        <m:r>
+                          <a:rPr lang="en-US" altLang="ko-KR" sz="2000" b="0" i="1" smtClean="0">
+                            <a:latin typeface="Cambria Math" panose="02040503050406030204" pitchFamily="18" charset="0"/>
+                          </a:rPr>
+                          <m:t>0:</m:t>
+                        </m:r>
+                        <m:r>
+                          <a:rPr lang="en-US" altLang="ko-KR" sz="2000" b="0" i="1" smtClean="0">
+                            <a:latin typeface="Cambria Math" panose="02040503050406030204" pitchFamily="18" charset="0"/>
+                          </a:rPr>
+                          <m:t>𝑘</m:t>
+                        </m:r>
+                      </m:sub>
+                    </m:sSub>
+                    <m:r>
+                      <a:rPr lang="en-US" altLang="ko-KR" sz="2000" b="0" i="1" smtClean="0">
+                        <a:latin typeface="Cambria Math" panose="02040503050406030204" pitchFamily="18" charset="0"/>
+                      </a:rPr>
+                      <m:t> ,</m:t>
+                    </m:r>
+                    <m:sSub>
+                      <m:sSubPr>
+                        <m:ctrlPr>
+                          <a:rPr lang="en-US" altLang="ko-KR" sz="2000" i="1" smtClean="0">
+                            <a:latin typeface="Cambria Math" panose="02040503050406030204" pitchFamily="18" charset="0"/>
+                          </a:rPr>
+                        </m:ctrlPr>
+                      </m:sSubPr>
+                      <m:e>
+                        <m:r>
+                          <a:rPr lang="en-US" altLang="ko-KR" sz="2000" b="0" i="1" smtClean="0">
+                            <a:latin typeface="Cambria Math" panose="02040503050406030204" pitchFamily="18" charset="0"/>
+                          </a:rPr>
+                          <m:t>𝑥</m:t>
+                        </m:r>
+                      </m:e>
+                      <m:sub>
+                        <m:r>
+                          <a:rPr lang="en-US" altLang="ko-KR" sz="2000" b="0" i="1" smtClean="0">
+                            <a:latin typeface="Cambria Math" panose="02040503050406030204" pitchFamily="18" charset="0"/>
+                          </a:rPr>
+                          <m:t>0</m:t>
+                        </m:r>
+                      </m:sub>
+                    </m:sSub>
+                    <m:r>
+                      <a:rPr lang="en-US" altLang="ko-KR" sz="2000" b="0" i="1" smtClean="0">
+                        <a:latin typeface="Cambria Math" panose="02040503050406030204" pitchFamily="18" charset="0"/>
+                      </a:rPr>
+                      <m:t>)=</m:t>
+                    </m:r>
+                    <m:r>
+                      <a:rPr lang="en-US" altLang="ko-KR" sz="2000" b="0" i="1" smtClean="0">
+                        <a:latin typeface="Cambria Math" panose="02040503050406030204" pitchFamily="18" charset="0"/>
+                      </a:rPr>
+                      <m:t>𝑃</m:t>
+                    </m:r>
+                    <m:d>
+                      <m:dPr>
+                        <m:endChr m:val="|"/>
+                        <m:ctrlPr>
+                          <a:rPr lang="en-US" altLang="ko-KR" sz="2000" i="1" smtClean="0">
+                            <a:latin typeface="Cambria Math" panose="02040503050406030204" pitchFamily="18" charset="0"/>
+                          </a:rPr>
+                        </m:ctrlPr>
+                      </m:dPr>
+                      <m:e>
+                        <m:r>
+                          <a:rPr lang="en-US" altLang="ko-KR" sz="2000" b="0" i="1" smtClean="0">
+                            <a:latin typeface="Cambria Math" panose="02040503050406030204" pitchFamily="18" charset="0"/>
+                          </a:rPr>
+                          <m:t>𝑚</m:t>
+                        </m:r>
+                        <m:r>
+                          <a:rPr lang="en-US" altLang="ko-KR" sz="2000" b="0" i="1" smtClean="0">
+                            <a:latin typeface="Cambria Math" panose="02040503050406030204" pitchFamily="18" charset="0"/>
+                          </a:rPr>
+                          <m:t> </m:t>
+                        </m:r>
+                      </m:e>
+                    </m:d>
+                    <m:r>
+                      <a:rPr lang="en-US" altLang="ko-KR" sz="2000" b="0" i="1" smtClean="0">
+                        <a:latin typeface="Cambria Math" panose="02040503050406030204" pitchFamily="18" charset="0"/>
+                      </a:rPr>
+                      <m:t>  </m:t>
+                    </m:r>
+                    <m:sSub>
+                      <m:sSubPr>
+                        <m:ctrlPr>
+                          <a:rPr lang="en-US" altLang="ko-KR" sz="2000" i="1" smtClean="0">
+                            <a:latin typeface="Cambria Math" panose="02040503050406030204" pitchFamily="18" charset="0"/>
+                          </a:rPr>
+                        </m:ctrlPr>
+                      </m:sSubPr>
+                      <m:e>
+                        <m:r>
+                          <a:rPr lang="en-US" altLang="ko-KR" sz="2000" b="0" i="1" smtClean="0">
+                            <a:latin typeface="Cambria Math" panose="02040503050406030204" pitchFamily="18" charset="0"/>
+                          </a:rPr>
+                          <m:t>𝑥</m:t>
+                        </m:r>
+                      </m:e>
+                      <m:sub>
+                        <m:r>
+                          <a:rPr lang="en-US" altLang="ko-KR" sz="2000" b="0" i="1" smtClean="0">
+                            <a:latin typeface="Cambria Math" panose="02040503050406030204" pitchFamily="18" charset="0"/>
+                          </a:rPr>
+                          <m:t>𝑘</m:t>
+                        </m:r>
+                      </m:sub>
+                    </m:sSub>
+                    <m:r>
+                      <a:rPr lang="en-US" altLang="ko-KR" sz="2000" b="0" i="1" smtClean="0">
+                        <a:latin typeface="Cambria Math" panose="02040503050406030204" pitchFamily="18" charset="0"/>
+                      </a:rPr>
+                      <m:t> , </m:t>
+                    </m:r>
+                    <m:sSub>
+                      <m:sSubPr>
+                        <m:ctrlPr>
+                          <a:rPr lang="en-US" altLang="ko-KR" sz="2000" i="1" smtClean="0">
+                            <a:latin typeface="Cambria Math" panose="02040503050406030204" pitchFamily="18" charset="0"/>
+                          </a:rPr>
+                        </m:ctrlPr>
+                      </m:sSubPr>
+                      <m:e>
+                        <m:r>
+                          <a:rPr lang="en-US" altLang="ko-KR" sz="2000" b="0" i="1" smtClean="0">
+                            <a:latin typeface="Cambria Math" panose="02040503050406030204" pitchFamily="18" charset="0"/>
+                          </a:rPr>
+                          <m:t>𝑍</m:t>
+                        </m:r>
+                      </m:e>
+                      <m:sub>
+                        <m:r>
+                          <a:rPr lang="en-US" altLang="ko-KR" sz="2000" b="0" i="1" smtClean="0">
+                            <a:latin typeface="Cambria Math" panose="02040503050406030204" pitchFamily="18" charset="0"/>
+                          </a:rPr>
+                          <m:t>0:</m:t>
+                        </m:r>
+                        <m:r>
+                          <a:rPr lang="en-US" altLang="ko-KR" sz="2000" b="0" i="1" smtClean="0">
+                            <a:latin typeface="Cambria Math" panose="02040503050406030204" pitchFamily="18" charset="0"/>
+                          </a:rPr>
+                          <m:t>𝑘</m:t>
+                        </m:r>
+                      </m:sub>
+                    </m:sSub>
+                    <m:r>
+                      <a:rPr lang="en-US" altLang="ko-KR" sz="2000" b="0" i="1" smtClean="0">
+                        <a:latin typeface="Cambria Math" panose="02040503050406030204" pitchFamily="18" charset="0"/>
+                      </a:rPr>
+                      <m:t> , </m:t>
+                    </m:r>
+                    <m:sSub>
+                      <m:sSubPr>
+                        <m:ctrlPr>
+                          <a:rPr lang="en-US" altLang="ko-KR" sz="2000" i="1" smtClean="0">
+                            <a:latin typeface="Cambria Math" panose="02040503050406030204" pitchFamily="18" charset="0"/>
+                          </a:rPr>
+                        </m:ctrlPr>
+                      </m:sSubPr>
+                      <m:e>
+                        <m:r>
+                          <a:rPr lang="en-US" altLang="ko-KR" sz="2000" b="0" i="1" smtClean="0">
+                            <a:latin typeface="Cambria Math" panose="02040503050406030204" pitchFamily="18" charset="0"/>
+                          </a:rPr>
+                          <m:t>𝑈</m:t>
+                        </m:r>
+                      </m:e>
+                      <m:sub>
+                        <m:r>
+                          <a:rPr lang="en-US" altLang="ko-KR" sz="2000" b="0" i="1" smtClean="0">
+                            <a:latin typeface="Cambria Math" panose="02040503050406030204" pitchFamily="18" charset="0"/>
+                          </a:rPr>
+                          <m:t>0:</m:t>
+                        </m:r>
+                        <m:r>
+                          <a:rPr lang="en-US" altLang="ko-KR" sz="2000" b="0" i="1" smtClean="0">
+                            <a:latin typeface="Cambria Math" panose="02040503050406030204" pitchFamily="18" charset="0"/>
+                          </a:rPr>
+                          <m:t>𝑘</m:t>
+                        </m:r>
+                        <m:r>
+                          <a:rPr lang="en-US" altLang="ko-KR" sz="2000" b="0" i="1" smtClean="0">
+                            <a:latin typeface="Cambria Math" panose="02040503050406030204" pitchFamily="18" charset="0"/>
+                          </a:rPr>
+                          <m:t> </m:t>
+                        </m:r>
+                      </m:sub>
+                    </m:sSub>
+                    <m:r>
+                      <a:rPr lang="en-US" altLang="ko-KR" sz="2000" b="0" i="1" smtClean="0">
+                        <a:latin typeface="Cambria Math" panose="02040503050406030204" pitchFamily="18" charset="0"/>
+                      </a:rPr>
+                      <m:t>, </m:t>
+                    </m:r>
+                    <m:sSub>
+                      <m:sSubPr>
+                        <m:ctrlPr>
+                          <a:rPr lang="en-US" altLang="ko-KR" sz="2000" i="1" smtClean="0">
+                            <a:latin typeface="Cambria Math" panose="02040503050406030204" pitchFamily="18" charset="0"/>
+                          </a:rPr>
+                        </m:ctrlPr>
+                      </m:sSubPr>
+                      <m:e>
+                        <m:r>
+                          <a:rPr lang="en-US" altLang="ko-KR" sz="2000" b="0" i="1" smtClean="0">
+                            <a:latin typeface="Cambria Math" panose="02040503050406030204" pitchFamily="18" charset="0"/>
+                          </a:rPr>
+                          <m:t>𝑥</m:t>
+                        </m:r>
+                      </m:e>
+                      <m:sub>
+                        <m:r>
+                          <a:rPr lang="en-US" altLang="ko-KR" sz="2000" b="0" i="1" smtClean="0">
+                            <a:latin typeface="Cambria Math" panose="02040503050406030204" pitchFamily="18" charset="0"/>
+                          </a:rPr>
+                          <m:t>0</m:t>
+                        </m:r>
+                      </m:sub>
+                    </m:sSub>
+                    <m:r>
+                      <a:rPr lang="en-US" altLang="ko-KR" sz="2000" b="0" i="1" smtClean="0">
+                        <a:latin typeface="Cambria Math" panose="02040503050406030204" pitchFamily="18" charset="0"/>
+                      </a:rPr>
+                      <m:t>) </m:t>
+                    </m:r>
+                    <m:r>
+                      <a:rPr lang="en-US" altLang="ko-KR" sz="2000" b="0" i="1" smtClean="0">
+                        <a:latin typeface="Cambria Math" panose="02040503050406030204" pitchFamily="18" charset="0"/>
+                      </a:rPr>
+                      <m:t>𝑃</m:t>
+                    </m:r>
+                    <m:r>
+                      <a:rPr lang="en-US" altLang="ko-KR" sz="2000" b="0" i="1" smtClean="0">
+                        <a:latin typeface="Cambria Math" panose="02040503050406030204" pitchFamily="18" charset="0"/>
+                      </a:rPr>
+                      <m:t> </m:t>
+                    </m:r>
+                    <m:d>
+                      <m:dPr>
+                        <m:endChr m:val="|"/>
+                        <m:ctrlPr>
+                          <a:rPr lang="en-US" altLang="ko-KR" sz="2000" i="1" smtClean="0">
+                            <a:latin typeface="Cambria Math" panose="02040503050406030204" pitchFamily="18" charset="0"/>
+                          </a:rPr>
+                        </m:ctrlPr>
+                      </m:dPr>
+                      <m:e>
+                        <m:sSub>
+                          <m:sSubPr>
+                            <m:ctrlPr>
+                              <a:rPr lang="en-US" altLang="ko-KR" sz="2000" i="1" smtClean="0">
+                                <a:latin typeface="Cambria Math" panose="02040503050406030204" pitchFamily="18" charset="0"/>
+                              </a:rPr>
+                            </m:ctrlPr>
+                          </m:sSubPr>
+                          <m:e>
+                            <m:r>
+                              <a:rPr lang="en-US" altLang="ko-KR" sz="2000" b="0" i="1" smtClean="0">
+                                <a:latin typeface="Cambria Math" panose="02040503050406030204" pitchFamily="18" charset="0"/>
+                              </a:rPr>
+                              <m:t>𝑥</m:t>
+                            </m:r>
+                          </m:e>
+                          <m:sub>
+                            <m:r>
+                              <a:rPr lang="en-US" altLang="ko-KR" sz="2000" b="0" i="1" smtClean="0">
+                                <a:latin typeface="Cambria Math" panose="02040503050406030204" pitchFamily="18" charset="0"/>
+                              </a:rPr>
+                              <m:t>𝑘</m:t>
+                            </m:r>
+                          </m:sub>
+                        </m:sSub>
+                      </m:e>
+                    </m:d>
+                    <m:sSub>
+                      <m:sSubPr>
+                        <m:ctrlPr>
+                          <a:rPr lang="en-US" altLang="ko-KR" sz="2000" i="1">
+                            <a:latin typeface="Cambria Math" panose="02040503050406030204" pitchFamily="18" charset="0"/>
+                          </a:rPr>
+                        </m:ctrlPr>
+                      </m:sSubPr>
+                      <m:e>
+                        <m:r>
+                          <a:rPr lang="en-US" altLang="ko-KR" sz="2000" b="0" i="1">
+                            <a:latin typeface="Cambria Math" panose="02040503050406030204" pitchFamily="18" charset="0"/>
+                          </a:rPr>
+                          <m:t>𝑍</m:t>
+                        </m:r>
+                      </m:e>
+                      <m:sub>
+                        <m:r>
+                          <a:rPr lang="en-US" altLang="ko-KR" sz="2000" b="0" i="1">
+                            <a:latin typeface="Cambria Math" panose="02040503050406030204" pitchFamily="18" charset="0"/>
+                          </a:rPr>
+                          <m:t>0:</m:t>
+                        </m:r>
+                        <m:r>
+                          <a:rPr lang="en-US" altLang="ko-KR" sz="2000" b="0" i="1">
+                            <a:latin typeface="Cambria Math" panose="02040503050406030204" pitchFamily="18" charset="0"/>
+                          </a:rPr>
+                          <m:t>𝑘</m:t>
+                        </m:r>
+                      </m:sub>
+                    </m:sSub>
+                    <m:r>
+                      <a:rPr lang="en-US" altLang="ko-KR" sz="2000" b="0" i="1">
+                        <a:latin typeface="Cambria Math" panose="02040503050406030204" pitchFamily="18" charset="0"/>
+                      </a:rPr>
+                      <m:t> , </m:t>
+                    </m:r>
+                    <m:sSub>
+                      <m:sSubPr>
+                        <m:ctrlPr>
+                          <a:rPr lang="en-US" altLang="ko-KR" sz="2000" i="1">
+                            <a:latin typeface="Cambria Math" panose="02040503050406030204" pitchFamily="18" charset="0"/>
+                          </a:rPr>
+                        </m:ctrlPr>
+                      </m:sSubPr>
+                      <m:e>
+                        <m:r>
+                          <a:rPr lang="en-US" altLang="ko-KR" sz="2000" b="0" i="1">
+                            <a:latin typeface="Cambria Math" panose="02040503050406030204" pitchFamily="18" charset="0"/>
+                          </a:rPr>
+                          <m:t>𝑈</m:t>
+                        </m:r>
+                      </m:e>
+                      <m:sub>
+                        <m:r>
+                          <a:rPr lang="en-US" altLang="ko-KR" sz="2000" b="0" i="1">
+                            <a:latin typeface="Cambria Math" panose="02040503050406030204" pitchFamily="18" charset="0"/>
+                          </a:rPr>
+                          <m:t>0:</m:t>
+                        </m:r>
+                        <m:r>
+                          <a:rPr lang="en-US" altLang="ko-KR" sz="2000" b="0" i="1">
+                            <a:latin typeface="Cambria Math" panose="02040503050406030204" pitchFamily="18" charset="0"/>
+                          </a:rPr>
+                          <m:t>𝑘</m:t>
+                        </m:r>
+                        <m:r>
+                          <a:rPr lang="en-US" altLang="ko-KR" sz="2000" b="0" i="1">
+                            <a:latin typeface="Cambria Math" panose="02040503050406030204" pitchFamily="18" charset="0"/>
+                          </a:rPr>
+                          <m:t> </m:t>
+                        </m:r>
+                      </m:sub>
+                    </m:sSub>
+                    <m:r>
+                      <a:rPr lang="en-US" altLang="ko-KR" sz="2000" b="0" i="1">
+                        <a:latin typeface="Cambria Math" panose="02040503050406030204" pitchFamily="18" charset="0"/>
+                      </a:rPr>
+                      <m:t>, </m:t>
+                    </m:r>
+                    <m:sSub>
+                      <m:sSubPr>
+                        <m:ctrlPr>
+                          <a:rPr lang="en-US" altLang="ko-KR" sz="2000" i="1">
+                            <a:latin typeface="Cambria Math" panose="02040503050406030204" pitchFamily="18" charset="0"/>
+                          </a:rPr>
+                        </m:ctrlPr>
+                      </m:sSubPr>
+                      <m:e>
+                        <m:r>
+                          <a:rPr lang="en-US" altLang="ko-KR" sz="2000" b="0" i="1">
+                            <a:latin typeface="Cambria Math" panose="02040503050406030204" pitchFamily="18" charset="0"/>
+                          </a:rPr>
+                          <m:t>𝑥</m:t>
+                        </m:r>
+                      </m:e>
+                      <m:sub>
+                        <m:r>
+                          <a:rPr lang="en-US" altLang="ko-KR" sz="2000" b="0" i="1">
+                            <a:latin typeface="Cambria Math" panose="02040503050406030204" pitchFamily="18" charset="0"/>
+                          </a:rPr>
+                          <m:t>0</m:t>
+                        </m:r>
+                      </m:sub>
+                    </m:sSub>
+                  </m:oMath>
+                </a14:m>
+                <a:r>
+                  <a:rPr lang="en-US" altLang="ko-KR" sz="2000" dirty="0"/>
+                  <a:t>)</a:t>
+                </a:r>
+                <a:endParaRPr lang="ko-KR" altLang="en-US" sz="2000" dirty="0"/>
+              </a:p>
+            </p:txBody>
+          </p:sp>
+        </mc:Choice>
+        <mc:Fallback>
+          <p:sp>
+            <p:nvSpPr>
+              <p:cNvPr id="15" name="TextBox 14">
+                <a:extLst>
+                  <a:ext uri="{FF2B5EF4-FFF2-40B4-BE49-F238E27FC236}">
+                    <a16:creationId xmlns:a16="http://schemas.microsoft.com/office/drawing/2014/main" id="{9AC0D355-A2C0-448D-B445-F7DAE3F06914}"/>
+                  </a:ext>
+                </a:extLst>
+              </p:cNvPr>
+              <p:cNvSpPr txBox="1">
+                <a:spLocks noRot="1" noChangeAspect="1" noMove="1" noResize="1" noEditPoints="1" noAdjustHandles="1" noChangeArrowheads="1" noChangeShapeType="1" noTextEdit="1"/>
+              </p:cNvSpPr>
+              <p:nvPr/>
+            </p:nvSpPr>
+            <p:spPr>
+              <a:xfrm>
+                <a:off x="2010651" y="2614611"/>
+                <a:ext cx="8170698" cy="307777"/>
+              </a:xfrm>
+              <a:prstGeom prst="rect">
+                <a:avLst/>
+              </a:prstGeom>
+              <a:blipFill>
+                <a:blip r:embed="rId7"/>
+                <a:stretch>
+                  <a:fillRect l="-1119" t="-26000" b="-50000"/>
+                </a:stretch>
+              </a:blipFill>
+            </p:spPr>
+            <p:txBody>
+              <a:bodyPr/>
+              <a:lstStyle/>
+              <a:p>
+                <a:r>
+                  <a:rPr lang="ko-KR" altLang="en-US">
+                    <a:noFill/>
+                  </a:rPr>
+                  <a:t> </a:t>
+                </a:r>
+              </a:p>
+            </p:txBody>
+          </p:sp>
+        </mc:Fallback>
+      </mc:AlternateContent>
+      <mc:AlternateContent xmlns:mc="http://schemas.openxmlformats.org/markup-compatibility/2006">
+        <mc:Choice xmlns:a14="http://schemas.microsoft.com/office/drawing/2010/main" Requires="a14">
+          <p:sp>
+            <p:nvSpPr>
+              <p:cNvPr id="17" name="TextBox 16">
+                <a:extLst>
+                  <a:ext uri="{FF2B5EF4-FFF2-40B4-BE49-F238E27FC236}">
+                    <a16:creationId xmlns:a16="http://schemas.microsoft.com/office/drawing/2014/main" id="{13CE19CC-1D45-4F92-A13F-3361F2E0E640}"/>
+                  </a:ext>
+                </a:extLst>
+              </p:cNvPr>
+              <p:cNvSpPr txBox="1"/>
+              <p:nvPr/>
+            </p:nvSpPr>
+            <p:spPr>
+              <a:xfrm>
+                <a:off x="2010651" y="3129517"/>
+                <a:ext cx="7058855" cy="307777"/>
+              </a:xfrm>
+              <a:prstGeom prst="rect">
+                <a:avLst/>
+              </a:prstGeom>
+              <a:noFill/>
+            </p:spPr>
+            <p:txBody>
+              <a:bodyPr wrap="none" lIns="0" tIns="0" rIns="0" bIns="0" rtlCol="0">
+                <a:spAutoFit/>
+              </a:bodyPr>
+              <a:lstStyle/>
+              <a:p>
+                <a14:m>
+                  <m:oMathPara xmlns:m="http://schemas.openxmlformats.org/officeDocument/2006/math">
+                    <m:oMathParaPr>
+                      <m:jc m:val="centerGroup"/>
+                    </m:oMathParaPr>
+                    <m:oMath xmlns:m="http://schemas.openxmlformats.org/officeDocument/2006/math">
+                      <m:r>
+                        <a:rPr lang="en-US" altLang="ko-KR" sz="2000" b="0" i="1" smtClean="0">
+                          <a:latin typeface="Cambria Math" panose="02040503050406030204" pitchFamily="18" charset="0"/>
+                        </a:rPr>
+                        <m:t>𝑃</m:t>
+                      </m:r>
+                      <m:d>
+                        <m:dPr>
+                          <m:endChr m:val="|"/>
+                          <m:ctrlPr>
+                            <a:rPr lang="en-US" altLang="ko-KR" sz="2000" i="1" smtClean="0">
+                              <a:latin typeface="Cambria Math" panose="02040503050406030204" pitchFamily="18" charset="0"/>
+                            </a:rPr>
+                          </m:ctrlPr>
+                        </m:dPr>
+                        <m:e>
+                          <m:sSub>
+                            <m:sSubPr>
+                              <m:ctrlPr>
+                                <a:rPr lang="en-US" altLang="ko-KR" sz="2000" i="1" smtClean="0">
+                                  <a:latin typeface="Cambria Math" panose="02040503050406030204" pitchFamily="18" charset="0"/>
+                                </a:rPr>
+                              </m:ctrlPr>
+                            </m:sSubPr>
+                            <m:e>
+                              <m:r>
+                                <a:rPr lang="en-US" altLang="ko-KR" sz="2000" b="0" i="1" smtClean="0">
+                                  <a:latin typeface="Cambria Math" panose="02040503050406030204" pitchFamily="18" charset="0"/>
+                                </a:rPr>
+                                <m:t>𝑥</m:t>
+                              </m:r>
+                            </m:e>
+                            <m:sub>
+                              <m:r>
+                                <a:rPr lang="en-US" altLang="ko-KR" sz="2000" b="0" i="1" smtClean="0">
+                                  <a:latin typeface="Cambria Math" panose="02040503050406030204" pitchFamily="18" charset="0"/>
+                                </a:rPr>
+                                <m:t>𝑘</m:t>
+                              </m:r>
+                            </m:sub>
+                          </m:sSub>
+                          <m:r>
+                            <a:rPr lang="en-US" altLang="ko-KR" sz="2000" b="0" i="1" smtClean="0">
+                              <a:latin typeface="Cambria Math" panose="02040503050406030204" pitchFamily="18" charset="0"/>
+                            </a:rPr>
+                            <m:t> , </m:t>
+                          </m:r>
+                          <m:r>
+                            <a:rPr lang="en-US" altLang="ko-KR" sz="2000" b="0" i="1" smtClean="0">
+                              <a:latin typeface="Cambria Math" panose="02040503050406030204" pitchFamily="18" charset="0"/>
+                            </a:rPr>
+                            <m:t>𝑚</m:t>
+                          </m:r>
+                          <m:r>
+                            <a:rPr lang="en-US" altLang="ko-KR" sz="2000" b="0" i="1" smtClean="0">
+                              <a:latin typeface="Cambria Math" panose="02040503050406030204" pitchFamily="18" charset="0"/>
+                            </a:rPr>
+                            <m:t> </m:t>
+                          </m:r>
+                        </m:e>
+                      </m:d>
+                      <m:r>
+                        <a:rPr lang="en-US" altLang="ko-KR" sz="2000" b="0" i="1" smtClean="0">
+                          <a:latin typeface="Cambria Math" panose="02040503050406030204" pitchFamily="18" charset="0"/>
+                        </a:rPr>
+                        <m:t> </m:t>
+                      </m:r>
+                      <m:sSub>
+                        <m:sSubPr>
+                          <m:ctrlPr>
+                            <a:rPr lang="en-US" altLang="ko-KR" sz="2000" i="1" smtClean="0">
+                              <a:latin typeface="Cambria Math" panose="02040503050406030204" pitchFamily="18" charset="0"/>
+                            </a:rPr>
+                          </m:ctrlPr>
+                        </m:sSubPr>
+                        <m:e>
+                          <m:r>
+                            <a:rPr lang="en-US" altLang="ko-KR" sz="2000" b="0" i="1" smtClean="0">
+                              <a:latin typeface="Cambria Math" panose="02040503050406030204" pitchFamily="18" charset="0"/>
+                            </a:rPr>
+                            <m:t>𝑍</m:t>
+                          </m:r>
+                        </m:e>
+                        <m:sub>
+                          <m:r>
+                            <a:rPr lang="en-US" altLang="ko-KR" sz="2000" b="0" i="1" smtClean="0">
+                              <a:latin typeface="Cambria Math" panose="02040503050406030204" pitchFamily="18" charset="0"/>
+                            </a:rPr>
+                            <m:t>0:</m:t>
+                          </m:r>
+                          <m:r>
+                            <a:rPr lang="en-US" altLang="ko-KR" sz="2000" b="0" i="1" smtClean="0">
+                              <a:latin typeface="Cambria Math" panose="02040503050406030204" pitchFamily="18" charset="0"/>
+                            </a:rPr>
+                            <m:t>𝑘</m:t>
+                          </m:r>
+                        </m:sub>
+                      </m:sSub>
+                      <m:r>
+                        <a:rPr lang="en-US" altLang="ko-KR" sz="2000" b="0" i="1" smtClean="0">
+                          <a:latin typeface="Cambria Math" panose="02040503050406030204" pitchFamily="18" charset="0"/>
+                        </a:rPr>
+                        <m:t> , </m:t>
+                      </m:r>
+                      <m:sSub>
+                        <m:sSubPr>
+                          <m:ctrlPr>
+                            <a:rPr lang="en-US" altLang="ko-KR" sz="2000" i="1" smtClean="0">
+                              <a:latin typeface="Cambria Math" panose="02040503050406030204" pitchFamily="18" charset="0"/>
+                            </a:rPr>
+                          </m:ctrlPr>
+                        </m:sSubPr>
+                        <m:e>
+                          <m:r>
+                            <a:rPr lang="en-US" altLang="ko-KR" sz="2000" b="0" i="1" smtClean="0">
+                              <a:latin typeface="Cambria Math" panose="02040503050406030204" pitchFamily="18" charset="0"/>
+                            </a:rPr>
+                            <m:t>𝑈</m:t>
+                          </m:r>
+                        </m:e>
+                        <m:sub>
+                          <m:r>
+                            <a:rPr lang="en-US" altLang="ko-KR" sz="2000" b="0" i="1" smtClean="0">
+                              <a:latin typeface="Cambria Math" panose="02040503050406030204" pitchFamily="18" charset="0"/>
+                            </a:rPr>
+                            <m:t>0:</m:t>
+                          </m:r>
+                          <m:r>
+                            <a:rPr lang="en-US" altLang="ko-KR" sz="2000" b="0" i="1" smtClean="0">
+                              <a:latin typeface="Cambria Math" panose="02040503050406030204" pitchFamily="18" charset="0"/>
+                            </a:rPr>
+                            <m:t>𝑘</m:t>
+                          </m:r>
+                        </m:sub>
+                      </m:sSub>
+                      <m:r>
+                        <a:rPr lang="en-US" altLang="ko-KR" sz="2000" b="0" i="1" smtClean="0">
+                          <a:latin typeface="Cambria Math" panose="02040503050406030204" pitchFamily="18" charset="0"/>
+                        </a:rPr>
+                        <m:t> ,</m:t>
+                      </m:r>
+                      <m:sSub>
+                        <m:sSubPr>
+                          <m:ctrlPr>
+                            <a:rPr lang="en-US" altLang="ko-KR" sz="2000" i="1" smtClean="0">
+                              <a:latin typeface="Cambria Math" panose="02040503050406030204" pitchFamily="18" charset="0"/>
+                            </a:rPr>
+                          </m:ctrlPr>
+                        </m:sSubPr>
+                        <m:e>
+                          <m:r>
+                            <a:rPr lang="en-US" altLang="ko-KR" sz="2000" b="0" i="1" smtClean="0">
+                              <a:latin typeface="Cambria Math" panose="02040503050406030204" pitchFamily="18" charset="0"/>
+                            </a:rPr>
+                            <m:t>𝑥</m:t>
+                          </m:r>
+                        </m:e>
+                        <m:sub>
+                          <m:r>
+                            <a:rPr lang="en-US" altLang="ko-KR" sz="2000" b="0" i="1" smtClean="0">
+                              <a:latin typeface="Cambria Math" panose="02040503050406030204" pitchFamily="18" charset="0"/>
+                            </a:rPr>
+                            <m:t>0</m:t>
+                          </m:r>
+                        </m:sub>
+                      </m:sSub>
+                      <m:r>
+                        <a:rPr lang="en-US" altLang="ko-KR" sz="2000" b="0" i="1" smtClean="0">
+                          <a:latin typeface="Cambria Math" panose="02040503050406030204" pitchFamily="18" charset="0"/>
+                        </a:rPr>
+                        <m:t>)=</m:t>
+                      </m:r>
+                      <m:r>
+                        <a:rPr lang="en-US" altLang="ko-KR" sz="2000" b="0" i="1" smtClean="0">
+                          <a:latin typeface="Cambria Math" panose="02040503050406030204" pitchFamily="18" charset="0"/>
+                        </a:rPr>
+                        <m:t>𝑃</m:t>
+                      </m:r>
+                      <m:d>
+                        <m:dPr>
+                          <m:endChr m:val="|"/>
+                          <m:ctrlPr>
+                            <a:rPr lang="en-US" altLang="ko-KR" sz="2000" i="1" smtClean="0">
+                              <a:latin typeface="Cambria Math" panose="02040503050406030204" pitchFamily="18" charset="0"/>
+                            </a:rPr>
+                          </m:ctrlPr>
+                        </m:dPr>
+                        <m:e>
+                          <m:r>
+                            <a:rPr lang="en-US" altLang="ko-KR" sz="2000" b="0" i="1" smtClean="0">
+                              <a:latin typeface="Cambria Math" panose="02040503050406030204" pitchFamily="18" charset="0"/>
+                            </a:rPr>
+                            <m:t>𝑚</m:t>
+                          </m:r>
+                          <m:r>
+                            <a:rPr lang="en-US" altLang="ko-KR" sz="2000" b="0" i="1" smtClean="0">
+                              <a:latin typeface="Cambria Math" panose="02040503050406030204" pitchFamily="18" charset="0"/>
+                            </a:rPr>
+                            <m:t> </m:t>
+                          </m:r>
+                        </m:e>
+                      </m:d>
+                      <m:r>
+                        <a:rPr lang="en-US" altLang="ko-KR" sz="2000" b="0" i="1" smtClean="0">
+                          <a:latin typeface="Cambria Math" panose="02040503050406030204" pitchFamily="18" charset="0"/>
+                        </a:rPr>
+                        <m:t>  </m:t>
+                      </m:r>
+                      <m:sSub>
+                        <m:sSubPr>
+                          <m:ctrlPr>
+                            <a:rPr lang="en-US" altLang="ko-KR" sz="2000" i="1" smtClean="0">
+                              <a:latin typeface="Cambria Math" panose="02040503050406030204" pitchFamily="18" charset="0"/>
+                            </a:rPr>
+                          </m:ctrlPr>
+                        </m:sSubPr>
+                        <m:e>
+                          <m:r>
+                            <a:rPr lang="en-US" altLang="ko-KR" sz="2000" b="0" i="1" smtClean="0">
+                              <a:latin typeface="Cambria Math" panose="02040503050406030204" pitchFamily="18" charset="0"/>
+                            </a:rPr>
+                            <m:t>𝑥</m:t>
+                          </m:r>
+                        </m:e>
+                        <m:sub>
+                          <m:r>
+                            <a:rPr lang="en-US" altLang="ko-KR" sz="2000" b="0" i="1" smtClean="0">
+                              <a:latin typeface="Cambria Math" panose="02040503050406030204" pitchFamily="18" charset="0"/>
+                            </a:rPr>
+                            <m:t>𝑘</m:t>
+                          </m:r>
+                        </m:sub>
+                      </m:sSub>
+                      <m:r>
+                        <a:rPr lang="en-US" altLang="ko-KR" sz="2000" b="0" i="1" smtClean="0">
+                          <a:latin typeface="Cambria Math" panose="02040503050406030204" pitchFamily="18" charset="0"/>
+                        </a:rPr>
+                        <m:t> , </m:t>
+                      </m:r>
+                      <m:sSub>
+                        <m:sSubPr>
+                          <m:ctrlPr>
+                            <a:rPr lang="en-US" altLang="ko-KR" sz="2000" i="1" smtClean="0">
+                              <a:latin typeface="Cambria Math" panose="02040503050406030204" pitchFamily="18" charset="0"/>
+                            </a:rPr>
+                          </m:ctrlPr>
+                        </m:sSubPr>
+                        <m:e>
+                          <m:r>
+                            <a:rPr lang="en-US" altLang="ko-KR" sz="2000" b="0" i="1" smtClean="0">
+                              <a:latin typeface="Cambria Math" panose="02040503050406030204" pitchFamily="18" charset="0"/>
+                            </a:rPr>
+                            <m:t>𝑍</m:t>
+                          </m:r>
+                        </m:e>
+                        <m:sub>
+                          <m:r>
+                            <a:rPr lang="en-US" altLang="ko-KR" sz="2000" b="0" i="1" smtClean="0">
+                              <a:latin typeface="Cambria Math" panose="02040503050406030204" pitchFamily="18" charset="0"/>
+                            </a:rPr>
+                            <m:t>0:</m:t>
+                          </m:r>
+                          <m:r>
+                            <a:rPr lang="en-US" altLang="ko-KR" sz="2000" b="0" i="1" smtClean="0">
+                              <a:latin typeface="Cambria Math" panose="02040503050406030204" pitchFamily="18" charset="0"/>
+                            </a:rPr>
+                            <m:t>𝑘</m:t>
+                          </m:r>
+                        </m:sub>
+                      </m:sSub>
+                      <m:r>
+                        <a:rPr lang="en-US" altLang="ko-KR" sz="2000" b="0" i="1" smtClean="0">
+                          <a:latin typeface="Cambria Math" panose="02040503050406030204" pitchFamily="18" charset="0"/>
+                        </a:rPr>
+                        <m:t> ) </m:t>
+                      </m:r>
+                      <m:r>
+                        <a:rPr lang="en-US" altLang="ko-KR" sz="2000" b="0" i="1" smtClean="0">
+                          <a:latin typeface="Cambria Math" panose="02040503050406030204" pitchFamily="18" charset="0"/>
+                        </a:rPr>
+                        <m:t>𝑃</m:t>
+                      </m:r>
+                      <m:r>
+                        <a:rPr lang="en-US" altLang="ko-KR" sz="2000" b="0" i="1" smtClean="0">
+                          <a:latin typeface="Cambria Math" panose="02040503050406030204" pitchFamily="18" charset="0"/>
+                        </a:rPr>
+                        <m:t> </m:t>
+                      </m:r>
+                      <m:d>
+                        <m:dPr>
+                          <m:endChr m:val="|"/>
+                          <m:ctrlPr>
+                            <a:rPr lang="en-US" altLang="ko-KR" sz="2000" i="1" smtClean="0">
+                              <a:latin typeface="Cambria Math" panose="02040503050406030204" pitchFamily="18" charset="0"/>
+                            </a:rPr>
+                          </m:ctrlPr>
+                        </m:dPr>
+                        <m:e>
+                          <m:sSub>
+                            <m:sSubPr>
+                              <m:ctrlPr>
+                                <a:rPr lang="en-US" altLang="ko-KR" sz="2000" i="1" smtClean="0">
+                                  <a:latin typeface="Cambria Math" panose="02040503050406030204" pitchFamily="18" charset="0"/>
+                                </a:rPr>
+                              </m:ctrlPr>
+                            </m:sSubPr>
+                            <m:e>
+                              <m:r>
+                                <a:rPr lang="en-US" altLang="ko-KR" sz="2000" b="0" i="1" smtClean="0">
+                                  <a:latin typeface="Cambria Math" panose="02040503050406030204" pitchFamily="18" charset="0"/>
+                                </a:rPr>
+                                <m:t>𝑥</m:t>
+                              </m:r>
+                            </m:e>
+                            <m:sub>
+                              <m:r>
+                                <a:rPr lang="en-US" altLang="ko-KR" sz="2000" b="0" i="1" smtClean="0">
+                                  <a:latin typeface="Cambria Math" panose="02040503050406030204" pitchFamily="18" charset="0"/>
+                                </a:rPr>
+                                <m:t>𝑘</m:t>
+                              </m:r>
+                            </m:sub>
+                          </m:sSub>
+                        </m:e>
+                      </m:d>
+                      <m:sSub>
+                        <m:sSubPr>
+                          <m:ctrlPr>
+                            <a:rPr lang="en-US" altLang="ko-KR" sz="2000" i="1">
+                              <a:latin typeface="Cambria Math" panose="02040503050406030204" pitchFamily="18" charset="0"/>
+                            </a:rPr>
+                          </m:ctrlPr>
+                        </m:sSubPr>
+                        <m:e>
+                          <m:r>
+                            <a:rPr lang="en-US" altLang="ko-KR" sz="2000" b="0" i="1">
+                              <a:latin typeface="Cambria Math" panose="02040503050406030204" pitchFamily="18" charset="0"/>
+                            </a:rPr>
+                            <m:t>𝑍</m:t>
+                          </m:r>
+                        </m:e>
+                        <m:sub>
+                          <m:r>
+                            <a:rPr lang="en-US" altLang="ko-KR" sz="2000" b="0" i="1">
+                              <a:latin typeface="Cambria Math" panose="02040503050406030204" pitchFamily="18" charset="0"/>
+                            </a:rPr>
+                            <m:t>0:</m:t>
+                          </m:r>
+                          <m:r>
+                            <a:rPr lang="en-US" altLang="ko-KR" sz="2000" b="0" i="1">
+                              <a:latin typeface="Cambria Math" panose="02040503050406030204" pitchFamily="18" charset="0"/>
+                            </a:rPr>
+                            <m:t>𝑘</m:t>
+                          </m:r>
+                        </m:sub>
+                      </m:sSub>
+                      <m:r>
+                        <a:rPr lang="en-US" altLang="ko-KR" sz="2000" b="0" i="1">
+                          <a:latin typeface="Cambria Math" panose="02040503050406030204" pitchFamily="18" charset="0"/>
+                        </a:rPr>
+                        <m:t> , </m:t>
+                      </m:r>
+                      <m:sSub>
+                        <m:sSubPr>
+                          <m:ctrlPr>
+                            <a:rPr lang="en-US" altLang="ko-KR" sz="2000" i="1">
+                              <a:latin typeface="Cambria Math" panose="02040503050406030204" pitchFamily="18" charset="0"/>
+                            </a:rPr>
+                          </m:ctrlPr>
+                        </m:sSubPr>
+                        <m:e>
+                          <m:r>
+                            <a:rPr lang="en-US" altLang="ko-KR" sz="2000" b="0" i="1">
+                              <a:latin typeface="Cambria Math" panose="02040503050406030204" pitchFamily="18" charset="0"/>
+                            </a:rPr>
+                            <m:t>𝑈</m:t>
+                          </m:r>
+                        </m:e>
+                        <m:sub>
+                          <m:r>
+                            <a:rPr lang="en-US" altLang="ko-KR" sz="2000" b="0" i="1">
+                              <a:latin typeface="Cambria Math" panose="02040503050406030204" pitchFamily="18" charset="0"/>
+                            </a:rPr>
+                            <m:t>0:</m:t>
+                          </m:r>
+                          <m:r>
+                            <a:rPr lang="en-US" altLang="ko-KR" sz="2000" b="0" i="1">
+                              <a:latin typeface="Cambria Math" panose="02040503050406030204" pitchFamily="18" charset="0"/>
+                            </a:rPr>
+                            <m:t>𝑘</m:t>
+                          </m:r>
+                          <m:r>
+                            <a:rPr lang="en-US" altLang="ko-KR" sz="2000" b="0" i="1">
+                              <a:latin typeface="Cambria Math" panose="02040503050406030204" pitchFamily="18" charset="0"/>
+                            </a:rPr>
+                            <m:t> </m:t>
+                          </m:r>
+                        </m:sub>
+                      </m:sSub>
+                      <m:r>
+                        <a:rPr lang="en-US" altLang="ko-KR" sz="2000" b="0" i="1">
+                          <a:latin typeface="Cambria Math" panose="02040503050406030204" pitchFamily="18" charset="0"/>
+                        </a:rPr>
+                        <m:t>, </m:t>
+                      </m:r>
+                      <m:sSub>
+                        <m:sSubPr>
+                          <m:ctrlPr>
+                            <a:rPr lang="en-US" altLang="ko-KR" sz="2000" i="1">
+                              <a:latin typeface="Cambria Math" panose="02040503050406030204" pitchFamily="18" charset="0"/>
+                            </a:rPr>
+                          </m:ctrlPr>
+                        </m:sSubPr>
+                        <m:e>
+                          <m:r>
+                            <a:rPr lang="en-US" altLang="ko-KR" sz="2000" b="0" i="1">
+                              <a:latin typeface="Cambria Math" panose="02040503050406030204" pitchFamily="18" charset="0"/>
+                            </a:rPr>
+                            <m:t>𝑥</m:t>
+                          </m:r>
+                        </m:e>
+                        <m:sub>
+                          <m:r>
+                            <a:rPr lang="en-US" altLang="ko-KR" sz="2000" b="0" i="1">
+                              <a:latin typeface="Cambria Math" panose="02040503050406030204" pitchFamily="18" charset="0"/>
+                            </a:rPr>
+                            <m:t>0</m:t>
+                          </m:r>
+                        </m:sub>
+                      </m:sSub>
+                      <m:r>
+                        <a:rPr lang="en-US" altLang="ko-KR" sz="2000" b="0" i="1" smtClean="0">
+                          <a:latin typeface="Cambria Math" panose="02040503050406030204" pitchFamily="18" charset="0"/>
+                        </a:rPr>
+                        <m:t>)</m:t>
+                      </m:r>
+                    </m:oMath>
+                  </m:oMathPara>
+                </a14:m>
+                <a:endParaRPr lang="ko-KR" altLang="en-US" sz="2000" dirty="0"/>
+              </a:p>
+            </p:txBody>
+          </p:sp>
+        </mc:Choice>
+        <mc:Fallback>
+          <p:sp>
+            <p:nvSpPr>
+              <p:cNvPr id="17" name="TextBox 16">
+                <a:extLst>
+                  <a:ext uri="{FF2B5EF4-FFF2-40B4-BE49-F238E27FC236}">
+                    <a16:creationId xmlns:a16="http://schemas.microsoft.com/office/drawing/2014/main" id="{13CE19CC-1D45-4F92-A13F-3361F2E0E640}"/>
+                  </a:ext>
+                </a:extLst>
+              </p:cNvPr>
+              <p:cNvSpPr txBox="1">
+                <a:spLocks noRot="1" noChangeAspect="1" noMove="1" noResize="1" noEditPoints="1" noAdjustHandles="1" noChangeArrowheads="1" noChangeShapeType="1" noTextEdit="1"/>
+              </p:cNvSpPr>
+              <p:nvPr/>
+            </p:nvSpPr>
+            <p:spPr>
+              <a:xfrm>
+                <a:off x="2010651" y="3129517"/>
+                <a:ext cx="7058855" cy="307777"/>
+              </a:xfrm>
+              <a:prstGeom prst="rect">
+                <a:avLst/>
+              </a:prstGeom>
+              <a:blipFill>
+                <a:blip r:embed="rId8"/>
+                <a:stretch>
+                  <a:fillRect l="-345" r="-777" b="-37255"/>
+                </a:stretch>
+              </a:blipFill>
+            </p:spPr>
+            <p:txBody>
+              <a:bodyPr/>
+              <a:lstStyle/>
+              <a:p>
+                <a:r>
+                  <a:rPr lang="ko-KR" altLang="en-US">
+                    <a:noFill/>
+                  </a:rPr>
+                  <a:t> </a:t>
+                </a:r>
+              </a:p>
+            </p:txBody>
+          </p:sp>
+        </mc:Fallback>
+      </mc:AlternateContent>
+      <p:pic>
+        <p:nvPicPr>
+          <p:cNvPr id="18" name="그림 17">
+            <a:extLst>
+              <a:ext uri="{FF2B5EF4-FFF2-40B4-BE49-F238E27FC236}">
+                <a16:creationId xmlns:a16="http://schemas.microsoft.com/office/drawing/2014/main" id="{2EBB3B56-383D-4E06-932F-FCD40947FEF6}"/>
+              </a:ext>
+            </a:extLst>
+          </p:cNvPr>
+          <p:cNvPicPr>
+            <a:picLocks noChangeAspect="1"/>
+          </p:cNvPicPr>
+          <p:nvPr/>
+        </p:nvPicPr>
+        <p:blipFill rotWithShape="1">
+          <a:blip r:embed="rId9"/>
+          <a:srcRect t="10967"/>
+          <a:stretch/>
+        </p:blipFill>
+        <p:spPr>
+          <a:xfrm>
+            <a:off x="6361311" y="3644423"/>
+            <a:ext cx="3544689" cy="2900038"/>
+          </a:xfrm>
+          <a:prstGeom prst="rect">
+            <a:avLst/>
+          </a:prstGeom>
+        </p:spPr>
+      </p:pic>
     </p:spTree>
     <p:extLst>
       <p:ext uri="{BB962C8B-B14F-4D97-AF65-F5344CB8AC3E}">
-        <p14:creationId xmlns:p14="http://schemas.microsoft.com/office/powerpoint/2010/main" val="1663099015"/>
+        <p14:creationId xmlns:p14="http://schemas.microsoft.com/office/powerpoint/2010/main" val="1341978871"/>
       </p:ext>
     </p:extLst>
   </p:cSld>
@@ -3610,7 +4991,7 @@
           <p:cNvPr id="2" name="제목 1">
             <a:extLst>
               <a:ext uri="{FF2B5EF4-FFF2-40B4-BE49-F238E27FC236}">
-                <a16:creationId xmlns:a16="http://schemas.microsoft.com/office/drawing/2014/main" id="{924ADEB0-20DE-4E24-8A7B-DB47878E52DC}"/>
+                <a16:creationId xmlns:a16="http://schemas.microsoft.com/office/drawing/2014/main" id="{B0EC6498-D717-4F24-B125-5398A581D083}"/>
               </a:ext>
             </a:extLst>
           </p:cNvPr>
@@ -3626,95 +5007,393 @@
           <a:bodyPr/>
           <a:lstStyle/>
           <a:p>
-            <a:r>
-              <a:rPr lang="en-US" altLang="ko-KR" dirty="0"/>
-              <a:t>SLAM</a:t>
-            </a:r>
-            <a:r>
-              <a:rPr lang="ko-KR" altLang="en-US" dirty="0"/>
-              <a:t>의 발전동향 </a:t>
-            </a:r>
-            <a:r>
-              <a:rPr lang="en-US" altLang="ko-KR" dirty="0"/>
-              <a:t>(2004~2010)</a:t>
-            </a:r>
-            <a:r>
-              <a:rPr lang="ko-KR" altLang="en-US" dirty="0"/>
-              <a:t> </a:t>
-            </a:r>
+            <a:endParaRPr lang="ko-KR" altLang="en-US"/>
           </a:p>
         </p:txBody>
       </p:sp>
+      <p:pic>
+        <p:nvPicPr>
+          <p:cNvPr id="4" name="Picture 6" descr="https://blog.kakaocdn.net/dn/bIJljE/btrN3x4oMY4/kkCFi62fEvNukdF2PVIoxK/img.png">
+            <a:extLst>
+              <a:ext uri="{FF2B5EF4-FFF2-40B4-BE49-F238E27FC236}">
+                <a16:creationId xmlns:a16="http://schemas.microsoft.com/office/drawing/2014/main" id="{3ED77A82-5954-430E-984A-D8DC1D94D59D}"/>
+              </a:ext>
+            </a:extLst>
+          </p:cNvPr>
+          <p:cNvPicPr>
+            <a:picLocks noChangeAspect="1" noChangeArrowheads="1"/>
+          </p:cNvPicPr>
+          <p:nvPr/>
+        </p:nvPicPr>
+        <p:blipFill>
+          <a:blip r:embed="rId2">
+            <a:extLst>
+              <a:ext uri="{28A0092B-C50C-407E-A947-70E740481C1C}">
+                <a14:useLocalDpi xmlns:a14="http://schemas.microsoft.com/office/drawing/2010/main" val="0"/>
+              </a:ext>
+            </a:extLst>
+          </a:blip>
+          <a:srcRect/>
+          <a:stretch>
+            <a:fillRect/>
+          </a:stretch>
+        </p:blipFill>
+        <p:spPr bwMode="auto">
+          <a:xfrm>
+            <a:off x="189181" y="3067050"/>
+            <a:ext cx="2653695" cy="2376443"/>
+          </a:xfrm>
+          <a:prstGeom prst="rect">
+            <a:avLst/>
+          </a:prstGeom>
+          <a:noFill/>
+          <a:extLst>
+            <a:ext uri="{909E8E84-426E-40DD-AFC4-6F175D3DCCD1}">
+              <a14:hiddenFill xmlns:a14="http://schemas.microsoft.com/office/drawing/2010/main">
+                <a:solidFill>
+                  <a:srgbClr val="FFFFFF"/>
+                </a:solidFill>
+              </a14:hiddenFill>
+            </a:ext>
+          </a:extLst>
+        </p:spPr>
+      </p:pic>
       <p:sp>
         <p:nvSpPr>
-          <p:cNvPr id="3" name="내용 개체 틀 2">
-            <a:extLst>
-              <a:ext uri="{FF2B5EF4-FFF2-40B4-BE49-F238E27FC236}">
-                <a16:creationId xmlns:a16="http://schemas.microsoft.com/office/drawing/2014/main" id="{C1DA0CCA-ABBD-44EC-91F4-FAB009748ACF}"/>
-              </a:ext>
-            </a:extLst>
-          </p:cNvPr>
-          <p:cNvSpPr>
-            <a:spLocks noGrp="1"/>
-          </p:cNvSpPr>
-          <p:nvPr>
-            <p:ph idx="1"/>
-          </p:nvPr>
+          <p:cNvPr id="6" name="화살표: 오른쪽 5">
+            <a:extLst>
+              <a:ext uri="{FF2B5EF4-FFF2-40B4-BE49-F238E27FC236}">
+                <a16:creationId xmlns:a16="http://schemas.microsoft.com/office/drawing/2014/main" id="{27CC0A10-7759-4ABE-B5D7-828A1429DF92}"/>
+              </a:ext>
+            </a:extLst>
+          </p:cNvPr>
+          <p:cNvSpPr/>
+          <p:nvPr/>
         </p:nvSpPr>
         <p:spPr>
           <a:xfrm>
-            <a:off x="485955" y="806255"/>
-            <a:ext cx="11220090" cy="997146"/>
+            <a:off x="3162984" y="3681178"/>
+            <a:ext cx="680585" cy="1201057"/>
           </a:xfrm>
+          <a:prstGeom prst="rightArrow">
+            <a:avLst/>
+          </a:prstGeom>
+          <a:solidFill>
+            <a:schemeClr val="bg1">
+              <a:lumMod val="50000"/>
+            </a:schemeClr>
+          </a:solidFill>
+          <a:ln>
+            <a:solidFill>
+              <a:schemeClr val="bg1">
+                <a:lumMod val="50000"/>
+              </a:schemeClr>
+            </a:solidFill>
+          </a:ln>
         </p:spPr>
+        <p:style>
+          <a:lnRef idx="2">
+            <a:schemeClr val="accent1">
+              <a:shade val="50000"/>
+            </a:schemeClr>
+          </a:lnRef>
+          <a:fillRef idx="1">
+            <a:schemeClr val="accent1"/>
+          </a:fillRef>
+          <a:effectRef idx="0">
+            <a:schemeClr val="accent1"/>
+          </a:effectRef>
+          <a:fontRef idx="minor">
+            <a:schemeClr val="lt1"/>
+          </a:fontRef>
+        </p:style>
         <p:txBody>
-          <a:bodyPr>
-            <a:noAutofit/>
-          </a:bodyPr>
+          <a:bodyPr rtlCol="0" anchor="ctr"/>
           <a:lstStyle/>
           <a:p>
-            <a:r>
-              <a:rPr lang="en-US" altLang="ko-KR" b="1" dirty="0"/>
-              <a:t>Data Association</a:t>
-            </a:r>
-          </a:p>
-          <a:p>
-            <a:pPr lvl="1">
-              <a:buFont typeface="Wingdings" panose="05000000000000000000" pitchFamily="2" charset="2"/>
-              <a:buChar char="§"/>
-            </a:pPr>
-            <a:r>
-              <a:rPr lang="en-US" altLang="ko-KR" b="1" dirty="0"/>
-              <a:t>Batch Validation</a:t>
-            </a:r>
-          </a:p>
-          <a:p>
-            <a:pPr lvl="1">
-              <a:buFont typeface="Wingdings" panose="05000000000000000000" pitchFamily="2" charset="2"/>
-              <a:buChar char="§"/>
-            </a:pPr>
-            <a:r>
-              <a:rPr lang="en-US" altLang="ko-KR" b="1" dirty="0"/>
-              <a:t>Appearance Signatures</a:t>
-            </a:r>
-          </a:p>
-          <a:p>
-            <a:pPr lvl="1">
-              <a:buFont typeface="Wingdings" panose="05000000000000000000" pitchFamily="2" charset="2"/>
-              <a:buChar char="§"/>
-            </a:pPr>
-            <a:r>
-              <a:rPr lang="en-US" altLang="ko-KR" b="1" dirty="0"/>
-              <a:t>Multi-Hypothesis Data Association</a:t>
-            </a:r>
-            <a:endParaRPr lang="ko-KR" altLang="en-US" b="1" dirty="0"/>
+            <a:pPr algn="ctr"/>
+            <a:endParaRPr lang="ko-KR" altLang="en-US"/>
           </a:p>
         </p:txBody>
       </p:sp>
+      <p:grpSp>
+        <p:nvGrpSpPr>
+          <p:cNvPr id="8" name="그룹 7">
+            <a:extLst>
+              <a:ext uri="{FF2B5EF4-FFF2-40B4-BE49-F238E27FC236}">
+                <a16:creationId xmlns:a16="http://schemas.microsoft.com/office/drawing/2014/main" id="{4F3AF6BA-670C-4201-BAA7-1D84CB7BC9EE}"/>
+              </a:ext>
+            </a:extLst>
+          </p:cNvPr>
+          <p:cNvGrpSpPr/>
+          <p:nvPr/>
+        </p:nvGrpSpPr>
+        <p:grpSpPr>
+          <a:xfrm>
+            <a:off x="4528155" y="2743430"/>
+            <a:ext cx="2464707" cy="2378089"/>
+            <a:chOff x="4717143" y="2303827"/>
+            <a:chExt cx="3581742" cy="3455867"/>
+          </a:xfrm>
+        </p:grpSpPr>
+        <p:pic>
+          <p:nvPicPr>
+            <p:cNvPr id="5" name="그림 4">
+              <a:extLst>
+                <a:ext uri="{FF2B5EF4-FFF2-40B4-BE49-F238E27FC236}">
+                  <a16:creationId xmlns:a16="http://schemas.microsoft.com/office/drawing/2014/main" id="{9DA2B00E-E9E6-471B-95A9-60068F0D1ADE}"/>
+                </a:ext>
+              </a:extLst>
+            </p:cNvPr>
+            <p:cNvPicPr>
+              <a:picLocks noChangeAspect="1"/>
+            </p:cNvPicPr>
+            <p:nvPr/>
+          </p:nvPicPr>
+          <p:blipFill rotWithShape="1">
+            <a:blip r:embed="rId3"/>
+            <a:srcRect l="58809" t="42082" r="12024" b="556"/>
+            <a:stretch/>
+          </p:blipFill>
+          <p:spPr>
+            <a:xfrm>
+              <a:off x="5919335" y="4004776"/>
+              <a:ext cx="2379550" cy="1754918"/>
+            </a:xfrm>
+            <a:prstGeom prst="rect">
+              <a:avLst/>
+            </a:prstGeom>
+          </p:spPr>
+        </p:pic>
+        <p:sp>
+          <p:nvSpPr>
+            <p:cNvPr id="7" name="타원 6">
+              <a:extLst>
+                <a:ext uri="{FF2B5EF4-FFF2-40B4-BE49-F238E27FC236}">
+                  <a16:creationId xmlns:a16="http://schemas.microsoft.com/office/drawing/2014/main" id="{EADD0694-4090-4EFE-81E9-882A78A58A58}"/>
+                </a:ext>
+              </a:extLst>
+            </p:cNvPr>
+            <p:cNvSpPr/>
+            <p:nvPr/>
+          </p:nvSpPr>
+          <p:spPr>
+            <a:xfrm>
+              <a:off x="6975760" y="3382534"/>
+              <a:ext cx="266700" cy="266700"/>
+            </a:xfrm>
+            <a:prstGeom prst="ellipse">
+              <a:avLst/>
+            </a:prstGeom>
+            <a:solidFill>
+              <a:schemeClr val="bg1">
+                <a:lumMod val="50000"/>
+              </a:schemeClr>
+            </a:solidFill>
+            <a:ln>
+              <a:solidFill>
+                <a:schemeClr val="tx1"/>
+              </a:solidFill>
+            </a:ln>
+          </p:spPr>
+          <p:style>
+            <a:lnRef idx="2">
+              <a:schemeClr val="accent1">
+                <a:shade val="50000"/>
+              </a:schemeClr>
+            </a:lnRef>
+            <a:fillRef idx="1">
+              <a:schemeClr val="accent1"/>
+            </a:fillRef>
+            <a:effectRef idx="0">
+              <a:schemeClr val="accent1"/>
+            </a:effectRef>
+            <a:fontRef idx="minor">
+              <a:schemeClr val="lt1"/>
+            </a:fontRef>
+          </p:style>
+          <p:txBody>
+            <a:bodyPr rtlCol="0" anchor="ctr"/>
+            <a:lstStyle/>
+            <a:p>
+              <a:pPr algn="ctr"/>
+              <a:endParaRPr lang="ko-KR" altLang="en-US"/>
+            </a:p>
+          </p:txBody>
+        </p:sp>
+        <p:sp>
+          <p:nvSpPr>
+            <p:cNvPr id="9" name="타원 8">
+              <a:extLst>
+                <a:ext uri="{FF2B5EF4-FFF2-40B4-BE49-F238E27FC236}">
+                  <a16:creationId xmlns:a16="http://schemas.microsoft.com/office/drawing/2014/main" id="{9AFA2A61-36F6-41C5-887C-31929AD0D14B}"/>
+                </a:ext>
+              </a:extLst>
+            </p:cNvPr>
+            <p:cNvSpPr/>
+            <p:nvPr/>
+          </p:nvSpPr>
+          <p:spPr>
+            <a:xfrm>
+              <a:off x="5785985" y="4306459"/>
+              <a:ext cx="266700" cy="266700"/>
+            </a:xfrm>
+            <a:prstGeom prst="ellipse">
+              <a:avLst/>
+            </a:prstGeom>
+            <a:solidFill>
+              <a:schemeClr val="bg1">
+                <a:lumMod val="50000"/>
+              </a:schemeClr>
+            </a:solidFill>
+            <a:ln>
+              <a:solidFill>
+                <a:schemeClr val="tx1"/>
+              </a:solidFill>
+            </a:ln>
+          </p:spPr>
+          <p:style>
+            <a:lnRef idx="2">
+              <a:schemeClr val="accent1">
+                <a:shade val="50000"/>
+              </a:schemeClr>
+            </a:lnRef>
+            <a:fillRef idx="1">
+              <a:schemeClr val="accent1"/>
+            </a:fillRef>
+            <a:effectRef idx="0">
+              <a:schemeClr val="accent1"/>
+            </a:effectRef>
+            <a:fontRef idx="minor">
+              <a:schemeClr val="lt1"/>
+            </a:fontRef>
+          </p:style>
+          <p:txBody>
+            <a:bodyPr rtlCol="0" anchor="ctr"/>
+            <a:lstStyle/>
+            <a:p>
+              <a:pPr algn="ctr"/>
+              <a:endParaRPr lang="ko-KR" altLang="en-US"/>
+            </a:p>
+          </p:txBody>
+        </p:sp>
+        <p:sp>
+          <p:nvSpPr>
+            <p:cNvPr id="10" name="타원 9">
+              <a:extLst>
+                <a:ext uri="{FF2B5EF4-FFF2-40B4-BE49-F238E27FC236}">
+                  <a16:creationId xmlns:a16="http://schemas.microsoft.com/office/drawing/2014/main" id="{47926362-F4B2-46A0-9A9C-EDFAB577860F}"/>
+                </a:ext>
+              </a:extLst>
+            </p:cNvPr>
+            <p:cNvSpPr/>
+            <p:nvPr/>
+          </p:nvSpPr>
+          <p:spPr>
+            <a:xfrm>
+              <a:off x="6500360" y="2303827"/>
+              <a:ext cx="266700" cy="266700"/>
+            </a:xfrm>
+            <a:prstGeom prst="ellipse">
+              <a:avLst/>
+            </a:prstGeom>
+            <a:solidFill>
+              <a:schemeClr val="bg1">
+                <a:lumMod val="50000"/>
+              </a:schemeClr>
+            </a:solidFill>
+            <a:ln>
+              <a:solidFill>
+                <a:schemeClr val="tx1"/>
+              </a:solidFill>
+            </a:ln>
+          </p:spPr>
+          <p:style>
+            <a:lnRef idx="2">
+              <a:schemeClr val="accent1">
+                <a:shade val="50000"/>
+              </a:schemeClr>
+            </a:lnRef>
+            <a:fillRef idx="1">
+              <a:schemeClr val="accent1"/>
+            </a:fillRef>
+            <a:effectRef idx="0">
+              <a:schemeClr val="accent1"/>
+            </a:effectRef>
+            <a:fontRef idx="minor">
+              <a:schemeClr val="lt1"/>
+            </a:fontRef>
+          </p:style>
+          <p:txBody>
+            <a:bodyPr rtlCol="0" anchor="ctr"/>
+            <a:lstStyle/>
+            <a:p>
+              <a:pPr algn="ctr"/>
+              <a:endParaRPr lang="ko-KR" altLang="en-US"/>
+            </a:p>
+          </p:txBody>
+        </p:sp>
+        <p:sp>
+          <p:nvSpPr>
+            <p:cNvPr id="11" name="타원 10">
+              <a:extLst>
+                <a:ext uri="{FF2B5EF4-FFF2-40B4-BE49-F238E27FC236}">
+                  <a16:creationId xmlns:a16="http://schemas.microsoft.com/office/drawing/2014/main" id="{06DDA6D8-6AA8-4994-8DE8-A05AA732D044}"/>
+                </a:ext>
+              </a:extLst>
+            </p:cNvPr>
+            <p:cNvSpPr/>
+            <p:nvPr/>
+          </p:nvSpPr>
+          <p:spPr>
+            <a:xfrm>
+              <a:off x="4717143" y="3249184"/>
+              <a:ext cx="266700" cy="266700"/>
+            </a:xfrm>
+            <a:prstGeom prst="ellipse">
+              <a:avLst/>
+            </a:prstGeom>
+            <a:solidFill>
+              <a:schemeClr val="bg1">
+                <a:lumMod val="50000"/>
+              </a:schemeClr>
+            </a:solidFill>
+            <a:ln>
+              <a:solidFill>
+                <a:schemeClr val="tx1"/>
+              </a:solidFill>
+            </a:ln>
+          </p:spPr>
+          <p:style>
+            <a:lnRef idx="2">
+              <a:schemeClr val="accent1">
+                <a:shade val="50000"/>
+              </a:schemeClr>
+            </a:lnRef>
+            <a:fillRef idx="1">
+              <a:schemeClr val="accent1"/>
+            </a:fillRef>
+            <a:effectRef idx="0">
+              <a:schemeClr val="accent1"/>
+            </a:effectRef>
+            <a:fontRef idx="minor">
+              <a:schemeClr val="lt1"/>
+            </a:fontRef>
+          </p:style>
+          <p:txBody>
+            <a:bodyPr rtlCol="0" anchor="ctr"/>
+            <a:lstStyle/>
+            <a:p>
+              <a:pPr algn="ctr"/>
+              <a:endParaRPr lang="ko-KR" altLang="en-US"/>
+            </a:p>
+          </p:txBody>
+        </p:sp>
+      </p:grpSp>
     </p:spTree>
     <p:extLst>
       <p:ext uri="{BB962C8B-B14F-4D97-AF65-F5344CB8AC3E}">
-        <p14:creationId xmlns:p14="http://schemas.microsoft.com/office/powerpoint/2010/main" val="3334444095"/>
+        <p14:creationId xmlns:p14="http://schemas.microsoft.com/office/powerpoint/2010/main" val="2253064707"/>
       </p:ext>
     </p:extLst>
   </p:cSld>
@@ -3800,6 +5479,291 @@
         <p:spPr>
           <a:xfrm>
             <a:off x="485955" y="806254"/>
+            <a:ext cx="11220090" cy="3029145"/>
+          </a:xfrm>
+        </p:spPr>
+        <p:txBody>
+          <a:bodyPr>
+            <a:noAutofit/>
+          </a:bodyPr>
+          <a:lstStyle/>
+          <a:p>
+            <a:r>
+              <a:rPr lang="en-US" altLang="ko-KR" b="1" dirty="0"/>
+              <a:t>Computational Complexity</a:t>
+            </a:r>
+          </a:p>
+          <a:p>
+            <a:pPr lvl="1"/>
+            <a:r>
+              <a:rPr lang="en-US" altLang="ko-KR" b="1" dirty="0"/>
+              <a:t>State Augmentation</a:t>
+            </a:r>
+          </a:p>
+          <a:p>
+            <a:pPr lvl="1"/>
+            <a:r>
+              <a:rPr lang="en-US" altLang="ko-KR" b="1" dirty="0"/>
+              <a:t>Partitioned Updates</a:t>
+            </a:r>
+          </a:p>
+          <a:p>
+            <a:pPr lvl="1"/>
+            <a:r>
+              <a:rPr lang="en-US" altLang="ko-KR" b="1" dirty="0" err="1"/>
+              <a:t>Sparsification</a:t>
+            </a:r>
+            <a:endParaRPr lang="en-US" altLang="ko-KR" b="1" dirty="0"/>
+          </a:p>
+          <a:p>
+            <a:pPr lvl="1"/>
+            <a:r>
+              <a:rPr lang="en-US" altLang="ko-KR" b="1" dirty="0"/>
+              <a:t>Global Submaps</a:t>
+            </a:r>
+          </a:p>
+          <a:p>
+            <a:pPr lvl="1"/>
+            <a:r>
+              <a:rPr lang="en-US" altLang="ko-KR" b="1" dirty="0"/>
+              <a:t>Relative Submaps</a:t>
+            </a:r>
+          </a:p>
+          <a:p>
+            <a:pPr lvl="1"/>
+            <a:r>
+              <a:rPr lang="en-US" altLang="ko-KR" b="1" dirty="0"/>
+              <a:t>Mapping Relative Quantities</a:t>
+            </a:r>
+            <a:endParaRPr lang="ko-KR" altLang="en-US" b="1" dirty="0"/>
+          </a:p>
+        </p:txBody>
+      </p:sp>
+    </p:spTree>
+    <p:extLst>
+      <p:ext uri="{BB962C8B-B14F-4D97-AF65-F5344CB8AC3E}">
+        <p14:creationId xmlns:p14="http://schemas.microsoft.com/office/powerpoint/2010/main" val="1663099015"/>
+      </p:ext>
+    </p:extLst>
+  </p:cSld>
+  <p:clrMapOvr>
+    <a:masterClrMapping/>
+  </p:clrMapOvr>
+</p:sld>
+</file>
+
+<file path=ppt/slides/slide13.xml><?xml version="1.0" encoding="utf-8"?>
+<p:sld xmlns:a="http://schemas.openxmlformats.org/drawingml/2006/main" xmlns:r="http://schemas.openxmlformats.org/officeDocument/2006/relationships" xmlns:p="http://schemas.openxmlformats.org/presentationml/2006/main">
+  <p:cSld>
+    <p:spTree>
+      <p:nvGrpSpPr>
+        <p:cNvPr id="1" name=""/>
+        <p:cNvGrpSpPr/>
+        <p:nvPr/>
+      </p:nvGrpSpPr>
+      <p:grpSpPr>
+        <a:xfrm>
+          <a:off x="0" y="0"/>
+          <a:ext cx="0" cy="0"/>
+          <a:chOff x="0" y="0"/>
+          <a:chExt cx="0" cy="0"/>
+        </a:xfrm>
+      </p:grpSpPr>
+      <p:sp>
+        <p:nvSpPr>
+          <p:cNvPr id="2" name="제목 1">
+            <a:extLst>
+              <a:ext uri="{FF2B5EF4-FFF2-40B4-BE49-F238E27FC236}">
+                <a16:creationId xmlns:a16="http://schemas.microsoft.com/office/drawing/2014/main" id="{924ADEB0-20DE-4E24-8A7B-DB47878E52DC}"/>
+              </a:ext>
+            </a:extLst>
+          </p:cNvPr>
+          <p:cNvSpPr>
+            <a:spLocks noGrp="1"/>
+          </p:cNvSpPr>
+          <p:nvPr>
+            <p:ph type="title"/>
+          </p:nvPr>
+        </p:nvSpPr>
+        <p:spPr/>
+        <p:txBody>
+          <a:bodyPr/>
+          <a:lstStyle/>
+          <a:p>
+            <a:r>
+              <a:rPr lang="en-US" altLang="ko-KR" dirty="0"/>
+              <a:t>SLAM</a:t>
+            </a:r>
+            <a:r>
+              <a:rPr lang="ko-KR" altLang="en-US" dirty="0"/>
+              <a:t>의 발전동향 </a:t>
+            </a:r>
+            <a:r>
+              <a:rPr lang="en-US" altLang="ko-KR" dirty="0"/>
+              <a:t>(2004~2010)</a:t>
+            </a:r>
+            <a:r>
+              <a:rPr lang="ko-KR" altLang="en-US" dirty="0"/>
+              <a:t> </a:t>
+            </a:r>
+          </a:p>
+        </p:txBody>
+      </p:sp>
+      <p:sp>
+        <p:nvSpPr>
+          <p:cNvPr id="3" name="내용 개체 틀 2">
+            <a:extLst>
+              <a:ext uri="{FF2B5EF4-FFF2-40B4-BE49-F238E27FC236}">
+                <a16:creationId xmlns:a16="http://schemas.microsoft.com/office/drawing/2014/main" id="{C1DA0CCA-ABBD-44EC-91F4-FAB009748ACF}"/>
+              </a:ext>
+            </a:extLst>
+          </p:cNvPr>
+          <p:cNvSpPr>
+            <a:spLocks noGrp="1"/>
+          </p:cNvSpPr>
+          <p:nvPr>
+            <p:ph idx="1"/>
+          </p:nvPr>
+        </p:nvSpPr>
+        <p:spPr>
+          <a:xfrm>
+            <a:off x="485955" y="806255"/>
+            <a:ext cx="11220090" cy="997146"/>
+          </a:xfrm>
+        </p:spPr>
+        <p:txBody>
+          <a:bodyPr>
+            <a:noAutofit/>
+          </a:bodyPr>
+          <a:lstStyle/>
+          <a:p>
+            <a:r>
+              <a:rPr lang="en-US" altLang="ko-KR" b="1" dirty="0"/>
+              <a:t>Data Association</a:t>
+            </a:r>
+          </a:p>
+          <a:p>
+            <a:pPr lvl="1">
+              <a:buFont typeface="Wingdings" panose="05000000000000000000" pitchFamily="2" charset="2"/>
+              <a:buChar char="§"/>
+            </a:pPr>
+            <a:r>
+              <a:rPr lang="en-US" altLang="ko-KR" b="1" dirty="0"/>
+              <a:t>Batch Validation</a:t>
+            </a:r>
+          </a:p>
+          <a:p>
+            <a:pPr lvl="1">
+              <a:buFont typeface="Wingdings" panose="05000000000000000000" pitchFamily="2" charset="2"/>
+              <a:buChar char="§"/>
+            </a:pPr>
+            <a:r>
+              <a:rPr lang="en-US" altLang="ko-KR" b="1" dirty="0"/>
+              <a:t>Appearance Signatures</a:t>
+            </a:r>
+          </a:p>
+          <a:p>
+            <a:pPr lvl="1">
+              <a:buFont typeface="Wingdings" panose="05000000000000000000" pitchFamily="2" charset="2"/>
+              <a:buChar char="§"/>
+            </a:pPr>
+            <a:r>
+              <a:rPr lang="en-US" altLang="ko-KR" b="1" dirty="0"/>
+              <a:t>Multi-Hypothesis Data Association</a:t>
+            </a:r>
+            <a:endParaRPr lang="ko-KR" altLang="en-US" b="1" dirty="0"/>
+          </a:p>
+        </p:txBody>
+      </p:sp>
+    </p:spTree>
+    <p:extLst>
+      <p:ext uri="{BB962C8B-B14F-4D97-AF65-F5344CB8AC3E}">
+        <p14:creationId xmlns:p14="http://schemas.microsoft.com/office/powerpoint/2010/main" val="3334444095"/>
+      </p:ext>
+    </p:extLst>
+  </p:cSld>
+  <p:clrMapOvr>
+    <a:masterClrMapping/>
+  </p:clrMapOvr>
+</p:sld>
+</file>
+
+<file path=ppt/slides/slide14.xml><?xml version="1.0" encoding="utf-8"?>
+<p:sld xmlns:a="http://schemas.openxmlformats.org/drawingml/2006/main" xmlns:r="http://schemas.openxmlformats.org/officeDocument/2006/relationships" xmlns:p="http://schemas.openxmlformats.org/presentationml/2006/main">
+  <p:cSld>
+    <p:spTree>
+      <p:nvGrpSpPr>
+        <p:cNvPr id="1" name=""/>
+        <p:cNvGrpSpPr/>
+        <p:nvPr/>
+      </p:nvGrpSpPr>
+      <p:grpSpPr>
+        <a:xfrm>
+          <a:off x="0" y="0"/>
+          <a:ext cx="0" cy="0"/>
+          <a:chOff x="0" y="0"/>
+          <a:chExt cx="0" cy="0"/>
+        </a:xfrm>
+      </p:grpSpPr>
+      <p:sp>
+        <p:nvSpPr>
+          <p:cNvPr id="2" name="제목 1">
+            <a:extLst>
+              <a:ext uri="{FF2B5EF4-FFF2-40B4-BE49-F238E27FC236}">
+                <a16:creationId xmlns:a16="http://schemas.microsoft.com/office/drawing/2014/main" id="{924ADEB0-20DE-4E24-8A7B-DB47878E52DC}"/>
+              </a:ext>
+            </a:extLst>
+          </p:cNvPr>
+          <p:cNvSpPr>
+            <a:spLocks noGrp="1"/>
+          </p:cNvSpPr>
+          <p:nvPr>
+            <p:ph type="title"/>
+          </p:nvPr>
+        </p:nvSpPr>
+        <p:spPr/>
+        <p:txBody>
+          <a:bodyPr/>
+          <a:lstStyle/>
+          <a:p>
+            <a:r>
+              <a:rPr lang="en-US" altLang="ko-KR" dirty="0"/>
+              <a:t>SLAM</a:t>
+            </a:r>
+            <a:r>
+              <a:rPr lang="ko-KR" altLang="en-US" dirty="0"/>
+              <a:t>의 발전동향 </a:t>
+            </a:r>
+            <a:r>
+              <a:rPr lang="en-US" altLang="ko-KR" dirty="0"/>
+              <a:t>(2004~2010)</a:t>
+            </a:r>
+            <a:r>
+              <a:rPr lang="ko-KR" altLang="en-US" dirty="0"/>
+              <a:t> </a:t>
+            </a:r>
+          </a:p>
+        </p:txBody>
+      </p:sp>
+      <p:sp>
+        <p:nvSpPr>
+          <p:cNvPr id="3" name="내용 개체 틀 2">
+            <a:extLst>
+              <a:ext uri="{FF2B5EF4-FFF2-40B4-BE49-F238E27FC236}">
+                <a16:creationId xmlns:a16="http://schemas.microsoft.com/office/drawing/2014/main" id="{C1DA0CCA-ABBD-44EC-91F4-FAB009748ACF}"/>
+              </a:ext>
+            </a:extLst>
+          </p:cNvPr>
+          <p:cNvSpPr>
+            <a:spLocks noGrp="1"/>
+          </p:cNvSpPr>
+          <p:nvPr>
+            <p:ph idx="1"/>
+          </p:nvPr>
+        </p:nvSpPr>
+        <p:spPr>
+          <a:xfrm>
+            <a:off x="485955" y="806254"/>
             <a:ext cx="11220090" cy="2190945"/>
           </a:xfrm>
         </p:spPr>
@@ -3821,13 +5785,8 @@
             </a:pPr>
             <a:r>
               <a:rPr lang="en-US" altLang="ko-KR" b="1" dirty="0"/>
-              <a:t>Partial Observability and </a:t>
-            </a:r>
-            <a:r>
-              <a:rPr lang="en-US" altLang="ko-KR" b="1" dirty="0" err="1"/>
-              <a:t>DelayedMapping</a:t>
-            </a:r>
-            <a:endParaRPr lang="en-US" altLang="ko-KR" b="1" dirty="0"/>
+              <a:t>Partial Observability and Delayed Mapping</a:t>
+            </a:r>
           </a:p>
           <a:p>
             <a:pPr lvl="1">
@@ -3885,7 +5844,7 @@
 </p:sld>
 </file>
 
-<file path=ppt/slides/slide13.xml><?xml version="1.0" encoding="utf-8"?>
+<file path=ppt/slides/slide15.xml><?xml version="1.0" encoding="utf-8"?>
 <p:sld xmlns:a="http://schemas.openxmlformats.org/drawingml/2006/main" xmlns:r="http://schemas.openxmlformats.org/officeDocument/2006/relationships" xmlns:p="http://schemas.openxmlformats.org/presentationml/2006/main">
   <p:cSld>
     <p:spTree>
@@ -5466,7 +7425,7 @@
                             <a:rPr lang="en-US" altLang="ko-KR" sz="2000" b="0" i="1" smtClean="0">
                               <a:latin typeface="Cambria Math" panose="02040503050406030204" pitchFamily="18" charset="0"/>
                             </a:rPr>
-                            <m:t>𝜃</m:t>
+                            <m:t>𝑥</m:t>
                           </m:r>
                         </m:e>
                         <m:e>
@@ -5474,7 +7433,7 @@
                             <a:rPr lang="en-US" altLang="ko-KR" sz="2000" b="0" i="1" smtClean="0">
                               <a:latin typeface="Cambria Math" panose="02040503050406030204" pitchFamily="18" charset="0"/>
                             </a:rPr>
-                            <m:t>𝑥</m:t>
+                            <m:t>𝜃</m:t>
                           </m:r>
                         </m:e>
                       </m:d>
@@ -5512,7 +7471,7 @@
                                 <a:rPr lang="en-US" altLang="ko-KR" sz="2000" b="0" i="1" smtClean="0">
                                   <a:latin typeface="Cambria Math" panose="02040503050406030204" pitchFamily="18" charset="0"/>
                                 </a:rPr>
-                                <m:t>𝑥</m:t>
+                                <m:t>𝜃</m:t>
                               </m:r>
                             </m:e>
                             <m:e>
@@ -5520,10 +7479,16 @@
                                 <a:rPr lang="en-US" altLang="ko-KR" sz="2000" b="0" i="1" smtClean="0">
                                   <a:latin typeface="Cambria Math" panose="02040503050406030204" pitchFamily="18" charset="0"/>
                                 </a:rPr>
-                                <m:t>𝜃</m:t>
+                                <m:t>𝑥</m:t>
                               </m:r>
                             </m:e>
                           </m:d>
+                          <m:r>
+                            <a:rPr lang="en-US" altLang="ko-KR" sz="2000" b="0" i="1" smtClean="0">
+                              <a:latin typeface="Cambria Math" panose="02040503050406030204" pitchFamily="18" charset="0"/>
+                            </a:rPr>
+                            <m:t> </m:t>
+                          </m:r>
                           <m:r>
                             <a:rPr lang="en-US" altLang="ko-KR" sz="2000" b="0" i="1" smtClean="0">
                               <a:latin typeface="Cambria Math" panose="02040503050406030204" pitchFamily="18" charset="0"/>
@@ -5543,7 +7508,7 @@
                                 <a:rPr lang="en-US" altLang="ko-KR" sz="2000" b="0" i="1" smtClean="0">
                                   <a:latin typeface="Cambria Math" panose="02040503050406030204" pitchFamily="18" charset="0"/>
                                 </a:rPr>
-                                <m:t>𝜃</m:t>
+                                <m:t>𝑥</m:t>
                               </m:r>
                             </m:e>
                           </m:d>
@@ -5565,7 +7530,7 @@
                             <a:rPr lang="en-US" altLang="ko-KR" sz="2000" b="0" i="1" smtClean="0">
                               <a:latin typeface="Cambria Math" panose="02040503050406030204" pitchFamily="18" charset="0"/>
                             </a:rPr>
-                            <m:t>𝑥</m:t>
+                            <m:t>𝜃</m:t>
                           </m:r>
                           <m:r>
                             <a:rPr lang="en-US" altLang="ko-KR" sz="2000" b="0" i="1" smtClean="0">
@@ -5673,14 +7638,28 @@
                     </a:rPr>
                     <a:t>관측된 데이터 </a:t>
                   </a:r>
-                  <a:r>
-                    <a:rPr lang="en-US" altLang="ko-KR" sz="1100" dirty="0">
-                      <a:solidFill>
-                        <a:srgbClr val="00B050"/>
-                      </a:solidFill>
-                    </a:rPr>
-                    <a:t>x</a:t>
-                  </a:r>
+                  <a14:m>
+                    <m:oMath xmlns:m="http://schemas.openxmlformats.org/officeDocument/2006/math">
+                      <m:r>
+                        <a:rPr lang="en-US" altLang="ko-KR" sz="1100" i="1">
+                          <a:solidFill>
+                            <a:srgbClr val="00B050"/>
+                          </a:solidFill>
+                          <a:latin typeface="Cambria Math" panose="02040503050406030204" pitchFamily="18" charset="0"/>
+                        </a:rPr>
+                        <m:t>𝜃</m:t>
+                      </m:r>
+                      <m:r>
+                        <a:rPr lang="en-US" altLang="ko-KR" sz="1100" i="1">
+                          <a:solidFill>
+                            <a:srgbClr val="00B050"/>
+                          </a:solidFill>
+                          <a:latin typeface="Cambria Math" panose="02040503050406030204" pitchFamily="18" charset="0"/>
+                        </a:rPr>
+                        <m:t> </m:t>
+                      </m:r>
+                    </m:oMath>
+                  </a14:m>
                   <a:r>
                     <a:rPr lang="ko-KR" altLang="en-US" sz="1100" dirty="0">
                       <a:solidFill>
@@ -5713,7 +7692,7 @@
                           </a:solidFill>
                           <a:latin typeface="Cambria Math" panose="02040503050406030204" pitchFamily="18" charset="0"/>
                         </a:rPr>
-                        <m:t>𝜃</m:t>
+                        <m:t>𝑥</m:t>
                       </m:r>
                     </m:oMath>
                   </a14:m>
@@ -5787,7 +7766,7 @@
                 <a:blipFill>
                   <a:blip r:embed="rId3"/>
                   <a:stretch>
-                    <a:fillRect r="-1505" b="-10000"/>
+                    <a:fillRect t="-1429" b="-10000"/>
                   </a:stretch>
                 </a:blipFill>
               </p:spPr>
@@ -5835,10 +7814,26 @@
                 </a:bodyPr>
                 <a:lstStyle/>
                 <a:p>
+                  <a:r>
+                    <a:rPr lang="en-US" altLang="ko-KR" sz="1100" dirty="0">
+                      <a:solidFill>
+                        <a:srgbClr val="00B050"/>
+                      </a:solidFill>
+                    </a:rPr>
+                    <a:t>x</a:t>
+                  </a:r>
+                  <a:r>
+                    <a:rPr lang="ko-KR" altLang="en-US" sz="1100" dirty="0">
+                      <a:solidFill>
+                        <a:srgbClr val="00B050"/>
+                      </a:solidFill>
+                    </a:rPr>
+                    <a:t>가 주어졌을 때 </a:t>
+                  </a:r>
                   <a14:m>
                     <m:oMath xmlns:m="http://schemas.openxmlformats.org/officeDocument/2006/math">
                       <m:r>
-                        <a:rPr lang="en-US" altLang="ko-KR" sz="1100" i="1" smtClean="0">
+                        <a:rPr lang="en-US" altLang="ko-KR" sz="1100" i="1">
                           <a:solidFill>
                             <a:srgbClr val="00B050"/>
                           </a:solidFill>
@@ -5847,7 +7842,7 @@
                         <m:t>𝜃</m:t>
                       </m:r>
                       <m:r>
-                        <a:rPr lang="en-US" altLang="ko-KR" sz="1100" i="1" smtClean="0">
+                        <a:rPr lang="en-US" altLang="ko-KR" sz="1100" i="1">
                           <a:solidFill>
                             <a:srgbClr val="00B050"/>
                           </a:solidFill>
@@ -5857,22 +7852,6 @@
                       </m:r>
                     </m:oMath>
                   </a14:m>
-                  <a:r>
-                    <a:rPr lang="ko-KR" altLang="en-US" sz="1100" dirty="0">
-                      <a:solidFill>
-                        <a:srgbClr val="00B050"/>
-                      </a:solidFill>
-                    </a:rPr>
-                    <a:t>가 주어졌을 때 </a:t>
-                  </a:r>
-                  <a:r>
-                    <a:rPr lang="en-US" altLang="ko-KR" sz="1100" dirty="0">
-                      <a:solidFill>
-                        <a:srgbClr val="00B050"/>
-                      </a:solidFill>
-                    </a:rPr>
-                    <a:t>x</a:t>
-                  </a:r>
                   <a:r>
                     <a:rPr lang="ko-KR" altLang="en-US" sz="1100" dirty="0">
                       <a:solidFill>
@@ -5991,14 +7970,28 @@
                 </a:bodyPr>
                 <a:lstStyle/>
                 <a:p>
-                  <a:r>
-                    <a:rPr lang="en-US" altLang="ko-KR" sz="1100" dirty="0">
-                      <a:solidFill>
-                        <a:srgbClr val="00B050"/>
-                      </a:solidFill>
-                    </a:rPr>
-                    <a:t>X</a:t>
-                  </a:r>
+                  <a14:m>
+                    <m:oMath xmlns:m="http://schemas.openxmlformats.org/officeDocument/2006/math">
+                      <m:r>
+                        <a:rPr lang="en-US" altLang="ko-KR" sz="1100" i="1" smtClean="0">
+                          <a:solidFill>
+                            <a:srgbClr val="00B050"/>
+                          </a:solidFill>
+                          <a:latin typeface="Cambria Math" panose="02040503050406030204" pitchFamily="18" charset="0"/>
+                        </a:rPr>
+                        <m:t>𝜃</m:t>
+                      </m:r>
+                      <m:r>
+                        <a:rPr lang="en-US" altLang="ko-KR" sz="1100" i="1" smtClean="0">
+                          <a:solidFill>
+                            <a:srgbClr val="00B050"/>
+                          </a:solidFill>
+                          <a:latin typeface="Cambria Math" panose="02040503050406030204" pitchFamily="18" charset="0"/>
+                        </a:rPr>
+                        <m:t> </m:t>
+                      </m:r>
+                    </m:oMath>
+                  </a14:m>
                   <a:r>
                     <a:rPr lang="ko-KR" altLang="en-US" sz="1100" dirty="0">
                       <a:solidFill>
@@ -6013,7 +8006,7 @@
                         <a:srgbClr val="00B050"/>
                       </a:solidFill>
                     </a:rPr>
-                    <a:t>.</a:t>
+                    <a:t>. </a:t>
                   </a:r>
                   <a14:m>
                     <m:oMath xmlns:m="http://schemas.openxmlformats.org/officeDocument/2006/math">
@@ -6033,7 +8026,7 @@
                           </a:solidFill>
                           <a:latin typeface="Cambria Math" panose="02040503050406030204" pitchFamily="18" charset="0"/>
                         </a:rPr>
-                        <m:t>𝜃</m:t>
+                        <m:t>𝑥</m:t>
                       </m:r>
                     </m:oMath>
                   </a14:m>
@@ -6139,22 +8132,13 @@
                   <a14:m>
                     <m:oMath xmlns:m="http://schemas.openxmlformats.org/officeDocument/2006/math">
                       <m:r>
-                        <a:rPr lang="en-US" altLang="ko-KR" sz="1100" i="1" smtClean="0">
+                        <a:rPr lang="en-US" altLang="ko-KR" sz="1100" b="0" i="1" smtClean="0">
                           <a:solidFill>
                             <a:srgbClr val="00B050"/>
                           </a:solidFill>
                           <a:latin typeface="Cambria Math" panose="02040503050406030204" pitchFamily="18" charset="0"/>
                         </a:rPr>
-                        <m:t>𝜃</m:t>
-                      </m:r>
-                      <m:r>
-                        <a:rPr lang="en-US" altLang="ko-KR" sz="1100" i="1" smtClean="0">
-                          <a:solidFill>
-                            <a:srgbClr val="00B050"/>
-                          </a:solidFill>
-                          <a:latin typeface="Cambria Math" panose="02040503050406030204" pitchFamily="18" charset="0"/>
-                        </a:rPr>
-                        <m:t> </m:t>
+                        <m:t>𝑥</m:t>
                       </m:r>
                     </m:oMath>
                   </a14:m>
@@ -6658,60 +8642,6 @@
       </p:grpSpPr>
       <p:sp>
         <p:nvSpPr>
-          <p:cNvPr id="24" name="직사각형 23">
-            <a:extLst>
-              <a:ext uri="{FF2B5EF4-FFF2-40B4-BE49-F238E27FC236}">
-                <a16:creationId xmlns:a16="http://schemas.microsoft.com/office/drawing/2014/main" id="{01FBB5BE-98B8-4B61-BE24-D7934BC4E637}"/>
-              </a:ext>
-            </a:extLst>
-          </p:cNvPr>
-          <p:cNvSpPr/>
-          <p:nvPr/>
-        </p:nvSpPr>
-        <p:spPr>
-          <a:xfrm>
-            <a:off x="6950150" y="2616200"/>
-            <a:ext cx="5042905" cy="3932649"/>
-          </a:xfrm>
-          <a:prstGeom prst="rect">
-            <a:avLst/>
-          </a:prstGeom>
-          <a:noFill/>
-          <a:ln>
-            <a:solidFill>
-              <a:schemeClr val="bg1">
-                <a:lumMod val="75000"/>
-              </a:schemeClr>
-            </a:solidFill>
-          </a:ln>
-        </p:spPr>
-        <p:style>
-          <a:lnRef idx="2">
-            <a:schemeClr val="accent1">
-              <a:shade val="50000"/>
-            </a:schemeClr>
-          </a:lnRef>
-          <a:fillRef idx="1">
-            <a:schemeClr val="accent1"/>
-          </a:fillRef>
-          <a:effectRef idx="0">
-            <a:schemeClr val="accent1"/>
-          </a:effectRef>
-          <a:fontRef idx="minor">
-            <a:schemeClr val="lt1"/>
-          </a:fontRef>
-        </p:style>
-        <p:txBody>
-          <a:bodyPr rtlCol="0" anchor="ctr"/>
-          <a:lstStyle/>
-          <a:p>
-            <a:pPr algn="ctr"/>
-            <a:endParaRPr lang="ko-KR" altLang="en-US"/>
-          </a:p>
-        </p:txBody>
-      </p:sp>
-      <p:sp>
-        <p:nvSpPr>
           <p:cNvPr id="2" name="제목 1">
             <a:extLst>
               <a:ext uri="{FF2B5EF4-FFF2-40B4-BE49-F238E27FC236}">
@@ -7039,7 +8969,7 @@
         </p:blipFill>
         <p:spPr bwMode="auto">
           <a:xfrm>
-            <a:off x="49190" y="2611671"/>
+            <a:off x="3040040" y="2767860"/>
             <a:ext cx="6751205" cy="3859363"/>
           </a:xfrm>
           <a:prstGeom prst="rect">
@@ -7057,2295 +8987,6 @@
           </a:extLst>
         </p:spPr>
       </p:pic>
-      <mc:AlternateContent xmlns:mc="http://schemas.openxmlformats.org/markup-compatibility/2006">
-        <mc:Choice xmlns:a14="http://schemas.microsoft.com/office/drawing/2010/main" Requires="a14">
-          <p:sp>
-            <p:nvSpPr>
-              <p:cNvPr id="23" name="TextBox 22">
-                <a:extLst>
-                  <a:ext uri="{FF2B5EF4-FFF2-40B4-BE49-F238E27FC236}">
-                    <a16:creationId xmlns:a16="http://schemas.microsoft.com/office/drawing/2014/main" id="{EA095361-90C0-49DA-AD7E-FB27D52FE39C}"/>
-                  </a:ext>
-                </a:extLst>
-              </p:cNvPr>
-              <p:cNvSpPr txBox="1"/>
-              <p:nvPr/>
-            </p:nvSpPr>
-            <p:spPr>
-              <a:xfrm>
-                <a:off x="7150486" y="2829840"/>
-                <a:ext cx="2241896" cy="276999"/>
-              </a:xfrm>
-              <a:prstGeom prst="rect">
-                <a:avLst/>
-              </a:prstGeom>
-              <a:noFill/>
-            </p:spPr>
-            <p:txBody>
-              <a:bodyPr wrap="none" lIns="0" tIns="0" rIns="0" bIns="0" rtlCol="0">
-                <a:spAutoFit/>
-              </a:bodyPr>
-              <a:lstStyle/>
-              <a:p>
-                <a:r>
-                  <a:rPr lang="en-US" altLang="ko-KR" dirty="0"/>
-                  <a:t>  </a:t>
-                </a:r>
-                <a14:m>
-                  <m:oMath xmlns:m="http://schemas.openxmlformats.org/officeDocument/2006/math">
-                    <m:sSub>
-                      <m:sSubPr>
-                        <m:ctrlPr>
-                          <a:rPr lang="en-US" altLang="ko-KR" b="0" i="1" smtClean="0">
-                            <a:latin typeface="Cambria Math" panose="02040503050406030204" pitchFamily="18" charset="0"/>
-                          </a:rPr>
-                        </m:ctrlPr>
-                      </m:sSubPr>
-                      <m:e>
-                        <m:r>
-                          <a:rPr lang="en-US" altLang="ko-KR" b="0" i="1" smtClean="0">
-                            <a:latin typeface="Cambria Math" panose="02040503050406030204" pitchFamily="18" charset="0"/>
-                          </a:rPr>
-                          <m:t>𝑥</m:t>
-                        </m:r>
-                      </m:e>
-                      <m:sub>
-                        <m:r>
-                          <a:rPr lang="en-US" altLang="ko-KR" b="0" i="1" smtClean="0">
-                            <a:latin typeface="Cambria Math" panose="02040503050406030204" pitchFamily="18" charset="0"/>
-                          </a:rPr>
-                          <m:t>𝑘</m:t>
-                        </m:r>
-                      </m:sub>
-                    </m:sSub>
-                    <m:r>
-                      <a:rPr lang="en-US" altLang="ko-KR" i="1" smtClean="0">
-                        <a:latin typeface="Cambria Math" panose="02040503050406030204" pitchFamily="18" charset="0"/>
-                      </a:rPr>
-                      <m:t>=</m:t>
-                    </m:r>
-                    <m:sSub>
-                      <m:sSubPr>
-                        <m:ctrlPr>
-                          <a:rPr lang="en-US" altLang="ko-KR" b="0" i="1" smtClean="0">
-                            <a:latin typeface="Cambria Math" panose="02040503050406030204" pitchFamily="18" charset="0"/>
-                          </a:rPr>
-                        </m:ctrlPr>
-                      </m:sSubPr>
-                      <m:e>
-                        <m:r>
-                          <a:rPr lang="en-US" altLang="ko-KR" b="0" i="1" smtClean="0">
-                            <a:latin typeface="Cambria Math" panose="02040503050406030204" pitchFamily="18" charset="0"/>
-                          </a:rPr>
-                          <m:t>𝑥</m:t>
-                        </m:r>
-                      </m:e>
-                      <m:sub>
-                        <m:r>
-                          <a:rPr lang="en-US" altLang="ko-KR" b="0" i="1" smtClean="0">
-                            <a:latin typeface="Cambria Math" panose="02040503050406030204" pitchFamily="18" charset="0"/>
-                          </a:rPr>
-                          <m:t>𝑘</m:t>
-                        </m:r>
-                        <m:r>
-                          <a:rPr lang="en-US" altLang="ko-KR" b="0" i="1" smtClean="0">
-                            <a:latin typeface="Cambria Math" panose="02040503050406030204" pitchFamily="18" charset="0"/>
-                          </a:rPr>
-                          <m:t>−1</m:t>
-                        </m:r>
-                      </m:sub>
-                    </m:sSub>
-                    <m:r>
-                      <a:rPr lang="en-US" altLang="ko-KR" b="0" i="1" smtClean="0">
-                        <a:latin typeface="Cambria Math" panose="02040503050406030204" pitchFamily="18" charset="0"/>
-                      </a:rPr>
-                      <m:t>+</m:t>
-                    </m:r>
-                    <m:sSub>
-                      <m:sSubPr>
-                        <m:ctrlPr>
-                          <a:rPr lang="en-US" altLang="ko-KR" b="0" i="1" smtClean="0">
-                            <a:latin typeface="Cambria Math" panose="02040503050406030204" pitchFamily="18" charset="0"/>
-                          </a:rPr>
-                        </m:ctrlPr>
-                      </m:sSubPr>
-                      <m:e>
-                        <m:r>
-                          <a:rPr lang="en-US" altLang="ko-KR" b="0" i="1" smtClean="0">
-                            <a:latin typeface="Cambria Math" panose="02040503050406030204" pitchFamily="18" charset="0"/>
-                          </a:rPr>
-                          <m:t>𝑢</m:t>
-                        </m:r>
-                      </m:e>
-                      <m:sub>
-                        <m:r>
-                          <a:rPr lang="en-US" altLang="ko-KR" b="0" i="1" smtClean="0">
-                            <a:latin typeface="Cambria Math" panose="02040503050406030204" pitchFamily="18" charset="0"/>
-                          </a:rPr>
-                          <m:t>𝑘</m:t>
-                        </m:r>
-                      </m:sub>
-                    </m:sSub>
-                    <m:r>
-                      <a:rPr lang="en-US" altLang="ko-KR" b="0" i="1" smtClean="0">
-                        <a:latin typeface="Cambria Math" panose="02040503050406030204" pitchFamily="18" charset="0"/>
-                      </a:rPr>
-                      <m:t>+</m:t>
-                    </m:r>
-                    <m:sSub>
-                      <m:sSubPr>
-                        <m:ctrlPr>
-                          <a:rPr lang="en-US" altLang="ko-KR" b="0" i="1" smtClean="0">
-                            <a:latin typeface="Cambria Math" panose="02040503050406030204" pitchFamily="18" charset="0"/>
-                          </a:rPr>
-                        </m:ctrlPr>
-                      </m:sSubPr>
-                      <m:e>
-                        <m:r>
-                          <a:rPr lang="en-US" altLang="ko-KR" b="0" i="1" smtClean="0">
-                            <a:latin typeface="Cambria Math" panose="02040503050406030204" pitchFamily="18" charset="0"/>
-                          </a:rPr>
-                          <m:t>𝑤</m:t>
-                        </m:r>
-                      </m:e>
-                      <m:sub>
-                        <m:r>
-                          <a:rPr lang="en-US" altLang="ko-KR" b="0" i="1" smtClean="0">
-                            <a:latin typeface="Cambria Math" panose="02040503050406030204" pitchFamily="18" charset="0"/>
-                          </a:rPr>
-                          <m:t>𝑘</m:t>
-                        </m:r>
-                      </m:sub>
-                    </m:sSub>
-                  </m:oMath>
-                </a14:m>
-                <a:endParaRPr lang="ko-KR" altLang="en-US" dirty="0"/>
-              </a:p>
-            </p:txBody>
-          </p:sp>
-        </mc:Choice>
-        <mc:Fallback>
-          <p:sp>
-            <p:nvSpPr>
-              <p:cNvPr id="23" name="TextBox 22">
-                <a:extLst>
-                  <a:ext uri="{FF2B5EF4-FFF2-40B4-BE49-F238E27FC236}">
-                    <a16:creationId xmlns:a16="http://schemas.microsoft.com/office/drawing/2014/main" id="{EA095361-90C0-49DA-AD7E-FB27D52FE39C}"/>
-                  </a:ext>
-                </a:extLst>
-              </p:cNvPr>
-              <p:cNvSpPr txBox="1">
-                <a:spLocks noRot="1" noChangeAspect="1" noMove="1" noResize="1" noEditPoints="1" noAdjustHandles="1" noChangeArrowheads="1" noChangeShapeType="1" noTextEdit="1"/>
-              </p:cNvSpPr>
-              <p:nvPr/>
-            </p:nvSpPr>
-            <p:spPr>
-              <a:xfrm>
-                <a:off x="7150486" y="2829840"/>
-                <a:ext cx="2241896" cy="276999"/>
-              </a:xfrm>
-              <a:prstGeom prst="rect">
-                <a:avLst/>
-              </a:prstGeom>
-              <a:blipFill>
-                <a:blip r:embed="rId7"/>
-                <a:stretch>
-                  <a:fillRect r="-1359" b="-19565"/>
-                </a:stretch>
-              </a:blipFill>
-            </p:spPr>
-            <p:txBody>
-              <a:bodyPr/>
-              <a:lstStyle/>
-              <a:p>
-                <a:r>
-                  <a:rPr lang="ko-KR" altLang="en-US">
-                    <a:noFill/>
-                  </a:rPr>
-                  <a:t> </a:t>
-                </a:r>
-              </a:p>
-            </p:txBody>
-          </p:sp>
-        </mc:Fallback>
-      </mc:AlternateContent>
-      <mc:AlternateContent xmlns:mc="http://schemas.openxmlformats.org/markup-compatibility/2006">
-        <mc:Choice xmlns:a14="http://schemas.microsoft.com/office/drawing/2010/main" Requires="a14">
-          <p:sp>
-            <p:nvSpPr>
-              <p:cNvPr id="25" name="TextBox 24">
-                <a:extLst>
-                  <a:ext uri="{FF2B5EF4-FFF2-40B4-BE49-F238E27FC236}">
-                    <a16:creationId xmlns:a16="http://schemas.microsoft.com/office/drawing/2014/main" id="{B8D21B5B-DDA0-4BBE-862D-BBBC42149574}"/>
-                  </a:ext>
-                </a:extLst>
-              </p:cNvPr>
-              <p:cNvSpPr txBox="1"/>
-              <p:nvPr/>
-            </p:nvSpPr>
-            <p:spPr>
-              <a:xfrm>
-                <a:off x="7150486" y="3199281"/>
-                <a:ext cx="1442383" cy="276999"/>
-              </a:xfrm>
-              <a:prstGeom prst="rect">
-                <a:avLst/>
-              </a:prstGeom>
-              <a:noFill/>
-            </p:spPr>
-            <p:txBody>
-              <a:bodyPr wrap="none" lIns="0" tIns="0" rIns="0" bIns="0" rtlCol="0">
-                <a:spAutoFit/>
-              </a:bodyPr>
-              <a:lstStyle/>
-              <a:p>
-                <a:r>
-                  <a:rPr lang="en-US" altLang="ko-KR" dirty="0"/>
-                  <a:t>  </a:t>
-                </a:r>
-                <a14:m>
-                  <m:oMath xmlns:m="http://schemas.openxmlformats.org/officeDocument/2006/math">
-                    <m:sSub>
-                      <m:sSubPr>
-                        <m:ctrlPr>
-                          <a:rPr lang="en-US" altLang="ko-KR" b="0" i="1" smtClean="0">
-                            <a:latin typeface="Cambria Math" panose="02040503050406030204" pitchFamily="18" charset="0"/>
-                          </a:rPr>
-                        </m:ctrlPr>
-                      </m:sSubPr>
-                      <m:e>
-                        <m:r>
-                          <a:rPr lang="en-US" altLang="ko-KR" b="0" i="1" smtClean="0">
-                            <a:latin typeface="Cambria Math" panose="02040503050406030204" pitchFamily="18" charset="0"/>
-                          </a:rPr>
-                          <m:t>𝑧</m:t>
-                        </m:r>
-                      </m:e>
-                      <m:sub>
-                        <m:r>
-                          <a:rPr lang="en-US" altLang="ko-KR" b="0" i="1" smtClean="0">
-                            <a:latin typeface="Cambria Math" panose="02040503050406030204" pitchFamily="18" charset="0"/>
-                          </a:rPr>
-                          <m:t>𝑘</m:t>
-                        </m:r>
-                      </m:sub>
-                    </m:sSub>
-                    <m:r>
-                      <a:rPr lang="en-US" altLang="ko-KR" i="1" smtClean="0">
-                        <a:latin typeface="Cambria Math" panose="02040503050406030204" pitchFamily="18" charset="0"/>
-                      </a:rPr>
-                      <m:t>=</m:t>
-                    </m:r>
-                    <m:sSub>
-                      <m:sSubPr>
-                        <m:ctrlPr>
-                          <a:rPr lang="en-US" altLang="ko-KR" b="0" i="1" smtClean="0">
-                            <a:latin typeface="Cambria Math" panose="02040503050406030204" pitchFamily="18" charset="0"/>
-                          </a:rPr>
-                        </m:ctrlPr>
-                      </m:sSubPr>
-                      <m:e>
-                        <m:r>
-                          <a:rPr lang="en-US" altLang="ko-KR" b="0" i="1" smtClean="0">
-                            <a:latin typeface="Cambria Math" panose="02040503050406030204" pitchFamily="18" charset="0"/>
-                          </a:rPr>
-                          <m:t>𝑥</m:t>
-                        </m:r>
-                      </m:e>
-                      <m:sub>
-                        <m:r>
-                          <a:rPr lang="en-US" altLang="ko-KR" b="0" i="1" smtClean="0">
-                            <a:latin typeface="Cambria Math" panose="02040503050406030204" pitchFamily="18" charset="0"/>
-                          </a:rPr>
-                          <m:t>𝑘</m:t>
-                        </m:r>
-                      </m:sub>
-                    </m:sSub>
-                    <m:r>
-                      <a:rPr lang="en-US" altLang="ko-KR" b="0" i="1" smtClean="0">
-                        <a:latin typeface="Cambria Math" panose="02040503050406030204" pitchFamily="18" charset="0"/>
-                      </a:rPr>
-                      <m:t>+</m:t>
-                    </m:r>
-                    <m:sSub>
-                      <m:sSubPr>
-                        <m:ctrlPr>
-                          <a:rPr lang="en-US" altLang="ko-KR" b="0" i="1" smtClean="0">
-                            <a:latin typeface="Cambria Math" panose="02040503050406030204" pitchFamily="18" charset="0"/>
-                          </a:rPr>
-                        </m:ctrlPr>
-                      </m:sSubPr>
-                      <m:e>
-                        <m:r>
-                          <a:rPr lang="en-US" altLang="ko-KR" b="0" i="1" smtClean="0">
-                            <a:latin typeface="Cambria Math" panose="02040503050406030204" pitchFamily="18" charset="0"/>
-                          </a:rPr>
-                          <m:t>𝑣</m:t>
-                        </m:r>
-                      </m:e>
-                      <m:sub>
-                        <m:r>
-                          <a:rPr lang="en-US" altLang="ko-KR" b="0" i="1" smtClean="0">
-                            <a:latin typeface="Cambria Math" panose="02040503050406030204" pitchFamily="18" charset="0"/>
-                          </a:rPr>
-                          <m:t>𝑘</m:t>
-                        </m:r>
-                      </m:sub>
-                    </m:sSub>
-                  </m:oMath>
-                </a14:m>
-                <a:endParaRPr lang="ko-KR" altLang="en-US" dirty="0"/>
-              </a:p>
-            </p:txBody>
-          </p:sp>
-        </mc:Choice>
-        <mc:Fallback>
-          <p:sp>
-            <p:nvSpPr>
-              <p:cNvPr id="25" name="TextBox 24">
-                <a:extLst>
-                  <a:ext uri="{FF2B5EF4-FFF2-40B4-BE49-F238E27FC236}">
-                    <a16:creationId xmlns:a16="http://schemas.microsoft.com/office/drawing/2014/main" id="{B8D21B5B-DDA0-4BBE-862D-BBBC42149574}"/>
-                  </a:ext>
-                </a:extLst>
-              </p:cNvPr>
-              <p:cNvSpPr txBox="1">
-                <a:spLocks noRot="1" noChangeAspect="1" noMove="1" noResize="1" noEditPoints="1" noAdjustHandles="1" noChangeArrowheads="1" noChangeShapeType="1" noTextEdit="1"/>
-              </p:cNvSpPr>
-              <p:nvPr/>
-            </p:nvSpPr>
-            <p:spPr>
-              <a:xfrm>
-                <a:off x="7150486" y="3199281"/>
-                <a:ext cx="1442383" cy="276999"/>
-              </a:xfrm>
-              <a:prstGeom prst="rect">
-                <a:avLst/>
-              </a:prstGeom>
-              <a:blipFill>
-                <a:blip r:embed="rId8"/>
-                <a:stretch>
-                  <a:fillRect r="-2532" b="-22222"/>
-                </a:stretch>
-              </a:blipFill>
-            </p:spPr>
-            <p:txBody>
-              <a:bodyPr/>
-              <a:lstStyle/>
-              <a:p>
-                <a:r>
-                  <a:rPr lang="ko-KR" altLang="en-US">
-                    <a:noFill/>
-                  </a:rPr>
-                  <a:t> </a:t>
-                </a:r>
-              </a:p>
-            </p:txBody>
-          </p:sp>
-        </mc:Fallback>
-      </mc:AlternateContent>
-      <p:sp>
-        <p:nvSpPr>
-          <p:cNvPr id="26" name="직사각형 25">
-            <a:extLst>
-              <a:ext uri="{FF2B5EF4-FFF2-40B4-BE49-F238E27FC236}">
-                <a16:creationId xmlns:a16="http://schemas.microsoft.com/office/drawing/2014/main" id="{301C3B80-0D15-40C1-A394-71D893AD0C60}"/>
-              </a:ext>
-            </a:extLst>
-          </p:cNvPr>
-          <p:cNvSpPr/>
-          <p:nvPr/>
-        </p:nvSpPr>
-        <p:spPr>
-          <a:xfrm>
-            <a:off x="7150486" y="2473791"/>
-            <a:ext cx="1316386" cy="369332"/>
-          </a:xfrm>
-          <a:prstGeom prst="rect">
-            <a:avLst/>
-          </a:prstGeom>
-          <a:solidFill>
-            <a:schemeClr val="bg1"/>
-          </a:solidFill>
-        </p:spPr>
-        <p:txBody>
-          <a:bodyPr wrap="none">
-            <a:spAutoFit/>
-          </a:bodyPr>
-          <a:lstStyle/>
-          <a:p>
-            <a:r>
-              <a:rPr lang="en-US" altLang="ko-KR" dirty="0"/>
-              <a:t>1</a:t>
-            </a:r>
-            <a:r>
-              <a:rPr lang="ko-KR" altLang="en-US" dirty="0"/>
-              <a:t>차원 예시</a:t>
-            </a:r>
-          </a:p>
-        </p:txBody>
-      </p:sp>
-      <mc:AlternateContent xmlns:mc="http://schemas.openxmlformats.org/markup-compatibility/2006">
-        <mc:Choice xmlns:a14="http://schemas.microsoft.com/office/drawing/2010/main" Requires="a14">
-          <p:sp>
-            <p:nvSpPr>
-              <p:cNvPr id="31" name="TextBox 30">
-                <a:extLst>
-                  <a:ext uri="{FF2B5EF4-FFF2-40B4-BE49-F238E27FC236}">
-                    <a16:creationId xmlns:a16="http://schemas.microsoft.com/office/drawing/2014/main" id="{BBD3D280-5024-49EA-8426-3B160B4D6A3F}"/>
-                  </a:ext>
-                </a:extLst>
-              </p:cNvPr>
-              <p:cNvSpPr txBox="1"/>
-              <p:nvPr/>
-            </p:nvSpPr>
-            <p:spPr>
-              <a:xfrm>
-                <a:off x="7238258" y="3568722"/>
-                <a:ext cx="3471078" cy="321627"/>
-              </a:xfrm>
-              <a:prstGeom prst="rect">
-                <a:avLst/>
-              </a:prstGeom>
-              <a:noFill/>
-            </p:spPr>
-            <p:txBody>
-              <a:bodyPr wrap="none" lIns="0" tIns="0" rIns="0" bIns="0" rtlCol="0">
-                <a:spAutoFit/>
-              </a:bodyPr>
-              <a:lstStyle/>
-              <a:p>
-                <a14:m>
-                  <m:oMathPara xmlns:m="http://schemas.openxmlformats.org/officeDocument/2006/math">
-                    <m:oMathParaPr>
-                      <m:jc m:val="centerGroup"/>
-                    </m:oMathParaPr>
-                    <m:oMath xmlns:m="http://schemas.openxmlformats.org/officeDocument/2006/math">
-                      <m:sSub>
-                        <m:sSubPr>
-                          <m:ctrlPr>
-                            <a:rPr lang="en-US" altLang="ko-KR" b="0" i="1" smtClean="0">
-                              <a:latin typeface="Cambria Math" panose="02040503050406030204" pitchFamily="18" charset="0"/>
-                            </a:rPr>
-                          </m:ctrlPr>
-                        </m:sSubPr>
-                        <m:e>
-                          <m:acc>
-                            <m:accPr>
-                              <m:chr m:val="̂"/>
-                              <m:ctrlPr>
-                                <a:rPr lang="en-US" altLang="ko-KR" i="1" smtClean="0">
-                                  <a:latin typeface="Cambria Math" panose="02040503050406030204" pitchFamily="18" charset="0"/>
-                                </a:rPr>
-                              </m:ctrlPr>
-                            </m:accPr>
-                            <m:e>
-                              <m:r>
-                                <a:rPr lang="en-US" altLang="ko-KR" i="1">
-                                  <a:latin typeface="Cambria Math" panose="02040503050406030204" pitchFamily="18" charset="0"/>
-                                </a:rPr>
-                                <m:t>𝑥</m:t>
-                              </m:r>
-                            </m:e>
-                          </m:acc>
-                        </m:e>
-                        <m:sub>
-                          <m:r>
-                            <a:rPr lang="en-US" altLang="ko-KR" b="0" i="1" smtClean="0">
-                              <a:latin typeface="Cambria Math" panose="02040503050406030204" pitchFamily="18" charset="0"/>
-                            </a:rPr>
-                            <m:t>𝑘</m:t>
-                          </m:r>
-                        </m:sub>
-                      </m:sSub>
-                      <m:r>
-                        <a:rPr lang="en-US" altLang="ko-KR" i="1" smtClean="0">
-                          <a:latin typeface="Cambria Math" panose="02040503050406030204" pitchFamily="18" charset="0"/>
-                        </a:rPr>
-                        <m:t>=</m:t>
-                      </m:r>
-                      <m:sSub>
-                        <m:sSubPr>
-                          <m:ctrlPr>
-                            <a:rPr lang="en-US" altLang="ko-KR" i="1" smtClean="0">
-                              <a:latin typeface="Cambria Math" panose="02040503050406030204" pitchFamily="18" charset="0"/>
-                            </a:rPr>
-                          </m:ctrlPr>
-                        </m:sSubPr>
-                        <m:e>
-                          <m:acc>
-                            <m:accPr>
-                              <m:chr m:val="̂"/>
-                              <m:ctrlPr>
-                                <a:rPr lang="en-US" altLang="ko-KR" i="1">
-                                  <a:latin typeface="Cambria Math" panose="02040503050406030204" pitchFamily="18" charset="0"/>
-                                </a:rPr>
-                              </m:ctrlPr>
-                            </m:accPr>
-                            <m:e>
-                              <m:r>
-                                <a:rPr lang="en-US" altLang="ko-KR" i="1">
-                                  <a:latin typeface="Cambria Math" panose="02040503050406030204" pitchFamily="18" charset="0"/>
-                                </a:rPr>
-                                <m:t>𝑥</m:t>
-                              </m:r>
-                            </m:e>
-                          </m:acc>
-                        </m:e>
-                        <m:sub>
-                          <m:r>
-                            <a:rPr lang="en-US" altLang="ko-KR" b="0" i="1" smtClean="0">
-                              <a:latin typeface="Cambria Math" panose="02040503050406030204" pitchFamily="18" charset="0"/>
-                            </a:rPr>
-                            <m:t>𝑘</m:t>
-                          </m:r>
-                          <m:r>
-                            <a:rPr lang="en-US" altLang="ko-KR" b="0" i="1" smtClean="0">
-                              <a:latin typeface="Cambria Math" panose="02040503050406030204" pitchFamily="18" charset="0"/>
-                            </a:rPr>
-                            <m:t>|</m:t>
-                          </m:r>
-                          <m:r>
-                            <a:rPr lang="en-US" altLang="ko-KR" b="0" i="1" smtClean="0">
-                              <a:latin typeface="Cambria Math" panose="02040503050406030204" pitchFamily="18" charset="0"/>
-                            </a:rPr>
-                            <m:t>𝑘</m:t>
-                          </m:r>
-                          <m:r>
-                            <a:rPr lang="en-US" altLang="ko-KR" b="0" i="1" smtClean="0">
-                              <a:latin typeface="Cambria Math" panose="02040503050406030204" pitchFamily="18" charset="0"/>
-                            </a:rPr>
-                            <m:t>−1</m:t>
-                          </m:r>
-                        </m:sub>
-                      </m:sSub>
-                      <m:r>
-                        <a:rPr lang="en-US" altLang="ko-KR" b="0" i="1" smtClean="0">
-                          <a:latin typeface="Cambria Math" panose="02040503050406030204" pitchFamily="18" charset="0"/>
-                        </a:rPr>
-                        <m:t>+</m:t>
-                      </m:r>
-                      <m:sSub>
-                        <m:sSubPr>
-                          <m:ctrlPr>
-                            <a:rPr lang="en-US" altLang="ko-KR" b="0" i="1" smtClean="0">
-                              <a:latin typeface="Cambria Math" panose="02040503050406030204" pitchFamily="18" charset="0"/>
-                            </a:rPr>
-                          </m:ctrlPr>
-                        </m:sSubPr>
-                        <m:e>
-                          <m:r>
-                            <a:rPr lang="en-US" altLang="ko-KR" b="0" i="1" smtClean="0">
-                              <a:latin typeface="Cambria Math" panose="02040503050406030204" pitchFamily="18" charset="0"/>
-                            </a:rPr>
-                            <m:t>𝑊</m:t>
-                          </m:r>
-                        </m:e>
-                        <m:sub>
-                          <m:r>
-                            <a:rPr lang="en-US" altLang="ko-KR" b="0" i="1" smtClean="0">
-                              <a:latin typeface="Cambria Math" panose="02040503050406030204" pitchFamily="18" charset="0"/>
-                            </a:rPr>
-                            <m:t>𝑘</m:t>
-                          </m:r>
-                        </m:sub>
-                      </m:sSub>
-                      <m:r>
-                        <a:rPr lang="en-US" altLang="ko-KR" b="0" i="1" smtClean="0">
-                          <a:latin typeface="Cambria Math" panose="02040503050406030204" pitchFamily="18" charset="0"/>
-                        </a:rPr>
-                        <m:t>(</m:t>
-                      </m:r>
-                      <m:sSub>
-                        <m:sSubPr>
-                          <m:ctrlPr>
-                            <a:rPr lang="en-US" altLang="ko-KR" b="0" i="1" smtClean="0">
-                              <a:latin typeface="Cambria Math" panose="02040503050406030204" pitchFamily="18" charset="0"/>
-                            </a:rPr>
-                          </m:ctrlPr>
-                        </m:sSubPr>
-                        <m:e>
-                          <m:r>
-                            <a:rPr lang="en-US" altLang="ko-KR" b="0" i="1" smtClean="0">
-                              <a:latin typeface="Cambria Math" panose="02040503050406030204" pitchFamily="18" charset="0"/>
-                            </a:rPr>
-                            <m:t>𝑧</m:t>
-                          </m:r>
-                        </m:e>
-                        <m:sub>
-                          <m:r>
-                            <a:rPr lang="en-US" altLang="ko-KR" b="0" i="1" smtClean="0">
-                              <a:latin typeface="Cambria Math" panose="02040503050406030204" pitchFamily="18" charset="0"/>
-                            </a:rPr>
-                            <m:t>𝑘</m:t>
-                          </m:r>
-                        </m:sub>
-                      </m:sSub>
-                      <m:r>
-                        <a:rPr lang="en-US" altLang="ko-KR" b="0" i="1" smtClean="0">
-                          <a:latin typeface="Cambria Math" panose="02040503050406030204" pitchFamily="18" charset="0"/>
-                        </a:rPr>
-                        <m:t>−</m:t>
-                      </m:r>
-                      <m:r>
-                        <a:rPr lang="en-US" altLang="ko-KR" b="0" i="1" smtClean="0">
-                          <a:latin typeface="Cambria Math" panose="02040503050406030204" pitchFamily="18" charset="0"/>
-                        </a:rPr>
-                        <m:t>h</m:t>
-                      </m:r>
-                      <m:d>
-                        <m:dPr>
-                          <m:ctrlPr>
-                            <a:rPr lang="en-US" altLang="ko-KR" b="0" i="1" smtClean="0">
-                              <a:latin typeface="Cambria Math" panose="02040503050406030204" pitchFamily="18" charset="0"/>
-                            </a:rPr>
-                          </m:ctrlPr>
-                        </m:dPr>
-                        <m:e>
-                          <m:sSub>
-                            <m:sSubPr>
-                              <m:ctrlPr>
-                                <a:rPr lang="en-US" altLang="ko-KR" i="1">
-                                  <a:latin typeface="Cambria Math" panose="02040503050406030204" pitchFamily="18" charset="0"/>
-                                </a:rPr>
-                              </m:ctrlPr>
-                            </m:sSubPr>
-                            <m:e>
-                              <m:acc>
-                                <m:accPr>
-                                  <m:chr m:val="̂"/>
-                                  <m:ctrlPr>
-                                    <a:rPr lang="en-US" altLang="ko-KR" i="1">
-                                      <a:latin typeface="Cambria Math" panose="02040503050406030204" pitchFamily="18" charset="0"/>
-                                    </a:rPr>
-                                  </m:ctrlPr>
-                                </m:accPr>
-                                <m:e>
-                                  <m:r>
-                                    <a:rPr lang="en-US" altLang="ko-KR" i="1">
-                                      <a:latin typeface="Cambria Math" panose="02040503050406030204" pitchFamily="18" charset="0"/>
-                                    </a:rPr>
-                                    <m:t>𝑥</m:t>
-                                  </m:r>
-                                </m:e>
-                              </m:acc>
-                            </m:e>
-                            <m:sub>
-                              <m:r>
-                                <a:rPr lang="en-US" altLang="ko-KR" i="1">
-                                  <a:latin typeface="Cambria Math" panose="02040503050406030204" pitchFamily="18" charset="0"/>
-                                </a:rPr>
-                                <m:t>𝑘</m:t>
-                              </m:r>
-                              <m:r>
-                                <a:rPr lang="en-US" altLang="ko-KR" i="1">
-                                  <a:latin typeface="Cambria Math" panose="02040503050406030204" pitchFamily="18" charset="0"/>
-                                </a:rPr>
-                                <m:t>|</m:t>
-                              </m:r>
-                              <m:r>
-                                <a:rPr lang="en-US" altLang="ko-KR" i="1">
-                                  <a:latin typeface="Cambria Math" panose="02040503050406030204" pitchFamily="18" charset="0"/>
-                                </a:rPr>
-                                <m:t>𝑘</m:t>
-                              </m:r>
-                              <m:r>
-                                <a:rPr lang="en-US" altLang="ko-KR" i="1">
-                                  <a:latin typeface="Cambria Math" panose="02040503050406030204" pitchFamily="18" charset="0"/>
-                                </a:rPr>
-                                <m:t>−1</m:t>
-                              </m:r>
-                            </m:sub>
-                          </m:sSub>
-                        </m:e>
-                      </m:d>
-                      <m:r>
-                        <a:rPr lang="en-US" altLang="ko-KR" b="0" i="1" smtClean="0">
-                          <a:latin typeface="Cambria Math" panose="02040503050406030204" pitchFamily="18" charset="0"/>
-                        </a:rPr>
-                        <m:t>)</m:t>
-                      </m:r>
-                    </m:oMath>
-                  </m:oMathPara>
-                </a14:m>
-                <a:endParaRPr lang="ko-KR" altLang="en-US" dirty="0"/>
-              </a:p>
-            </p:txBody>
-          </p:sp>
-        </mc:Choice>
-        <mc:Fallback>
-          <p:sp>
-            <p:nvSpPr>
-              <p:cNvPr id="31" name="TextBox 30">
-                <a:extLst>
-                  <a:ext uri="{FF2B5EF4-FFF2-40B4-BE49-F238E27FC236}">
-                    <a16:creationId xmlns:a16="http://schemas.microsoft.com/office/drawing/2014/main" id="{BBD3D280-5024-49EA-8426-3B160B4D6A3F}"/>
-                  </a:ext>
-                </a:extLst>
-              </p:cNvPr>
-              <p:cNvSpPr txBox="1">
-                <a:spLocks noRot="1" noChangeAspect="1" noMove="1" noResize="1" noEditPoints="1" noAdjustHandles="1" noChangeArrowheads="1" noChangeShapeType="1" noTextEdit="1"/>
-              </p:cNvSpPr>
-              <p:nvPr/>
-            </p:nvSpPr>
-            <p:spPr>
-              <a:xfrm>
-                <a:off x="7238258" y="3568722"/>
-                <a:ext cx="3471078" cy="321627"/>
-              </a:xfrm>
-              <a:prstGeom prst="rect">
-                <a:avLst/>
-              </a:prstGeom>
-              <a:blipFill>
-                <a:blip r:embed="rId9"/>
-                <a:stretch>
-                  <a:fillRect l="-175" t="-13208" r="-1579" b="-26415"/>
-                </a:stretch>
-              </a:blipFill>
-            </p:spPr>
-            <p:txBody>
-              <a:bodyPr/>
-              <a:lstStyle/>
-              <a:p>
-                <a:r>
-                  <a:rPr lang="ko-KR" altLang="en-US">
-                    <a:noFill/>
-                  </a:rPr>
-                  <a:t> </a:t>
-                </a:r>
-              </a:p>
-            </p:txBody>
-          </p:sp>
-        </mc:Fallback>
-      </mc:AlternateContent>
-      <mc:AlternateContent xmlns:mc="http://schemas.openxmlformats.org/markup-compatibility/2006">
-        <mc:Choice xmlns:a14="http://schemas.microsoft.com/office/drawing/2010/main" Requires="a14">
-          <p:sp>
-            <p:nvSpPr>
-              <p:cNvPr id="32" name="TextBox 31">
-                <a:extLst>
-                  <a:ext uri="{FF2B5EF4-FFF2-40B4-BE49-F238E27FC236}">
-                    <a16:creationId xmlns:a16="http://schemas.microsoft.com/office/drawing/2014/main" id="{8537D9F0-7D53-4D8E-BCF8-D9545F9ECBE2}"/>
-                  </a:ext>
-                </a:extLst>
-              </p:cNvPr>
-              <p:cNvSpPr txBox="1"/>
-              <p:nvPr/>
-            </p:nvSpPr>
-            <p:spPr>
-              <a:xfrm>
-                <a:off x="7237160" y="4073332"/>
-                <a:ext cx="1785361" cy="609782"/>
-              </a:xfrm>
-              <a:prstGeom prst="rect">
-                <a:avLst/>
-              </a:prstGeom>
-              <a:noFill/>
-            </p:spPr>
-            <p:txBody>
-              <a:bodyPr wrap="none" lIns="0" tIns="0" rIns="0" bIns="0" rtlCol="0">
-                <a:spAutoFit/>
-              </a:bodyPr>
-              <a:lstStyle/>
-              <a:p>
-                <a14:m>
-                  <m:oMathPara xmlns:m="http://schemas.openxmlformats.org/officeDocument/2006/math">
-                    <m:oMathParaPr>
-                      <m:jc m:val="centerGroup"/>
-                    </m:oMathParaPr>
-                    <m:oMath xmlns:m="http://schemas.openxmlformats.org/officeDocument/2006/math">
-                      <m:sSub>
-                        <m:sSubPr>
-                          <m:ctrlPr>
-                            <a:rPr lang="en-US" altLang="ko-KR" b="0" i="1" smtClean="0">
-                              <a:latin typeface="Cambria Math" panose="02040503050406030204" pitchFamily="18" charset="0"/>
-                            </a:rPr>
-                          </m:ctrlPr>
-                        </m:sSubPr>
-                        <m:e>
-                          <m:r>
-                            <a:rPr lang="en-US" altLang="ko-KR" b="0" i="1" smtClean="0">
-                              <a:latin typeface="Cambria Math" panose="02040503050406030204" pitchFamily="18" charset="0"/>
-                            </a:rPr>
-                            <m:t>𝑊</m:t>
-                          </m:r>
-                        </m:e>
-                        <m:sub>
-                          <m:r>
-                            <a:rPr lang="en-US" altLang="ko-KR" b="0" i="1" smtClean="0">
-                              <a:latin typeface="Cambria Math" panose="02040503050406030204" pitchFamily="18" charset="0"/>
-                            </a:rPr>
-                            <m:t>𝑘</m:t>
-                          </m:r>
-                        </m:sub>
-                      </m:sSub>
-                      <m:r>
-                        <a:rPr lang="en-US" altLang="ko-KR" b="0" i="1" smtClean="0">
-                          <a:latin typeface="Cambria Math" panose="02040503050406030204" pitchFamily="18" charset="0"/>
-                        </a:rPr>
-                        <m:t>= </m:t>
-                      </m:r>
-                      <m:f>
-                        <m:fPr>
-                          <m:ctrlPr>
-                            <a:rPr lang="en-US" altLang="ko-KR" b="0" i="1" smtClean="0">
-                              <a:latin typeface="Cambria Math" panose="02040503050406030204" pitchFamily="18" charset="0"/>
-                            </a:rPr>
-                          </m:ctrlPr>
-                        </m:fPr>
-                        <m:num>
-                          <m:sSub>
-                            <m:sSubPr>
-                              <m:ctrlPr>
-                                <a:rPr lang="en-US" altLang="ko-KR" i="1">
-                                  <a:latin typeface="Cambria Math" panose="02040503050406030204" pitchFamily="18" charset="0"/>
-                                </a:rPr>
-                              </m:ctrlPr>
-                            </m:sSubPr>
-                            <m:e>
-                              <m:r>
-                                <a:rPr lang="en-US" altLang="ko-KR" b="0" i="1" smtClean="0">
-                                  <a:latin typeface="Cambria Math" panose="02040503050406030204" pitchFamily="18" charset="0"/>
-                                </a:rPr>
-                                <m:t>𝑃</m:t>
-                              </m:r>
-                            </m:e>
-                            <m:sub>
-                              <m:r>
-                                <a:rPr lang="en-US" altLang="ko-KR" i="1">
-                                  <a:latin typeface="Cambria Math" panose="02040503050406030204" pitchFamily="18" charset="0"/>
-                                </a:rPr>
-                                <m:t>𝑘</m:t>
-                              </m:r>
-                              <m:r>
-                                <a:rPr lang="en-US" altLang="ko-KR" i="1">
-                                  <a:latin typeface="Cambria Math" panose="02040503050406030204" pitchFamily="18" charset="0"/>
-                                </a:rPr>
-                                <m:t>|</m:t>
-                              </m:r>
-                              <m:r>
-                                <a:rPr lang="en-US" altLang="ko-KR" i="1">
-                                  <a:latin typeface="Cambria Math" panose="02040503050406030204" pitchFamily="18" charset="0"/>
-                                </a:rPr>
-                                <m:t>𝑘</m:t>
-                              </m:r>
-                              <m:r>
-                                <a:rPr lang="en-US" altLang="ko-KR" i="1">
-                                  <a:latin typeface="Cambria Math" panose="02040503050406030204" pitchFamily="18" charset="0"/>
-                                </a:rPr>
-                                <m:t>−1</m:t>
-                              </m:r>
-                            </m:sub>
-                          </m:sSub>
-                        </m:num>
-                        <m:den>
-                          <m:sSub>
-                            <m:sSubPr>
-                              <m:ctrlPr>
-                                <a:rPr lang="en-US" altLang="ko-KR" i="1">
-                                  <a:latin typeface="Cambria Math" panose="02040503050406030204" pitchFamily="18" charset="0"/>
-                                </a:rPr>
-                              </m:ctrlPr>
-                            </m:sSubPr>
-                            <m:e>
-                              <m:r>
-                                <a:rPr lang="en-US" altLang="ko-KR" i="1" smtClean="0">
-                                  <a:latin typeface="Cambria Math" panose="02040503050406030204" pitchFamily="18" charset="0"/>
-                                </a:rPr>
-                                <m:t>𝑃</m:t>
-                              </m:r>
-                            </m:e>
-                            <m:sub>
-                              <m:r>
-                                <a:rPr lang="en-US" altLang="ko-KR" i="1">
-                                  <a:latin typeface="Cambria Math" panose="02040503050406030204" pitchFamily="18" charset="0"/>
-                                </a:rPr>
-                                <m:t>𝑘</m:t>
-                              </m:r>
-                              <m:r>
-                                <a:rPr lang="en-US" altLang="ko-KR" i="1">
-                                  <a:latin typeface="Cambria Math" panose="02040503050406030204" pitchFamily="18" charset="0"/>
-                                </a:rPr>
-                                <m:t>|</m:t>
-                              </m:r>
-                              <m:r>
-                                <a:rPr lang="en-US" altLang="ko-KR" i="1">
-                                  <a:latin typeface="Cambria Math" panose="02040503050406030204" pitchFamily="18" charset="0"/>
-                                </a:rPr>
-                                <m:t>𝑘</m:t>
-                              </m:r>
-                              <m:r>
-                                <a:rPr lang="en-US" altLang="ko-KR" i="1">
-                                  <a:latin typeface="Cambria Math" panose="02040503050406030204" pitchFamily="18" charset="0"/>
-                                </a:rPr>
-                                <m:t>−1</m:t>
-                              </m:r>
-                            </m:sub>
-                          </m:sSub>
-                          <m:r>
-                            <a:rPr lang="en-US" altLang="ko-KR" b="0" i="1" smtClean="0">
-                              <a:latin typeface="Cambria Math" panose="02040503050406030204" pitchFamily="18" charset="0"/>
-                            </a:rPr>
-                            <m:t>+</m:t>
-                          </m:r>
-                          <m:r>
-                            <a:rPr lang="en-US" altLang="ko-KR" b="0" i="1" smtClean="0">
-                              <a:latin typeface="Cambria Math" panose="02040503050406030204" pitchFamily="18" charset="0"/>
-                            </a:rPr>
-                            <m:t>𝑅</m:t>
-                          </m:r>
-                        </m:den>
-                      </m:f>
-                    </m:oMath>
-                  </m:oMathPara>
-                </a14:m>
-                <a:endParaRPr lang="ko-KR" altLang="en-US" dirty="0"/>
-              </a:p>
-            </p:txBody>
-          </p:sp>
-        </mc:Choice>
-        <mc:Fallback>
-          <p:sp>
-            <p:nvSpPr>
-              <p:cNvPr id="32" name="TextBox 31">
-                <a:extLst>
-                  <a:ext uri="{FF2B5EF4-FFF2-40B4-BE49-F238E27FC236}">
-                    <a16:creationId xmlns:a16="http://schemas.microsoft.com/office/drawing/2014/main" id="{8537D9F0-7D53-4D8E-BCF8-D9545F9ECBE2}"/>
-                  </a:ext>
-                </a:extLst>
-              </p:cNvPr>
-              <p:cNvSpPr txBox="1">
-                <a:spLocks noRot="1" noChangeAspect="1" noMove="1" noResize="1" noEditPoints="1" noAdjustHandles="1" noChangeArrowheads="1" noChangeShapeType="1" noTextEdit="1"/>
-              </p:cNvSpPr>
-              <p:nvPr/>
-            </p:nvSpPr>
-            <p:spPr>
-              <a:xfrm>
-                <a:off x="7237160" y="4073332"/>
-                <a:ext cx="1785361" cy="609782"/>
-              </a:xfrm>
-              <a:prstGeom prst="rect">
-                <a:avLst/>
-              </a:prstGeom>
-              <a:blipFill>
-                <a:blip r:embed="rId10"/>
-                <a:stretch>
-                  <a:fillRect b="-1000"/>
-                </a:stretch>
-              </a:blipFill>
-            </p:spPr>
-            <p:txBody>
-              <a:bodyPr/>
-              <a:lstStyle/>
-              <a:p>
-                <a:r>
-                  <a:rPr lang="ko-KR" altLang="en-US">
-                    <a:noFill/>
-                  </a:rPr>
-                  <a:t> </a:t>
-                </a:r>
-              </a:p>
-            </p:txBody>
-          </p:sp>
-        </mc:Fallback>
-      </mc:AlternateContent>
-      <mc:AlternateContent xmlns:mc="http://schemas.openxmlformats.org/markup-compatibility/2006">
-        <mc:Choice xmlns:a14="http://schemas.microsoft.com/office/drawing/2010/main" Requires="a14">
-          <p:sp>
-            <p:nvSpPr>
-              <p:cNvPr id="30" name="직사각형 29">
-                <a:extLst>
-                  <a:ext uri="{FF2B5EF4-FFF2-40B4-BE49-F238E27FC236}">
-                    <a16:creationId xmlns:a16="http://schemas.microsoft.com/office/drawing/2014/main" id="{71D891CE-FB61-4E23-9CEB-BCE21F2E5492}"/>
-                  </a:ext>
-                </a:extLst>
-              </p:cNvPr>
-              <p:cNvSpPr/>
-              <p:nvPr/>
-            </p:nvSpPr>
-            <p:spPr>
-              <a:xfrm>
-                <a:off x="7150486" y="4720856"/>
-                <a:ext cx="884729" cy="394210"/>
-              </a:xfrm>
-              <a:prstGeom prst="rect">
-                <a:avLst/>
-              </a:prstGeom>
-            </p:spPr>
-            <p:txBody>
-              <a:bodyPr wrap="none">
-                <a:spAutoFit/>
-              </a:bodyPr>
-              <a:lstStyle/>
-              <a:p>
-                <a14:m>
-                  <m:oMathPara xmlns:m="http://schemas.openxmlformats.org/officeDocument/2006/math">
-                    <m:oMathParaPr>
-                      <m:jc m:val="centerGroup"/>
-                    </m:oMathParaPr>
-                    <m:oMath xmlns:m="http://schemas.openxmlformats.org/officeDocument/2006/math">
-                      <m:sSub>
-                        <m:sSubPr>
-                          <m:ctrlPr>
-                            <a:rPr lang="en-US" altLang="ko-KR" i="1">
-                              <a:latin typeface="Cambria Math" panose="02040503050406030204" pitchFamily="18" charset="0"/>
-                            </a:rPr>
-                          </m:ctrlPr>
-                        </m:sSubPr>
-                        <m:e>
-                          <m:acc>
-                            <m:accPr>
-                              <m:chr m:val="̂"/>
-                              <m:ctrlPr>
-                                <a:rPr lang="en-US" altLang="ko-KR" i="1">
-                                  <a:latin typeface="Cambria Math" panose="02040503050406030204" pitchFamily="18" charset="0"/>
-                                </a:rPr>
-                              </m:ctrlPr>
-                            </m:accPr>
-                            <m:e>
-                              <m:r>
-                                <a:rPr lang="en-US" altLang="ko-KR" i="1">
-                                  <a:latin typeface="Cambria Math" panose="02040503050406030204" pitchFamily="18" charset="0"/>
-                                </a:rPr>
-                                <m:t>𝑥</m:t>
-                              </m:r>
-                            </m:e>
-                          </m:acc>
-                        </m:e>
-                        <m:sub>
-                          <m:r>
-                            <a:rPr lang="en-US" altLang="ko-KR" i="1">
-                              <a:latin typeface="Cambria Math" panose="02040503050406030204" pitchFamily="18" charset="0"/>
-                            </a:rPr>
-                            <m:t>𝑘</m:t>
-                          </m:r>
-                          <m:r>
-                            <a:rPr lang="en-US" altLang="ko-KR" i="1">
-                              <a:latin typeface="Cambria Math" panose="02040503050406030204" pitchFamily="18" charset="0"/>
-                            </a:rPr>
-                            <m:t>|</m:t>
-                          </m:r>
-                          <m:r>
-                            <a:rPr lang="en-US" altLang="ko-KR" i="1">
-                              <a:latin typeface="Cambria Math" panose="02040503050406030204" pitchFamily="18" charset="0"/>
-                            </a:rPr>
-                            <m:t>𝑘</m:t>
-                          </m:r>
-                          <m:r>
-                            <a:rPr lang="en-US" altLang="ko-KR" i="1">
-                              <a:latin typeface="Cambria Math" panose="02040503050406030204" pitchFamily="18" charset="0"/>
-                            </a:rPr>
-                            <m:t>−1</m:t>
-                          </m:r>
-                        </m:sub>
-                      </m:sSub>
-                    </m:oMath>
-                  </m:oMathPara>
-                </a14:m>
-                <a:endParaRPr lang="ko-KR" altLang="en-US" dirty="0"/>
-              </a:p>
-            </p:txBody>
-          </p:sp>
-        </mc:Choice>
-        <mc:Fallback>
-          <p:sp>
-            <p:nvSpPr>
-              <p:cNvPr id="30" name="직사각형 29">
-                <a:extLst>
-                  <a:ext uri="{FF2B5EF4-FFF2-40B4-BE49-F238E27FC236}">
-                    <a16:creationId xmlns:a16="http://schemas.microsoft.com/office/drawing/2014/main" id="{71D891CE-FB61-4E23-9CEB-BCE21F2E5492}"/>
-                  </a:ext>
-                </a:extLst>
-              </p:cNvPr>
-              <p:cNvSpPr>
-                <a:spLocks noRot="1" noChangeAspect="1" noMove="1" noResize="1" noEditPoints="1" noAdjustHandles="1" noChangeArrowheads="1" noChangeShapeType="1" noTextEdit="1"/>
-              </p:cNvSpPr>
-              <p:nvPr/>
-            </p:nvSpPr>
-            <p:spPr>
-              <a:xfrm>
-                <a:off x="7150486" y="4720856"/>
-                <a:ext cx="884729" cy="394210"/>
-              </a:xfrm>
-              <a:prstGeom prst="rect">
-                <a:avLst/>
-              </a:prstGeom>
-              <a:blipFill>
-                <a:blip r:embed="rId11"/>
-                <a:stretch>
-                  <a:fillRect t="-4615" b="-9231"/>
-                </a:stretch>
-              </a:blipFill>
-            </p:spPr>
-            <p:txBody>
-              <a:bodyPr/>
-              <a:lstStyle/>
-              <a:p>
-                <a:r>
-                  <a:rPr lang="ko-KR" altLang="en-US">
-                    <a:noFill/>
-                  </a:rPr>
-                  <a:t> </a:t>
-                </a:r>
-              </a:p>
-            </p:txBody>
-          </p:sp>
-        </mc:Fallback>
-      </mc:AlternateContent>
-      <mc:AlternateContent xmlns:mc="http://schemas.openxmlformats.org/markup-compatibility/2006">
-        <mc:Choice xmlns:a14="http://schemas.microsoft.com/office/drawing/2010/main" Requires="a14">
-          <p:sp>
-            <p:nvSpPr>
-              <p:cNvPr id="33" name="직사각형 32">
-                <a:extLst>
-                  <a:ext uri="{FF2B5EF4-FFF2-40B4-BE49-F238E27FC236}">
-                    <a16:creationId xmlns:a16="http://schemas.microsoft.com/office/drawing/2014/main" id="{D7BB32FD-37EF-4B15-95DB-795F993D6CD9}"/>
-                  </a:ext>
-                </a:extLst>
-              </p:cNvPr>
-              <p:cNvSpPr/>
-              <p:nvPr/>
-            </p:nvSpPr>
-            <p:spPr>
-              <a:xfrm>
-                <a:off x="8409323" y="4687178"/>
-                <a:ext cx="490071" cy="369332"/>
-              </a:xfrm>
-              <a:prstGeom prst="rect">
-                <a:avLst/>
-              </a:prstGeom>
-            </p:spPr>
-            <p:txBody>
-              <a:bodyPr wrap="square">
-                <a:spAutoFit/>
-              </a:bodyPr>
-              <a:lstStyle/>
-              <a:p>
-                <a:r>
-                  <a:rPr lang="en-US" altLang="ko-KR" dirty="0"/>
-                  <a:t> </a:t>
-                </a:r>
-                <a14:m>
-                  <m:oMath xmlns:m="http://schemas.openxmlformats.org/officeDocument/2006/math">
-                    <m:sSub>
-                      <m:sSubPr>
-                        <m:ctrlPr>
-                          <a:rPr lang="en-US" altLang="ko-KR" i="1">
-                            <a:latin typeface="Cambria Math" panose="02040503050406030204" pitchFamily="18" charset="0"/>
-                          </a:rPr>
-                        </m:ctrlPr>
-                      </m:sSubPr>
-                      <m:e>
-                        <m:r>
-                          <a:rPr lang="en-US" altLang="ko-KR" i="1">
-                            <a:latin typeface="Cambria Math" panose="02040503050406030204" pitchFamily="18" charset="0"/>
-                          </a:rPr>
-                          <m:t>𝑧</m:t>
-                        </m:r>
-                      </m:e>
-                      <m:sub>
-                        <m:r>
-                          <a:rPr lang="en-US" altLang="ko-KR" i="1">
-                            <a:latin typeface="Cambria Math" panose="02040503050406030204" pitchFamily="18" charset="0"/>
-                          </a:rPr>
-                          <m:t>𝑘</m:t>
-                        </m:r>
-                      </m:sub>
-                    </m:sSub>
-                  </m:oMath>
-                </a14:m>
-                <a:endParaRPr lang="ko-KR" altLang="en-US" dirty="0"/>
-              </a:p>
-            </p:txBody>
-          </p:sp>
-        </mc:Choice>
-        <mc:Fallback>
-          <p:sp>
-            <p:nvSpPr>
-              <p:cNvPr id="33" name="직사각형 32">
-                <a:extLst>
-                  <a:ext uri="{FF2B5EF4-FFF2-40B4-BE49-F238E27FC236}">
-                    <a16:creationId xmlns:a16="http://schemas.microsoft.com/office/drawing/2014/main" id="{D7BB32FD-37EF-4B15-95DB-795F993D6CD9}"/>
-                  </a:ext>
-                </a:extLst>
-              </p:cNvPr>
-              <p:cNvSpPr>
-                <a:spLocks noRot="1" noChangeAspect="1" noMove="1" noResize="1" noEditPoints="1" noAdjustHandles="1" noChangeArrowheads="1" noChangeShapeType="1" noTextEdit="1"/>
-              </p:cNvSpPr>
-              <p:nvPr/>
-            </p:nvSpPr>
-            <p:spPr>
-              <a:xfrm>
-                <a:off x="8409323" y="4687178"/>
-                <a:ext cx="490071" cy="369332"/>
-              </a:xfrm>
-              <a:prstGeom prst="rect">
-                <a:avLst/>
-              </a:prstGeom>
-              <a:blipFill>
-                <a:blip r:embed="rId12"/>
-                <a:stretch>
-                  <a:fillRect b="-3333"/>
-                </a:stretch>
-              </a:blipFill>
-            </p:spPr>
-            <p:txBody>
-              <a:bodyPr/>
-              <a:lstStyle/>
-              <a:p>
-                <a:r>
-                  <a:rPr lang="ko-KR" altLang="en-US">
-                    <a:noFill/>
-                  </a:rPr>
-                  <a:t> </a:t>
-                </a:r>
-              </a:p>
-            </p:txBody>
-          </p:sp>
-        </mc:Fallback>
-      </mc:AlternateContent>
-      <mc:AlternateContent xmlns:mc="http://schemas.openxmlformats.org/markup-compatibility/2006">
-        <mc:Choice xmlns:a14="http://schemas.microsoft.com/office/drawing/2010/main" Requires="a14">
-          <p:sp>
-            <p:nvSpPr>
-              <p:cNvPr id="34" name="직사각형 33">
-                <a:extLst>
-                  <a:ext uri="{FF2B5EF4-FFF2-40B4-BE49-F238E27FC236}">
-                    <a16:creationId xmlns:a16="http://schemas.microsoft.com/office/drawing/2014/main" id="{1594A69C-4792-42F7-8891-CBBC033490B1}"/>
-                  </a:ext>
-                </a:extLst>
-              </p:cNvPr>
-              <p:cNvSpPr/>
-              <p:nvPr/>
-            </p:nvSpPr>
-            <p:spPr>
-              <a:xfrm>
-                <a:off x="9273502" y="4719737"/>
-                <a:ext cx="881395" cy="394210"/>
-              </a:xfrm>
-              <a:prstGeom prst="rect">
-                <a:avLst/>
-              </a:prstGeom>
-            </p:spPr>
-            <p:txBody>
-              <a:bodyPr wrap="none">
-                <a:spAutoFit/>
-              </a:bodyPr>
-              <a:lstStyle/>
-              <a:p>
-                <a14:m>
-                  <m:oMathPara xmlns:m="http://schemas.openxmlformats.org/officeDocument/2006/math">
-                    <m:oMathParaPr>
-                      <m:jc m:val="centerGroup"/>
-                    </m:oMathParaPr>
-                    <m:oMath xmlns:m="http://schemas.openxmlformats.org/officeDocument/2006/math">
-                      <m:sSub>
-                        <m:sSubPr>
-                          <m:ctrlPr>
-                            <a:rPr lang="en-US" altLang="ko-KR" i="1">
-                              <a:latin typeface="Cambria Math" panose="02040503050406030204" pitchFamily="18" charset="0"/>
-                            </a:rPr>
-                          </m:ctrlPr>
-                        </m:sSubPr>
-                        <m:e>
-                          <m:r>
-                            <a:rPr lang="en-US" altLang="ko-KR" i="1">
-                              <a:latin typeface="Cambria Math" panose="02040503050406030204" pitchFamily="18" charset="0"/>
-                            </a:rPr>
-                            <m:t>𝑃</m:t>
-                          </m:r>
-                        </m:e>
-                        <m:sub>
-                          <m:r>
-                            <a:rPr lang="en-US" altLang="ko-KR" i="1">
-                              <a:latin typeface="Cambria Math" panose="02040503050406030204" pitchFamily="18" charset="0"/>
-                            </a:rPr>
-                            <m:t>𝑘</m:t>
-                          </m:r>
-                          <m:r>
-                            <a:rPr lang="en-US" altLang="ko-KR" i="1">
-                              <a:latin typeface="Cambria Math" panose="02040503050406030204" pitchFamily="18" charset="0"/>
-                            </a:rPr>
-                            <m:t>|</m:t>
-                          </m:r>
-                          <m:r>
-                            <a:rPr lang="en-US" altLang="ko-KR" i="1">
-                              <a:latin typeface="Cambria Math" panose="02040503050406030204" pitchFamily="18" charset="0"/>
-                            </a:rPr>
-                            <m:t>𝑘</m:t>
-                          </m:r>
-                          <m:r>
-                            <a:rPr lang="en-US" altLang="ko-KR" i="1">
-                              <a:latin typeface="Cambria Math" panose="02040503050406030204" pitchFamily="18" charset="0"/>
-                            </a:rPr>
-                            <m:t>−1</m:t>
-                          </m:r>
-                        </m:sub>
-                      </m:sSub>
-                    </m:oMath>
-                  </m:oMathPara>
-                </a14:m>
-                <a:endParaRPr lang="ko-KR" altLang="en-US" dirty="0"/>
-              </a:p>
-            </p:txBody>
-          </p:sp>
-        </mc:Choice>
-        <mc:Fallback>
-          <p:sp>
-            <p:nvSpPr>
-              <p:cNvPr id="34" name="직사각형 33">
-                <a:extLst>
-                  <a:ext uri="{FF2B5EF4-FFF2-40B4-BE49-F238E27FC236}">
-                    <a16:creationId xmlns:a16="http://schemas.microsoft.com/office/drawing/2014/main" id="{1594A69C-4792-42F7-8891-CBBC033490B1}"/>
-                  </a:ext>
-                </a:extLst>
-              </p:cNvPr>
-              <p:cNvSpPr>
-                <a:spLocks noRot="1" noChangeAspect="1" noMove="1" noResize="1" noEditPoints="1" noAdjustHandles="1" noChangeArrowheads="1" noChangeShapeType="1" noTextEdit="1"/>
-              </p:cNvSpPr>
-              <p:nvPr/>
-            </p:nvSpPr>
-            <p:spPr>
-              <a:xfrm>
-                <a:off x="9273502" y="4719737"/>
-                <a:ext cx="881395" cy="394210"/>
-              </a:xfrm>
-              <a:prstGeom prst="rect">
-                <a:avLst/>
-              </a:prstGeom>
-              <a:blipFill>
-                <a:blip r:embed="rId13"/>
-                <a:stretch>
-                  <a:fillRect b="-9231"/>
-                </a:stretch>
-              </a:blipFill>
-            </p:spPr>
-            <p:txBody>
-              <a:bodyPr/>
-              <a:lstStyle/>
-              <a:p>
-                <a:r>
-                  <a:rPr lang="ko-KR" altLang="en-US">
-                    <a:noFill/>
-                  </a:rPr>
-                  <a:t> </a:t>
-                </a:r>
-              </a:p>
-            </p:txBody>
-          </p:sp>
-        </mc:Fallback>
-      </mc:AlternateContent>
-      <p:sp>
-        <p:nvSpPr>
-          <p:cNvPr id="36" name="직사각형 35">
-            <a:extLst>
-              <a:ext uri="{FF2B5EF4-FFF2-40B4-BE49-F238E27FC236}">
-                <a16:creationId xmlns:a16="http://schemas.microsoft.com/office/drawing/2014/main" id="{8E413ADA-A080-4538-AF3B-45F5F3D9B229}"/>
-              </a:ext>
-            </a:extLst>
-          </p:cNvPr>
-          <p:cNvSpPr/>
-          <p:nvPr/>
-        </p:nvSpPr>
-        <p:spPr>
-          <a:xfrm>
-            <a:off x="7098303" y="5085627"/>
-            <a:ext cx="1156697" cy="261610"/>
-          </a:xfrm>
-          <a:prstGeom prst="rect">
-            <a:avLst/>
-          </a:prstGeom>
-        </p:spPr>
-        <p:txBody>
-          <a:bodyPr wrap="square">
-            <a:spAutoFit/>
-          </a:bodyPr>
-          <a:lstStyle/>
-          <a:p>
-            <a:r>
-              <a:rPr lang="ko-KR" altLang="en-US" sz="1100" dirty="0" err="1">
-                <a:solidFill>
-                  <a:srgbClr val="00B050"/>
-                </a:solidFill>
-              </a:rPr>
-              <a:t>예측값</a:t>
-            </a:r>
-            <a:r>
-              <a:rPr lang="ko-KR" altLang="en-US" sz="1100" dirty="0">
-                <a:solidFill>
-                  <a:srgbClr val="00B050"/>
-                </a:solidFill>
-              </a:rPr>
-              <a:t> </a:t>
-            </a:r>
-            <a:r>
-              <a:rPr lang="en-US" altLang="ko-KR" sz="1100" dirty="0">
-                <a:solidFill>
-                  <a:srgbClr val="00B050"/>
-                </a:solidFill>
-              </a:rPr>
-              <a:t>: 10m</a:t>
-            </a:r>
-            <a:endParaRPr lang="ko-KR" altLang="en-US" sz="1100" dirty="0">
-              <a:solidFill>
-                <a:srgbClr val="00B050"/>
-              </a:solidFill>
-            </a:endParaRPr>
-          </a:p>
-        </p:txBody>
-      </p:sp>
-      <p:sp>
-        <p:nvSpPr>
-          <p:cNvPr id="37" name="직사각형 36">
-            <a:extLst>
-              <a:ext uri="{FF2B5EF4-FFF2-40B4-BE49-F238E27FC236}">
-                <a16:creationId xmlns:a16="http://schemas.microsoft.com/office/drawing/2014/main" id="{4DB889F8-38ED-41B2-8FB7-11EA0214322D}"/>
-              </a:ext>
-            </a:extLst>
-          </p:cNvPr>
-          <p:cNvSpPr/>
-          <p:nvPr/>
-        </p:nvSpPr>
-        <p:spPr>
-          <a:xfrm>
-            <a:off x="8184970" y="5085627"/>
-            <a:ext cx="1156697" cy="261610"/>
-          </a:xfrm>
-          <a:prstGeom prst="rect">
-            <a:avLst/>
-          </a:prstGeom>
-        </p:spPr>
-        <p:txBody>
-          <a:bodyPr wrap="square">
-            <a:spAutoFit/>
-          </a:bodyPr>
-          <a:lstStyle/>
-          <a:p>
-            <a:r>
-              <a:rPr lang="ko-KR" altLang="en-US" sz="1100" dirty="0" err="1">
-                <a:solidFill>
-                  <a:srgbClr val="00B050"/>
-                </a:solidFill>
-              </a:rPr>
-              <a:t>관측값</a:t>
-            </a:r>
-            <a:r>
-              <a:rPr lang="ko-KR" altLang="en-US" sz="1100" dirty="0">
-                <a:solidFill>
-                  <a:srgbClr val="00B050"/>
-                </a:solidFill>
-              </a:rPr>
-              <a:t> </a:t>
-            </a:r>
-            <a:r>
-              <a:rPr lang="en-US" altLang="ko-KR" sz="1100" dirty="0">
-                <a:solidFill>
-                  <a:srgbClr val="00B050"/>
-                </a:solidFill>
-              </a:rPr>
-              <a:t>: 12m</a:t>
-            </a:r>
-            <a:endParaRPr lang="ko-KR" altLang="en-US" sz="1100" dirty="0">
-              <a:solidFill>
-                <a:srgbClr val="00B050"/>
-              </a:solidFill>
-            </a:endParaRPr>
-          </a:p>
-        </p:txBody>
-      </p:sp>
-      <p:sp>
-        <p:nvSpPr>
-          <p:cNvPr id="38" name="직사각형 37">
-            <a:extLst>
-              <a:ext uri="{FF2B5EF4-FFF2-40B4-BE49-F238E27FC236}">
-                <a16:creationId xmlns:a16="http://schemas.microsoft.com/office/drawing/2014/main" id="{3EC309D0-9BD4-4919-87A1-0A917B525871}"/>
-              </a:ext>
-            </a:extLst>
-          </p:cNvPr>
-          <p:cNvSpPr/>
-          <p:nvPr/>
-        </p:nvSpPr>
-        <p:spPr>
-          <a:xfrm>
-            <a:off x="9151068" y="5085627"/>
-            <a:ext cx="1558268" cy="261610"/>
-          </a:xfrm>
-          <a:prstGeom prst="rect">
-            <a:avLst/>
-          </a:prstGeom>
-        </p:spPr>
-        <p:txBody>
-          <a:bodyPr wrap="square">
-            <a:spAutoFit/>
-          </a:bodyPr>
-          <a:lstStyle/>
-          <a:p>
-            <a:r>
-              <a:rPr lang="ko-KR" altLang="en-US" sz="1100" dirty="0">
-                <a:solidFill>
-                  <a:srgbClr val="00B050"/>
-                </a:solidFill>
-              </a:rPr>
-              <a:t>불확실성</a:t>
-            </a:r>
-            <a:r>
-              <a:rPr lang="en-US" altLang="ko-KR" sz="1100" dirty="0">
-                <a:solidFill>
-                  <a:srgbClr val="00B050"/>
-                </a:solidFill>
-              </a:rPr>
-              <a:t>(</a:t>
-            </a:r>
-            <a:r>
-              <a:rPr lang="ko-KR" altLang="en-US" sz="1100" dirty="0">
-                <a:solidFill>
-                  <a:srgbClr val="00B050"/>
-                </a:solidFill>
-              </a:rPr>
-              <a:t>공분산</a:t>
-            </a:r>
-            <a:r>
-              <a:rPr lang="en-US" altLang="ko-KR" sz="1100" dirty="0">
-                <a:solidFill>
-                  <a:srgbClr val="00B050"/>
-                </a:solidFill>
-              </a:rPr>
-              <a:t>)</a:t>
-            </a:r>
-            <a:r>
-              <a:rPr lang="ko-KR" altLang="en-US" sz="1100" dirty="0">
-                <a:solidFill>
-                  <a:srgbClr val="00B050"/>
-                </a:solidFill>
-              </a:rPr>
-              <a:t> </a:t>
-            </a:r>
-            <a:r>
-              <a:rPr lang="en-US" altLang="ko-KR" sz="1100" dirty="0">
-                <a:solidFill>
-                  <a:srgbClr val="00B050"/>
-                </a:solidFill>
-              </a:rPr>
-              <a:t>: 4</a:t>
-            </a:r>
-            <a:endParaRPr lang="ko-KR" altLang="en-US" sz="1100" dirty="0">
-              <a:solidFill>
-                <a:srgbClr val="00B050"/>
-              </a:solidFill>
-            </a:endParaRPr>
-          </a:p>
-        </p:txBody>
-      </p:sp>
-      <p:sp>
-        <p:nvSpPr>
-          <p:cNvPr id="39" name="직사각형 38">
-            <a:extLst>
-              <a:ext uri="{FF2B5EF4-FFF2-40B4-BE49-F238E27FC236}">
-                <a16:creationId xmlns:a16="http://schemas.microsoft.com/office/drawing/2014/main" id="{9BDD5558-A06B-49DE-B8DF-6FE7C9E30B3A}"/>
-              </a:ext>
-            </a:extLst>
-          </p:cNvPr>
-          <p:cNvSpPr/>
-          <p:nvPr/>
-        </p:nvSpPr>
-        <p:spPr>
-          <a:xfrm>
-            <a:off x="10899527" y="4719737"/>
-            <a:ext cx="325730" cy="369332"/>
-          </a:xfrm>
-          <a:prstGeom prst="rect">
-            <a:avLst/>
-          </a:prstGeom>
-        </p:spPr>
-        <p:txBody>
-          <a:bodyPr wrap="none">
-            <a:spAutoFit/>
-          </a:bodyPr>
-          <a:lstStyle/>
-          <a:p>
-            <a:r>
-              <a:rPr lang="en-US" altLang="ko-KR" dirty="0"/>
-              <a:t>R</a:t>
-            </a:r>
-            <a:endParaRPr lang="ko-KR" altLang="en-US" dirty="0"/>
-          </a:p>
-        </p:txBody>
-      </p:sp>
-      <p:sp>
-        <p:nvSpPr>
-          <p:cNvPr id="40" name="직사각형 39">
-            <a:extLst>
-              <a:ext uri="{FF2B5EF4-FFF2-40B4-BE49-F238E27FC236}">
-                <a16:creationId xmlns:a16="http://schemas.microsoft.com/office/drawing/2014/main" id="{3BC4CDD4-EFA9-46F6-9474-7DA422513B7E}"/>
-              </a:ext>
-            </a:extLst>
-          </p:cNvPr>
-          <p:cNvSpPr/>
-          <p:nvPr/>
-        </p:nvSpPr>
-        <p:spPr>
-          <a:xfrm>
-            <a:off x="10709336" y="5085627"/>
-            <a:ext cx="1558268" cy="261610"/>
-          </a:xfrm>
-          <a:prstGeom prst="rect">
-            <a:avLst/>
-          </a:prstGeom>
-        </p:spPr>
-        <p:txBody>
-          <a:bodyPr wrap="square">
-            <a:spAutoFit/>
-          </a:bodyPr>
-          <a:lstStyle/>
-          <a:p>
-            <a:r>
-              <a:rPr lang="ko-KR" altLang="en-US" sz="1100" dirty="0" err="1">
-                <a:solidFill>
-                  <a:srgbClr val="00B050"/>
-                </a:solidFill>
-              </a:rPr>
-              <a:t>센서노이즈</a:t>
-            </a:r>
-            <a:r>
-              <a:rPr lang="ko-KR" altLang="en-US" sz="1100" dirty="0">
-                <a:solidFill>
-                  <a:srgbClr val="00B050"/>
-                </a:solidFill>
-              </a:rPr>
-              <a:t> </a:t>
-            </a:r>
-            <a:r>
-              <a:rPr lang="en-US" altLang="ko-KR" sz="1100" dirty="0">
-                <a:solidFill>
-                  <a:srgbClr val="00B050"/>
-                </a:solidFill>
-              </a:rPr>
-              <a:t>: 1</a:t>
-            </a:r>
-            <a:endParaRPr lang="ko-KR" altLang="en-US" sz="1100" dirty="0">
-              <a:solidFill>
-                <a:srgbClr val="00B050"/>
-              </a:solidFill>
-            </a:endParaRPr>
-          </a:p>
-        </p:txBody>
-      </p:sp>
-      <mc:AlternateContent xmlns:mc="http://schemas.openxmlformats.org/markup-compatibility/2006">
-        <mc:Choice xmlns:a14="http://schemas.microsoft.com/office/drawing/2010/main" Requires="a14">
-          <p:sp>
-            <p:nvSpPr>
-              <p:cNvPr id="41" name="TextBox 40">
-                <a:extLst>
-                  <a:ext uri="{FF2B5EF4-FFF2-40B4-BE49-F238E27FC236}">
-                    <a16:creationId xmlns:a16="http://schemas.microsoft.com/office/drawing/2014/main" id="{BC05DFB3-FFB3-475F-83A6-2F1BB13D7581}"/>
-                  </a:ext>
-                </a:extLst>
-              </p:cNvPr>
-              <p:cNvSpPr txBox="1"/>
-              <p:nvPr/>
-            </p:nvSpPr>
-            <p:spPr>
-              <a:xfrm>
-                <a:off x="7238258" y="5359688"/>
-                <a:ext cx="3689536" cy="276999"/>
-              </a:xfrm>
-              <a:prstGeom prst="rect">
-                <a:avLst/>
-              </a:prstGeom>
-              <a:noFill/>
-            </p:spPr>
-            <p:txBody>
-              <a:bodyPr wrap="none" lIns="0" tIns="0" rIns="0" bIns="0" rtlCol="0">
-                <a:spAutoFit/>
-              </a:bodyPr>
-              <a:lstStyle/>
-              <a:p>
-                <a14:m>
-                  <m:oMathPara xmlns:m="http://schemas.openxmlformats.org/officeDocument/2006/math">
-                    <m:oMathParaPr>
-                      <m:jc m:val="centerGroup"/>
-                    </m:oMathParaPr>
-                    <m:oMath xmlns:m="http://schemas.openxmlformats.org/officeDocument/2006/math">
-                      <m:sSub>
-                        <m:sSubPr>
-                          <m:ctrlPr>
-                            <a:rPr lang="en-US" altLang="ko-KR" b="0" i="1" smtClean="0">
-                              <a:latin typeface="Cambria Math" panose="02040503050406030204" pitchFamily="18" charset="0"/>
-                            </a:rPr>
-                          </m:ctrlPr>
-                        </m:sSubPr>
-                        <m:e>
-                          <m:acc>
-                            <m:accPr>
-                              <m:chr m:val="̂"/>
-                              <m:ctrlPr>
-                                <a:rPr lang="en-US" altLang="ko-KR" i="1" smtClean="0">
-                                  <a:latin typeface="Cambria Math" panose="02040503050406030204" pitchFamily="18" charset="0"/>
-                                </a:rPr>
-                              </m:ctrlPr>
-                            </m:accPr>
-                            <m:e>
-                              <m:r>
-                                <a:rPr lang="en-US" altLang="ko-KR" i="1">
-                                  <a:latin typeface="Cambria Math" panose="02040503050406030204" pitchFamily="18" charset="0"/>
-                                </a:rPr>
-                                <m:t>𝑥</m:t>
-                              </m:r>
-                            </m:e>
-                          </m:acc>
-                        </m:e>
-                        <m:sub>
-                          <m:r>
-                            <a:rPr lang="en-US" altLang="ko-KR" b="0" i="1" smtClean="0">
-                              <a:latin typeface="Cambria Math" panose="02040503050406030204" pitchFamily="18" charset="0"/>
-                            </a:rPr>
-                            <m:t>𝑘</m:t>
-                          </m:r>
-                        </m:sub>
-                      </m:sSub>
-                      <m:r>
-                        <a:rPr lang="en-US" altLang="ko-KR" i="1" smtClean="0">
-                          <a:latin typeface="Cambria Math" panose="02040503050406030204" pitchFamily="18" charset="0"/>
-                        </a:rPr>
-                        <m:t>=1</m:t>
-                      </m:r>
-                      <m:r>
-                        <a:rPr lang="en-US" altLang="ko-KR" b="0" i="1" smtClean="0">
-                          <a:latin typeface="Cambria Math" panose="02040503050406030204" pitchFamily="18" charset="0"/>
-                        </a:rPr>
-                        <m:t>0+0.8 </m:t>
-                      </m:r>
-                      <m:r>
-                        <a:rPr lang="en-US" altLang="ko-KR" b="0" i="1" smtClean="0">
-                          <a:latin typeface="Cambria Math" panose="02040503050406030204" pitchFamily="18" charset="0"/>
-                          <a:ea typeface="Cambria Math" panose="02040503050406030204" pitchFamily="18" charset="0"/>
-                        </a:rPr>
-                        <m:t>×</m:t>
-                      </m:r>
-                      <m:d>
-                        <m:dPr>
-                          <m:ctrlPr>
-                            <a:rPr lang="en-US" altLang="ko-KR" b="0" i="1" smtClean="0">
-                              <a:latin typeface="Cambria Math" panose="02040503050406030204" pitchFamily="18" charset="0"/>
-                              <a:ea typeface="Cambria Math" panose="02040503050406030204" pitchFamily="18" charset="0"/>
-                            </a:rPr>
-                          </m:ctrlPr>
-                        </m:dPr>
-                        <m:e>
-                          <m:r>
-                            <a:rPr lang="en-US" altLang="ko-KR" b="0" i="1" smtClean="0">
-                              <a:latin typeface="Cambria Math" panose="02040503050406030204" pitchFamily="18" charset="0"/>
-                              <a:ea typeface="Cambria Math" panose="02040503050406030204" pitchFamily="18" charset="0"/>
-                            </a:rPr>
-                            <m:t>12−10</m:t>
-                          </m:r>
-                        </m:e>
-                      </m:d>
-                      <m:r>
-                        <a:rPr lang="en-US" altLang="ko-KR" b="0" i="1" smtClean="0">
-                          <a:latin typeface="Cambria Math" panose="02040503050406030204" pitchFamily="18" charset="0"/>
-                          <a:ea typeface="Cambria Math" panose="02040503050406030204" pitchFamily="18" charset="0"/>
-                        </a:rPr>
-                        <m:t>=11.6</m:t>
-                      </m:r>
-                      <m:r>
-                        <a:rPr lang="en-US" altLang="ko-KR" b="0" i="1" smtClean="0">
-                          <a:latin typeface="Cambria Math" panose="02040503050406030204" pitchFamily="18" charset="0"/>
-                          <a:ea typeface="Cambria Math" panose="02040503050406030204" pitchFamily="18" charset="0"/>
-                        </a:rPr>
-                        <m:t>𝑚</m:t>
-                      </m:r>
-                    </m:oMath>
-                  </m:oMathPara>
-                </a14:m>
-                <a:endParaRPr lang="ko-KR" altLang="en-US" dirty="0"/>
-              </a:p>
-            </p:txBody>
-          </p:sp>
-        </mc:Choice>
-        <mc:Fallback>
-          <p:sp>
-            <p:nvSpPr>
-              <p:cNvPr id="41" name="TextBox 40">
-                <a:extLst>
-                  <a:ext uri="{FF2B5EF4-FFF2-40B4-BE49-F238E27FC236}">
-                    <a16:creationId xmlns:a16="http://schemas.microsoft.com/office/drawing/2014/main" id="{BC05DFB3-FFB3-475F-83A6-2F1BB13D7581}"/>
-                  </a:ext>
-                </a:extLst>
-              </p:cNvPr>
-              <p:cNvSpPr txBox="1">
-                <a:spLocks noRot="1" noChangeAspect="1" noMove="1" noResize="1" noEditPoints="1" noAdjustHandles="1" noChangeArrowheads="1" noChangeShapeType="1" noTextEdit="1"/>
-              </p:cNvSpPr>
-              <p:nvPr/>
-            </p:nvSpPr>
-            <p:spPr>
-              <a:xfrm>
-                <a:off x="7238258" y="5359688"/>
-                <a:ext cx="3689536" cy="276999"/>
-              </a:xfrm>
-              <a:prstGeom prst="rect">
-                <a:avLst/>
-              </a:prstGeom>
-              <a:blipFill>
-                <a:blip r:embed="rId14"/>
-                <a:stretch>
-                  <a:fillRect t="-19565" r="-660" b="-19565"/>
-                </a:stretch>
-              </a:blipFill>
-            </p:spPr>
-            <p:txBody>
-              <a:bodyPr/>
-              <a:lstStyle/>
-              <a:p>
-                <a:r>
-                  <a:rPr lang="ko-KR" altLang="en-US">
-                    <a:noFill/>
-                  </a:rPr>
-                  <a:t> </a:t>
-                </a:r>
-              </a:p>
-            </p:txBody>
-          </p:sp>
-        </mc:Fallback>
-      </mc:AlternateContent>
-      <mc:AlternateContent xmlns:mc="http://schemas.openxmlformats.org/markup-compatibility/2006">
-        <mc:Choice xmlns:a14="http://schemas.microsoft.com/office/drawing/2010/main" Requires="a14">
-          <p:sp>
-            <p:nvSpPr>
-              <p:cNvPr id="42" name="직사각형 41">
-                <a:extLst>
-                  <a:ext uri="{FF2B5EF4-FFF2-40B4-BE49-F238E27FC236}">
-                    <a16:creationId xmlns:a16="http://schemas.microsoft.com/office/drawing/2014/main" id="{82C2041E-C7F3-48E3-87AE-E3C4EE934B73}"/>
-                  </a:ext>
-                </a:extLst>
-              </p:cNvPr>
-              <p:cNvSpPr/>
-              <p:nvPr/>
-            </p:nvSpPr>
-            <p:spPr>
-              <a:xfrm>
-                <a:off x="6908663" y="5732799"/>
-                <a:ext cx="5165132" cy="407099"/>
-              </a:xfrm>
-              <a:prstGeom prst="rect">
-                <a:avLst/>
-              </a:prstGeom>
-            </p:spPr>
-            <p:txBody>
-              <a:bodyPr wrap="none">
-                <a:spAutoFit/>
-              </a:bodyPr>
-              <a:lstStyle/>
-              <a:p>
-                <a14:m>
-                  <m:oMathPara xmlns:m="http://schemas.openxmlformats.org/officeDocument/2006/math">
-                    <m:oMathParaPr>
-                      <m:jc m:val="centerGroup"/>
-                    </m:oMathParaPr>
-                    <m:oMath xmlns:m="http://schemas.openxmlformats.org/officeDocument/2006/math">
-                      <m:sSub>
-                        <m:sSubPr>
-                          <m:ctrlPr>
-                            <a:rPr lang="en-US" altLang="ko-KR" i="1" smtClean="0">
-                              <a:latin typeface="Cambria Math" panose="02040503050406030204" pitchFamily="18" charset="0"/>
-                            </a:rPr>
-                          </m:ctrlPr>
-                        </m:sSubPr>
-                        <m:e>
-                          <m:r>
-                            <a:rPr lang="en-US" altLang="ko-KR" i="1">
-                              <a:latin typeface="Cambria Math" panose="02040503050406030204" pitchFamily="18" charset="0"/>
-                            </a:rPr>
-                            <m:t>𝑃</m:t>
-                          </m:r>
-                        </m:e>
-                        <m:sub>
-                          <m:r>
-                            <a:rPr lang="en-US" altLang="ko-KR" i="1">
-                              <a:latin typeface="Cambria Math" panose="02040503050406030204" pitchFamily="18" charset="0"/>
-                            </a:rPr>
-                            <m:t>𝑘</m:t>
-                          </m:r>
-                        </m:sub>
-                      </m:sSub>
-                      <m:r>
-                        <a:rPr lang="en-US" altLang="ko-KR" b="0" i="1" smtClean="0">
-                          <a:latin typeface="Cambria Math" panose="02040503050406030204" pitchFamily="18" charset="0"/>
-                        </a:rPr>
-                        <m:t>=</m:t>
-                      </m:r>
-                      <m:sSub>
-                        <m:sSubPr>
-                          <m:ctrlPr>
-                            <a:rPr lang="en-US" altLang="ko-KR" i="1">
-                              <a:latin typeface="Cambria Math" panose="02040503050406030204" pitchFamily="18" charset="0"/>
-                            </a:rPr>
-                          </m:ctrlPr>
-                        </m:sSubPr>
-                        <m:e>
-                          <m:r>
-                            <a:rPr lang="en-US" altLang="ko-KR" i="1">
-                              <a:latin typeface="Cambria Math" panose="02040503050406030204" pitchFamily="18" charset="0"/>
-                            </a:rPr>
-                            <m:t>𝑃</m:t>
-                          </m:r>
-                        </m:e>
-                        <m:sub>
-                          <m:r>
-                            <a:rPr lang="en-US" altLang="ko-KR" i="1">
-                              <a:latin typeface="Cambria Math" panose="02040503050406030204" pitchFamily="18" charset="0"/>
-                            </a:rPr>
-                            <m:t>𝑘</m:t>
-                          </m:r>
-                          <m:r>
-                            <a:rPr lang="en-US" altLang="ko-KR" i="1">
-                              <a:latin typeface="Cambria Math" panose="02040503050406030204" pitchFamily="18" charset="0"/>
-                            </a:rPr>
-                            <m:t>|</m:t>
-                          </m:r>
-                          <m:r>
-                            <a:rPr lang="en-US" altLang="ko-KR" i="1">
-                              <a:latin typeface="Cambria Math" panose="02040503050406030204" pitchFamily="18" charset="0"/>
-                            </a:rPr>
-                            <m:t>𝑘</m:t>
-                          </m:r>
-                          <m:r>
-                            <a:rPr lang="en-US" altLang="ko-KR" i="1">
-                              <a:latin typeface="Cambria Math" panose="02040503050406030204" pitchFamily="18" charset="0"/>
-                            </a:rPr>
-                            <m:t>−1</m:t>
-                          </m:r>
-                        </m:sub>
-                      </m:sSub>
-                      <m:r>
-                        <a:rPr lang="en-US" altLang="ko-KR" b="0" i="1" smtClean="0">
-                          <a:latin typeface="Cambria Math" panose="02040503050406030204" pitchFamily="18" charset="0"/>
-                        </a:rPr>
-                        <m:t>−</m:t>
-                      </m:r>
-                      <m:sSub>
-                        <m:sSubPr>
-                          <m:ctrlPr>
-                            <a:rPr lang="en-US" altLang="ko-KR" b="0" i="1" smtClean="0">
-                              <a:latin typeface="Cambria Math" panose="02040503050406030204" pitchFamily="18" charset="0"/>
-                            </a:rPr>
-                          </m:ctrlPr>
-                        </m:sSubPr>
-                        <m:e>
-                          <m:r>
-                            <a:rPr lang="en-US" altLang="ko-KR" b="0" i="1" smtClean="0">
-                              <a:latin typeface="Cambria Math" panose="02040503050406030204" pitchFamily="18" charset="0"/>
-                            </a:rPr>
-                            <m:t>𝑊</m:t>
-                          </m:r>
-                        </m:e>
-                        <m:sub>
-                          <m:r>
-                            <a:rPr lang="en-US" altLang="ko-KR" b="0" i="1" smtClean="0">
-                              <a:latin typeface="Cambria Math" panose="02040503050406030204" pitchFamily="18" charset="0"/>
-                            </a:rPr>
-                            <m:t>𝑘</m:t>
-                          </m:r>
-                        </m:sub>
-                      </m:sSub>
-                      <m:sSub>
-                        <m:sSubPr>
-                          <m:ctrlPr>
-                            <a:rPr lang="en-US" altLang="ko-KR" b="0" i="1" smtClean="0">
-                              <a:latin typeface="Cambria Math" panose="02040503050406030204" pitchFamily="18" charset="0"/>
-                            </a:rPr>
-                          </m:ctrlPr>
-                        </m:sSubPr>
-                        <m:e>
-                          <m:r>
-                            <a:rPr lang="en-US" altLang="ko-KR" b="0" i="1" smtClean="0">
-                              <a:latin typeface="Cambria Math" panose="02040503050406030204" pitchFamily="18" charset="0"/>
-                            </a:rPr>
-                            <m:t>𝑆</m:t>
-                          </m:r>
-                        </m:e>
-                        <m:sub>
-                          <m:r>
-                            <a:rPr lang="en-US" altLang="ko-KR" b="0" i="1" smtClean="0">
-                              <a:latin typeface="Cambria Math" panose="02040503050406030204" pitchFamily="18" charset="0"/>
-                            </a:rPr>
-                            <m:t>𝑘</m:t>
-                          </m:r>
-                        </m:sub>
-                      </m:sSub>
-                      <m:sSubSup>
-                        <m:sSubSupPr>
-                          <m:ctrlPr>
-                            <a:rPr lang="en-US" altLang="ko-KR" b="0" i="1" smtClean="0">
-                              <a:latin typeface="Cambria Math" panose="02040503050406030204" pitchFamily="18" charset="0"/>
-                            </a:rPr>
-                          </m:ctrlPr>
-                        </m:sSubSupPr>
-                        <m:e>
-                          <m:r>
-                            <a:rPr lang="en-US" altLang="ko-KR" b="0" i="1" smtClean="0">
-                              <a:latin typeface="Cambria Math" panose="02040503050406030204" pitchFamily="18" charset="0"/>
-                            </a:rPr>
-                            <m:t>𝑊</m:t>
-                          </m:r>
-                        </m:e>
-                        <m:sub>
-                          <m:r>
-                            <a:rPr lang="en-US" altLang="ko-KR" b="0" i="1" smtClean="0">
-                              <a:latin typeface="Cambria Math" panose="02040503050406030204" pitchFamily="18" charset="0"/>
-                            </a:rPr>
-                            <m:t>𝑘</m:t>
-                          </m:r>
-                        </m:sub>
-                        <m:sup>
-                          <m:r>
-                            <a:rPr lang="en-US" altLang="ko-KR" b="0" i="1" smtClean="0">
-                              <a:latin typeface="Cambria Math" panose="02040503050406030204" pitchFamily="18" charset="0"/>
-                            </a:rPr>
-                            <m:t>𝑇</m:t>
-                          </m:r>
-                        </m:sup>
-                      </m:sSubSup>
-                      <m:r>
-                        <a:rPr lang="en-US" altLang="ko-KR" b="0" i="1" smtClean="0">
-                          <a:latin typeface="Cambria Math" panose="02040503050406030204" pitchFamily="18" charset="0"/>
-                        </a:rPr>
-                        <m:t>=4−0.8</m:t>
-                      </m:r>
-                      <m:r>
-                        <a:rPr lang="en-US" altLang="ko-KR" b="0" i="1" smtClean="0">
-                          <a:latin typeface="Cambria Math" panose="02040503050406030204" pitchFamily="18" charset="0"/>
-                          <a:ea typeface="Cambria Math" panose="02040503050406030204" pitchFamily="18" charset="0"/>
-                        </a:rPr>
-                        <m:t>×5×0.8=0.8</m:t>
-                      </m:r>
-                    </m:oMath>
-                  </m:oMathPara>
-                </a14:m>
-                <a:endParaRPr lang="ko-KR" altLang="en-US" dirty="0"/>
-              </a:p>
-            </p:txBody>
-          </p:sp>
-        </mc:Choice>
-        <mc:Fallback>
-          <p:sp>
-            <p:nvSpPr>
-              <p:cNvPr id="42" name="직사각형 41">
-                <a:extLst>
-                  <a:ext uri="{FF2B5EF4-FFF2-40B4-BE49-F238E27FC236}">
-                    <a16:creationId xmlns:a16="http://schemas.microsoft.com/office/drawing/2014/main" id="{82C2041E-C7F3-48E3-87AE-E3C4EE934B73}"/>
-                  </a:ext>
-                </a:extLst>
-              </p:cNvPr>
-              <p:cNvSpPr>
-                <a:spLocks noRot="1" noChangeAspect="1" noMove="1" noResize="1" noEditPoints="1" noAdjustHandles="1" noChangeArrowheads="1" noChangeShapeType="1" noTextEdit="1"/>
-              </p:cNvSpPr>
-              <p:nvPr/>
-            </p:nvSpPr>
-            <p:spPr>
-              <a:xfrm>
-                <a:off x="6908663" y="5732799"/>
-                <a:ext cx="5165132" cy="407099"/>
-              </a:xfrm>
-              <a:prstGeom prst="rect">
-                <a:avLst/>
-              </a:prstGeom>
-              <a:blipFill>
-                <a:blip r:embed="rId15"/>
-                <a:stretch>
-                  <a:fillRect b="-8955"/>
-                </a:stretch>
-              </a:blipFill>
-            </p:spPr>
-            <p:txBody>
-              <a:bodyPr/>
-              <a:lstStyle/>
-              <a:p>
-                <a:r>
-                  <a:rPr lang="ko-KR" altLang="en-US">
-                    <a:noFill/>
-                  </a:rPr>
-                  <a:t> </a:t>
-                </a:r>
-              </a:p>
-            </p:txBody>
-          </p:sp>
-        </mc:Fallback>
-      </mc:AlternateContent>
-      <mc:AlternateContent xmlns:mc="http://schemas.openxmlformats.org/markup-compatibility/2006">
-        <mc:Choice xmlns:a14="http://schemas.microsoft.com/office/drawing/2010/main" Requires="a14">
-          <p:sp>
-            <p:nvSpPr>
-              <p:cNvPr id="43" name="직사각형 42">
-                <a:extLst>
-                  <a:ext uri="{FF2B5EF4-FFF2-40B4-BE49-F238E27FC236}">
-                    <a16:creationId xmlns:a16="http://schemas.microsoft.com/office/drawing/2014/main" id="{F38F21FD-3131-4111-8722-67489E62EB30}"/>
-                  </a:ext>
-                </a:extLst>
-              </p:cNvPr>
-              <p:cNvSpPr/>
-              <p:nvPr/>
-            </p:nvSpPr>
-            <p:spPr>
-              <a:xfrm>
-                <a:off x="6946763" y="6139637"/>
-                <a:ext cx="1841466" cy="394210"/>
-              </a:xfrm>
-              <a:prstGeom prst="rect">
-                <a:avLst/>
-              </a:prstGeom>
-            </p:spPr>
-            <p:txBody>
-              <a:bodyPr wrap="none">
-                <a:spAutoFit/>
-              </a:bodyPr>
-              <a:lstStyle/>
-              <a:p>
-                <a14:m>
-                  <m:oMathPara xmlns:m="http://schemas.openxmlformats.org/officeDocument/2006/math">
-                    <m:oMathParaPr>
-                      <m:jc m:val="centerGroup"/>
-                    </m:oMathParaPr>
-                    <m:oMath xmlns:m="http://schemas.openxmlformats.org/officeDocument/2006/math">
-                      <m:sSub>
-                        <m:sSubPr>
-                          <m:ctrlPr>
-                            <a:rPr lang="en-US" altLang="ko-KR" b="0" i="1" smtClean="0">
-                              <a:latin typeface="Cambria Math" panose="02040503050406030204" pitchFamily="18" charset="0"/>
-                            </a:rPr>
-                          </m:ctrlPr>
-                        </m:sSubPr>
-                        <m:e>
-                          <m:r>
-                            <a:rPr lang="en-US" altLang="ko-KR" i="1" smtClean="0">
-                              <a:latin typeface="Cambria Math" panose="02040503050406030204" pitchFamily="18" charset="0"/>
-                            </a:rPr>
-                            <m:t>𝑆</m:t>
-                          </m:r>
-                        </m:e>
-                        <m:sub>
-                          <m:r>
-                            <a:rPr lang="en-US" altLang="ko-KR" b="0" i="1" smtClean="0">
-                              <a:latin typeface="Cambria Math" panose="02040503050406030204" pitchFamily="18" charset="0"/>
-                            </a:rPr>
-                            <m:t>𝑘</m:t>
-                          </m:r>
-                        </m:sub>
-                      </m:sSub>
-                      <m:r>
-                        <a:rPr lang="en-US" altLang="ko-KR" b="0" i="1" smtClean="0">
-                          <a:latin typeface="Cambria Math" panose="02040503050406030204" pitchFamily="18" charset="0"/>
-                        </a:rPr>
-                        <m:t>=</m:t>
-                      </m:r>
-                      <m:sSub>
-                        <m:sSubPr>
-                          <m:ctrlPr>
-                            <a:rPr lang="en-US" altLang="ko-KR" i="1">
-                              <a:latin typeface="Cambria Math" panose="02040503050406030204" pitchFamily="18" charset="0"/>
-                            </a:rPr>
-                          </m:ctrlPr>
-                        </m:sSubPr>
-                        <m:e>
-                          <m:r>
-                            <a:rPr lang="en-US" altLang="ko-KR" i="1">
-                              <a:latin typeface="Cambria Math" panose="02040503050406030204" pitchFamily="18" charset="0"/>
-                            </a:rPr>
-                            <m:t>𝑃</m:t>
-                          </m:r>
-                        </m:e>
-                        <m:sub>
-                          <m:r>
-                            <a:rPr lang="en-US" altLang="ko-KR" i="1">
-                              <a:latin typeface="Cambria Math" panose="02040503050406030204" pitchFamily="18" charset="0"/>
-                            </a:rPr>
-                            <m:t>𝑘</m:t>
-                          </m:r>
-                          <m:r>
-                            <a:rPr lang="en-US" altLang="ko-KR" i="1">
-                              <a:latin typeface="Cambria Math" panose="02040503050406030204" pitchFamily="18" charset="0"/>
-                            </a:rPr>
-                            <m:t>|</m:t>
-                          </m:r>
-                          <m:r>
-                            <a:rPr lang="en-US" altLang="ko-KR" i="1">
-                              <a:latin typeface="Cambria Math" panose="02040503050406030204" pitchFamily="18" charset="0"/>
-                            </a:rPr>
-                            <m:t>𝑘</m:t>
-                          </m:r>
-                          <m:r>
-                            <a:rPr lang="en-US" altLang="ko-KR" i="1">
-                              <a:latin typeface="Cambria Math" panose="02040503050406030204" pitchFamily="18" charset="0"/>
-                            </a:rPr>
-                            <m:t>−1</m:t>
-                          </m:r>
-                        </m:sub>
-                      </m:sSub>
-                      <m:r>
-                        <a:rPr lang="en-US" altLang="ko-KR" b="0" i="1" smtClean="0">
-                          <a:latin typeface="Cambria Math" panose="02040503050406030204" pitchFamily="18" charset="0"/>
-                        </a:rPr>
-                        <m:t>+</m:t>
-                      </m:r>
-                      <m:r>
-                        <a:rPr lang="en-US" altLang="ko-KR" b="0" i="1" smtClean="0">
-                          <a:latin typeface="Cambria Math" panose="02040503050406030204" pitchFamily="18" charset="0"/>
-                        </a:rPr>
-                        <m:t>𝑅</m:t>
-                      </m:r>
-                    </m:oMath>
-                  </m:oMathPara>
-                </a14:m>
-                <a:endParaRPr lang="ko-KR" altLang="en-US" dirty="0"/>
-              </a:p>
-            </p:txBody>
-          </p:sp>
-        </mc:Choice>
-        <mc:Fallback>
-          <p:sp>
-            <p:nvSpPr>
-              <p:cNvPr id="43" name="직사각형 42">
-                <a:extLst>
-                  <a:ext uri="{FF2B5EF4-FFF2-40B4-BE49-F238E27FC236}">
-                    <a16:creationId xmlns:a16="http://schemas.microsoft.com/office/drawing/2014/main" id="{F38F21FD-3131-4111-8722-67489E62EB30}"/>
-                  </a:ext>
-                </a:extLst>
-              </p:cNvPr>
-              <p:cNvSpPr>
-                <a:spLocks noRot="1" noChangeAspect="1" noMove="1" noResize="1" noEditPoints="1" noAdjustHandles="1" noChangeArrowheads="1" noChangeShapeType="1" noTextEdit="1"/>
-              </p:cNvSpPr>
-              <p:nvPr/>
-            </p:nvSpPr>
-            <p:spPr>
-              <a:xfrm>
-                <a:off x="6946763" y="6139637"/>
-                <a:ext cx="1841466" cy="394210"/>
-              </a:xfrm>
-              <a:prstGeom prst="rect">
-                <a:avLst/>
-              </a:prstGeom>
-              <a:blipFill>
-                <a:blip r:embed="rId16"/>
-                <a:stretch>
-                  <a:fillRect b="-9231"/>
-                </a:stretch>
-              </a:blipFill>
-            </p:spPr>
-            <p:txBody>
-              <a:bodyPr/>
-              <a:lstStyle/>
-              <a:p>
-                <a:r>
-                  <a:rPr lang="ko-KR" altLang="en-US">
-                    <a:noFill/>
-                  </a:rPr>
-                  <a:t> </a:t>
-                </a:r>
-              </a:p>
-            </p:txBody>
-          </p:sp>
-        </mc:Fallback>
-      </mc:AlternateContent>
     </p:spTree>
     <p:extLst>
       <p:ext uri="{BB962C8B-B14F-4D97-AF65-F5344CB8AC3E}">
@@ -11959,7 +11600,7 @@
           <p:cNvPr id="2" name="제목 1">
             <a:extLst>
               <a:ext uri="{FF2B5EF4-FFF2-40B4-BE49-F238E27FC236}">
-                <a16:creationId xmlns:a16="http://schemas.microsoft.com/office/drawing/2014/main" id="{3A71BFB8-29AA-4339-934F-D6F932DC2ED8}"/>
+                <a16:creationId xmlns:a16="http://schemas.microsoft.com/office/drawing/2014/main" id="{C549A7AA-E79D-4F01-8547-F724AAFCAD35}"/>
               </a:ext>
             </a:extLst>
           </p:cNvPr>
@@ -11977,7 +11618,7 @@
           <a:p>
             <a:r>
               <a:rPr lang="en-US" altLang="ko-KR" dirty="0"/>
-              <a:t>EKF-Filter</a:t>
+              <a:t>Kalman-Filter</a:t>
             </a:r>
             <a:endParaRPr lang="ko-KR" altLang="en-US" dirty="0"/>
           </a:p>
@@ -11985,207 +11626,2690 @@
       </p:sp>
       <p:sp>
         <p:nvSpPr>
-          <p:cNvPr id="3" name="내용 개체 틀 2">
-            <a:extLst>
-              <a:ext uri="{FF2B5EF4-FFF2-40B4-BE49-F238E27FC236}">
-                <a16:creationId xmlns:a16="http://schemas.microsoft.com/office/drawing/2014/main" id="{DB1A2A85-2262-4B3E-B377-54FAA46A9885}"/>
-              </a:ext>
-            </a:extLst>
-          </p:cNvPr>
-          <p:cNvSpPr>
-            <a:spLocks noGrp="1"/>
-          </p:cNvSpPr>
-          <p:nvPr>
-            <p:ph idx="1"/>
-          </p:nvPr>
+          <p:cNvPr id="4" name="타원 3">
+            <a:extLst>
+              <a:ext uri="{FF2B5EF4-FFF2-40B4-BE49-F238E27FC236}">
+                <a16:creationId xmlns:a16="http://schemas.microsoft.com/office/drawing/2014/main" id="{D61EA509-3CDD-462C-8EE8-089C05A77101}"/>
+              </a:ext>
+            </a:extLst>
+          </p:cNvPr>
+          <p:cNvSpPr/>
+          <p:nvPr/>
         </p:nvSpPr>
-        <p:spPr/>
+        <p:spPr>
+          <a:xfrm>
+            <a:off x="866955" y="1476375"/>
+            <a:ext cx="3371850" cy="3371850"/>
+          </a:xfrm>
+          <a:prstGeom prst="ellipse">
+            <a:avLst/>
+          </a:prstGeom>
+          <a:noFill/>
+          <a:ln>
+            <a:solidFill>
+              <a:schemeClr val="bg1">
+                <a:lumMod val="75000"/>
+              </a:schemeClr>
+            </a:solidFill>
+          </a:ln>
+        </p:spPr>
+        <p:style>
+          <a:lnRef idx="2">
+            <a:schemeClr val="accent1">
+              <a:shade val="50000"/>
+            </a:schemeClr>
+          </a:lnRef>
+          <a:fillRef idx="1">
+            <a:schemeClr val="accent1"/>
+          </a:fillRef>
+          <a:effectRef idx="0">
+            <a:schemeClr val="accent1"/>
+          </a:effectRef>
+          <a:fontRef idx="minor">
+            <a:schemeClr val="lt1"/>
+          </a:fontRef>
+        </p:style>
         <p:txBody>
-          <a:bodyPr/>
+          <a:bodyPr rtlCol="0" anchor="ctr"/>
           <a:lstStyle/>
           <a:p>
-            <a:r>
-              <a:rPr lang="en-US" altLang="ko-KR" dirty="0"/>
-              <a:t>Convergence</a:t>
-            </a:r>
-          </a:p>
-          <a:p>
-            <a:pPr marL="457200" lvl="1" indent="0">
-              <a:buNone/>
-            </a:pPr>
-            <a:r>
-              <a:rPr lang="en-US" altLang="ko-KR" dirty="0"/>
-              <a:t>- covariance </a:t>
-            </a:r>
-            <a:r>
-              <a:rPr lang="ko-KR" altLang="en-US" dirty="0"/>
-              <a:t>행렬이 단조적으로 수렴하므로</a:t>
-            </a:r>
-            <a:r>
-              <a:rPr lang="en-US" altLang="ko-KR" dirty="0"/>
-              <a:t>, </a:t>
-            </a:r>
-            <a:r>
-              <a:rPr lang="ko-KR" altLang="en-US" dirty="0"/>
-              <a:t>불확실성이 줄어든다</a:t>
-            </a:r>
-            <a:r>
-              <a:rPr lang="en-US" altLang="ko-KR" dirty="0"/>
-              <a:t>. </a:t>
-            </a:r>
-          </a:p>
-          <a:p>
-            <a:endParaRPr lang="en-US" altLang="ko-KR" dirty="0"/>
-          </a:p>
-          <a:p>
-            <a:r>
-              <a:rPr lang="en-US" altLang="ko-KR" dirty="0"/>
-              <a:t>Computational Effort</a:t>
-            </a:r>
-          </a:p>
-          <a:p>
-            <a:pPr marL="457200" lvl="1" indent="0">
-              <a:buNone/>
-            </a:pPr>
-            <a:r>
-              <a:rPr lang="en-US" altLang="ko-KR" dirty="0"/>
-              <a:t>- Observation </a:t>
-            </a:r>
-            <a:r>
-              <a:rPr lang="ko-KR" altLang="en-US" dirty="0"/>
-              <a:t>마다 공분산행렬을 업데이트해야 하므로</a:t>
-            </a:r>
-            <a:r>
-              <a:rPr lang="en-US" altLang="ko-KR" dirty="0"/>
-              <a:t>, Landmark</a:t>
-            </a:r>
-            <a:r>
-              <a:rPr lang="ko-KR" altLang="en-US" dirty="0"/>
-              <a:t>개수에 따라 </a:t>
-            </a:r>
-            <a:r>
-              <a:rPr lang="ko-KR" altLang="en-US" dirty="0" err="1"/>
-              <a:t>계산량은</a:t>
-            </a:r>
-            <a:r>
-              <a:rPr lang="ko-KR" altLang="en-US" dirty="0"/>
-              <a:t> 제곱에 비례한다</a:t>
-            </a:r>
-            <a:r>
-              <a:rPr lang="en-US" altLang="ko-KR" dirty="0"/>
-              <a:t>.  </a:t>
-            </a:r>
-          </a:p>
-          <a:p>
-            <a:endParaRPr lang="en-US" altLang="ko-KR" dirty="0"/>
-          </a:p>
-          <a:p>
-            <a:r>
-              <a:rPr lang="en-US" altLang="ko-KR" dirty="0"/>
-              <a:t>Data Association</a:t>
-            </a:r>
-          </a:p>
-          <a:p>
-            <a:pPr marL="457200" lvl="1" indent="0">
-              <a:buNone/>
-            </a:pPr>
-            <a:r>
-              <a:rPr lang="en-US" altLang="ko-KR" dirty="0"/>
-              <a:t>- Observation</a:t>
-            </a:r>
-            <a:r>
-              <a:rPr lang="ko-KR" altLang="en-US" dirty="0"/>
-              <a:t>이 </a:t>
-            </a:r>
-            <a:r>
-              <a:rPr lang="en-US" altLang="ko-KR" dirty="0"/>
-              <a:t>Landmark</a:t>
-            </a:r>
-            <a:r>
-              <a:rPr lang="ko-KR" altLang="en-US" dirty="0"/>
-              <a:t>에 잘못 연결되는 경우에 취약하다</a:t>
-            </a:r>
-            <a:r>
-              <a:rPr lang="en-US" altLang="ko-KR" dirty="0"/>
-              <a:t>. </a:t>
-            </a:r>
-            <a:r>
-              <a:rPr lang="en-US" altLang="ko-KR" dirty="0">
-                <a:sym typeface="Wingdings" panose="05000000000000000000" pitchFamily="2" charset="2"/>
-              </a:rPr>
-              <a:t> Loop-closure </a:t>
-            </a:r>
-            <a:r>
-              <a:rPr lang="ko-KR" altLang="en-US" dirty="0">
-                <a:sym typeface="Wingdings" panose="05000000000000000000" pitchFamily="2" charset="2"/>
-              </a:rPr>
-              <a:t>문제 발생</a:t>
-            </a:r>
-            <a:endParaRPr lang="en-US" altLang="ko-KR" dirty="0"/>
-          </a:p>
-          <a:p>
-            <a:endParaRPr lang="en-US" altLang="ko-KR" dirty="0"/>
-          </a:p>
-          <a:p>
-            <a:r>
-              <a:rPr lang="en-US" altLang="ko-KR" dirty="0"/>
-              <a:t>Non-linearity</a:t>
-            </a:r>
-          </a:p>
-          <a:p>
-            <a:pPr marL="457200" lvl="1" indent="0">
-              <a:buNone/>
-            </a:pPr>
-            <a:r>
-              <a:rPr lang="en-US" altLang="ko-KR" dirty="0"/>
-              <a:t>- </a:t>
-            </a:r>
-            <a:r>
-              <a:rPr lang="ko-KR" altLang="en-US" dirty="0"/>
-              <a:t>비선형 시스템을 선형 근사 </a:t>
-            </a:r>
-            <a:r>
-              <a:rPr lang="en-US" altLang="ko-KR" dirty="0"/>
-              <a:t>(Jacobian </a:t>
-            </a:r>
-            <a:r>
-              <a:rPr lang="en-US" altLang="ko-KR" dirty="0">
-                <a:sym typeface="Wingdings" panose="05000000000000000000" pitchFamily="2" charset="2"/>
-              </a:rPr>
-              <a:t> 1</a:t>
-            </a:r>
-            <a:r>
-              <a:rPr lang="en-US" altLang="ko-KR" baseline="30000" dirty="0">
-                <a:sym typeface="Wingdings" panose="05000000000000000000" pitchFamily="2" charset="2"/>
-              </a:rPr>
-              <a:t>st</a:t>
-            </a:r>
-            <a:r>
-              <a:rPr lang="en-US" altLang="ko-KR" dirty="0">
-                <a:sym typeface="Wingdings" panose="05000000000000000000" pitchFamily="2" charset="2"/>
-              </a:rPr>
-              <a:t> Taylor series) </a:t>
-            </a:r>
-            <a:r>
-              <a:rPr lang="ko-KR" altLang="en-US" dirty="0">
-                <a:sym typeface="Wingdings" panose="05000000000000000000" pitchFamily="2" charset="2"/>
-              </a:rPr>
-              <a:t>하기때문에 오류가 발생할 수 있다</a:t>
-            </a:r>
-            <a:r>
-              <a:rPr lang="en-US" altLang="ko-KR" dirty="0">
-                <a:sym typeface="Wingdings" panose="05000000000000000000" pitchFamily="2" charset="2"/>
-              </a:rPr>
-              <a:t>. </a:t>
-            </a:r>
-            <a:endParaRPr lang="en-US" altLang="ko-KR" dirty="0"/>
+            <a:pPr algn="ctr"/>
+            <a:endParaRPr lang="ko-KR" altLang="en-US"/>
           </a:p>
         </p:txBody>
       </p:sp>
+      <p:sp>
+        <p:nvSpPr>
+          <p:cNvPr id="6" name="타원 5">
+            <a:extLst>
+              <a:ext uri="{FF2B5EF4-FFF2-40B4-BE49-F238E27FC236}">
+                <a16:creationId xmlns:a16="http://schemas.microsoft.com/office/drawing/2014/main" id="{53A2E308-394F-4966-B916-CA1E141C6E59}"/>
+              </a:ext>
+            </a:extLst>
+          </p:cNvPr>
+          <p:cNvSpPr/>
+          <p:nvPr/>
+        </p:nvSpPr>
+        <p:spPr>
+          <a:xfrm>
+            <a:off x="4105455" y="3224213"/>
+            <a:ext cx="266699" cy="266699"/>
+          </a:xfrm>
+          <a:prstGeom prst="ellipse">
+            <a:avLst/>
+          </a:prstGeom>
+        </p:spPr>
+        <p:style>
+          <a:lnRef idx="2">
+            <a:schemeClr val="accent1">
+              <a:shade val="50000"/>
+            </a:schemeClr>
+          </a:lnRef>
+          <a:fillRef idx="1">
+            <a:schemeClr val="accent1"/>
+          </a:fillRef>
+          <a:effectRef idx="0">
+            <a:schemeClr val="accent1"/>
+          </a:effectRef>
+          <a:fontRef idx="minor">
+            <a:schemeClr val="lt1"/>
+          </a:fontRef>
+        </p:style>
+        <p:txBody>
+          <a:bodyPr rtlCol="0" anchor="ctr"/>
+          <a:lstStyle/>
+          <a:p>
+            <a:pPr algn="ctr"/>
+            <a:endParaRPr lang="ko-KR" altLang="en-US"/>
+          </a:p>
+        </p:txBody>
+      </p:sp>
+      <p:sp>
+        <p:nvSpPr>
+          <p:cNvPr id="8" name="타원 7">
+            <a:extLst>
+              <a:ext uri="{FF2B5EF4-FFF2-40B4-BE49-F238E27FC236}">
+                <a16:creationId xmlns:a16="http://schemas.microsoft.com/office/drawing/2014/main" id="{F9B418E7-60B6-4468-B4BF-BBC31C8EDD62}"/>
+              </a:ext>
+            </a:extLst>
+          </p:cNvPr>
+          <p:cNvSpPr/>
+          <p:nvPr/>
+        </p:nvSpPr>
+        <p:spPr>
+          <a:xfrm>
+            <a:off x="4048305" y="2676526"/>
+            <a:ext cx="266699" cy="266699"/>
+          </a:xfrm>
+          <a:prstGeom prst="ellipse">
+            <a:avLst/>
+          </a:prstGeom>
+        </p:spPr>
+        <p:style>
+          <a:lnRef idx="2">
+            <a:schemeClr val="accent1">
+              <a:shade val="50000"/>
+            </a:schemeClr>
+          </a:lnRef>
+          <a:fillRef idx="1">
+            <a:schemeClr val="accent1"/>
+          </a:fillRef>
+          <a:effectRef idx="0">
+            <a:schemeClr val="accent1"/>
+          </a:effectRef>
+          <a:fontRef idx="minor">
+            <a:schemeClr val="lt1"/>
+          </a:fontRef>
+        </p:style>
+        <p:txBody>
+          <a:bodyPr rtlCol="0" anchor="ctr"/>
+          <a:lstStyle/>
+          <a:p>
+            <a:pPr algn="ctr"/>
+            <a:endParaRPr lang="ko-KR" altLang="en-US"/>
+          </a:p>
+        </p:txBody>
+      </p:sp>
+      <p:sp>
+        <p:nvSpPr>
+          <p:cNvPr id="9" name="타원 8">
+            <a:extLst>
+              <a:ext uri="{FF2B5EF4-FFF2-40B4-BE49-F238E27FC236}">
+                <a16:creationId xmlns:a16="http://schemas.microsoft.com/office/drawing/2014/main" id="{BBC10A49-094B-4A88-9693-AFA09C2DBAA6}"/>
+              </a:ext>
+            </a:extLst>
+          </p:cNvPr>
+          <p:cNvSpPr/>
+          <p:nvPr/>
+        </p:nvSpPr>
+        <p:spPr>
+          <a:xfrm>
+            <a:off x="3838755" y="2181226"/>
+            <a:ext cx="266699" cy="266699"/>
+          </a:xfrm>
+          <a:prstGeom prst="ellipse">
+            <a:avLst/>
+          </a:prstGeom>
+        </p:spPr>
+        <p:style>
+          <a:lnRef idx="2">
+            <a:schemeClr val="accent1">
+              <a:shade val="50000"/>
+            </a:schemeClr>
+          </a:lnRef>
+          <a:fillRef idx="1">
+            <a:schemeClr val="accent1"/>
+          </a:fillRef>
+          <a:effectRef idx="0">
+            <a:schemeClr val="accent1"/>
+          </a:effectRef>
+          <a:fontRef idx="minor">
+            <a:schemeClr val="lt1"/>
+          </a:fontRef>
+        </p:style>
+        <p:txBody>
+          <a:bodyPr rtlCol="0" anchor="ctr"/>
+          <a:lstStyle/>
+          <a:p>
+            <a:pPr algn="ctr"/>
+            <a:endParaRPr lang="ko-KR" altLang="en-US"/>
+          </a:p>
+        </p:txBody>
+      </p:sp>
+      <p:sp>
+        <p:nvSpPr>
+          <p:cNvPr id="10" name="타원 9">
+            <a:extLst>
+              <a:ext uri="{FF2B5EF4-FFF2-40B4-BE49-F238E27FC236}">
+                <a16:creationId xmlns:a16="http://schemas.microsoft.com/office/drawing/2014/main" id="{3BE1E8CB-99AC-4198-AAE1-2A40248F47D5}"/>
+              </a:ext>
+            </a:extLst>
+          </p:cNvPr>
+          <p:cNvSpPr/>
+          <p:nvPr/>
+        </p:nvSpPr>
+        <p:spPr>
+          <a:xfrm>
+            <a:off x="3533955" y="1733551"/>
+            <a:ext cx="266699" cy="266699"/>
+          </a:xfrm>
+          <a:prstGeom prst="ellipse">
+            <a:avLst/>
+          </a:prstGeom>
+        </p:spPr>
+        <p:style>
+          <a:lnRef idx="2">
+            <a:schemeClr val="accent1">
+              <a:shade val="50000"/>
+            </a:schemeClr>
+          </a:lnRef>
+          <a:fillRef idx="1">
+            <a:schemeClr val="accent1"/>
+          </a:fillRef>
+          <a:effectRef idx="0">
+            <a:schemeClr val="accent1"/>
+          </a:effectRef>
+          <a:fontRef idx="minor">
+            <a:schemeClr val="lt1"/>
+          </a:fontRef>
+        </p:style>
+        <p:txBody>
+          <a:bodyPr rtlCol="0" anchor="ctr"/>
+          <a:lstStyle/>
+          <a:p>
+            <a:pPr algn="ctr"/>
+            <a:endParaRPr lang="ko-KR" altLang="en-US"/>
+          </a:p>
+        </p:txBody>
+      </p:sp>
+      <p:sp>
+        <p:nvSpPr>
+          <p:cNvPr id="11" name="타원 10">
+            <a:extLst>
+              <a:ext uri="{FF2B5EF4-FFF2-40B4-BE49-F238E27FC236}">
+                <a16:creationId xmlns:a16="http://schemas.microsoft.com/office/drawing/2014/main" id="{CCA334AF-5646-40CD-B209-60892E9B2392}"/>
+              </a:ext>
+            </a:extLst>
+          </p:cNvPr>
+          <p:cNvSpPr/>
+          <p:nvPr/>
+        </p:nvSpPr>
+        <p:spPr>
+          <a:xfrm>
+            <a:off x="3010080" y="1457326"/>
+            <a:ext cx="266699" cy="266699"/>
+          </a:xfrm>
+          <a:prstGeom prst="ellipse">
+            <a:avLst/>
+          </a:prstGeom>
+        </p:spPr>
+        <p:style>
+          <a:lnRef idx="2">
+            <a:schemeClr val="accent1">
+              <a:shade val="50000"/>
+            </a:schemeClr>
+          </a:lnRef>
+          <a:fillRef idx="1">
+            <a:schemeClr val="accent1"/>
+          </a:fillRef>
+          <a:effectRef idx="0">
+            <a:schemeClr val="accent1"/>
+          </a:effectRef>
+          <a:fontRef idx="minor">
+            <a:schemeClr val="lt1"/>
+          </a:fontRef>
+        </p:style>
+        <p:txBody>
+          <a:bodyPr rtlCol="0" anchor="ctr"/>
+          <a:lstStyle/>
+          <a:p>
+            <a:pPr algn="ctr"/>
+            <a:endParaRPr lang="ko-KR" altLang="en-US"/>
+          </a:p>
+        </p:txBody>
+      </p:sp>
+      <p:sp>
+        <p:nvSpPr>
+          <p:cNvPr id="12" name="타원 11">
+            <a:extLst>
+              <a:ext uri="{FF2B5EF4-FFF2-40B4-BE49-F238E27FC236}">
+                <a16:creationId xmlns:a16="http://schemas.microsoft.com/office/drawing/2014/main" id="{E5EF7706-1A7B-4615-B195-DAC08310174B}"/>
+              </a:ext>
+            </a:extLst>
+          </p:cNvPr>
+          <p:cNvSpPr/>
+          <p:nvPr/>
+        </p:nvSpPr>
+        <p:spPr>
+          <a:xfrm>
+            <a:off x="3895905" y="3886201"/>
+            <a:ext cx="266699" cy="266699"/>
+          </a:xfrm>
+          <a:prstGeom prst="ellipse">
+            <a:avLst/>
+          </a:prstGeom>
+        </p:spPr>
+        <p:style>
+          <a:lnRef idx="2">
+            <a:schemeClr val="accent1">
+              <a:shade val="50000"/>
+            </a:schemeClr>
+          </a:lnRef>
+          <a:fillRef idx="1">
+            <a:schemeClr val="accent1"/>
+          </a:fillRef>
+          <a:effectRef idx="0">
+            <a:schemeClr val="accent1"/>
+          </a:effectRef>
+          <a:fontRef idx="minor">
+            <a:schemeClr val="lt1"/>
+          </a:fontRef>
+        </p:style>
+        <p:txBody>
+          <a:bodyPr rtlCol="0" anchor="ctr"/>
+          <a:lstStyle/>
+          <a:p>
+            <a:pPr algn="ctr"/>
+            <a:endParaRPr lang="ko-KR" altLang="en-US"/>
+          </a:p>
+        </p:txBody>
+      </p:sp>
+      <p:sp>
+        <p:nvSpPr>
+          <p:cNvPr id="13" name="타원 12">
+            <a:extLst>
+              <a:ext uri="{FF2B5EF4-FFF2-40B4-BE49-F238E27FC236}">
+                <a16:creationId xmlns:a16="http://schemas.microsoft.com/office/drawing/2014/main" id="{E60126D8-9A9E-4C6E-996D-57C49DB6B995}"/>
+              </a:ext>
+            </a:extLst>
+          </p:cNvPr>
+          <p:cNvSpPr/>
+          <p:nvPr/>
+        </p:nvSpPr>
+        <p:spPr>
+          <a:xfrm>
+            <a:off x="3438705" y="4371976"/>
+            <a:ext cx="266699" cy="266699"/>
+          </a:xfrm>
+          <a:prstGeom prst="ellipse">
+            <a:avLst/>
+          </a:prstGeom>
+        </p:spPr>
+        <p:style>
+          <a:lnRef idx="2">
+            <a:schemeClr val="accent1">
+              <a:shade val="50000"/>
+            </a:schemeClr>
+          </a:lnRef>
+          <a:fillRef idx="1">
+            <a:schemeClr val="accent1"/>
+          </a:fillRef>
+          <a:effectRef idx="0">
+            <a:schemeClr val="accent1"/>
+          </a:effectRef>
+          <a:fontRef idx="minor">
+            <a:schemeClr val="lt1"/>
+          </a:fontRef>
+        </p:style>
+        <p:txBody>
+          <a:bodyPr rtlCol="0" anchor="ctr"/>
+          <a:lstStyle/>
+          <a:p>
+            <a:pPr algn="ctr"/>
+            <a:endParaRPr lang="ko-KR" altLang="en-US"/>
+          </a:p>
+        </p:txBody>
+      </p:sp>
+      <p:sp>
+        <p:nvSpPr>
+          <p:cNvPr id="15" name="원호 14">
+            <a:extLst>
+              <a:ext uri="{FF2B5EF4-FFF2-40B4-BE49-F238E27FC236}">
+                <a16:creationId xmlns:a16="http://schemas.microsoft.com/office/drawing/2014/main" id="{720B3424-D0BA-40B8-9C05-7748AB1DA267}"/>
+              </a:ext>
+            </a:extLst>
+          </p:cNvPr>
+          <p:cNvSpPr/>
+          <p:nvPr/>
+        </p:nvSpPr>
+        <p:spPr>
+          <a:xfrm>
+            <a:off x="-194993" y="445218"/>
+            <a:ext cx="5495746" cy="5495746"/>
+          </a:xfrm>
+          <a:prstGeom prst="arc">
+            <a:avLst>
+              <a:gd name="adj1" fmla="val 17989074"/>
+              <a:gd name="adj2" fmla="val 6919769"/>
+            </a:avLst>
+          </a:prstGeom>
+          <a:noFill/>
+          <a:ln>
+            <a:solidFill>
+              <a:schemeClr val="bg1">
+                <a:lumMod val="75000"/>
+              </a:schemeClr>
+            </a:solidFill>
+            <a:headEnd type="triangle" w="lg" len="lg"/>
+            <a:tailEnd type="none" w="lg" len="lg"/>
+          </a:ln>
+        </p:spPr>
+        <p:style>
+          <a:lnRef idx="2">
+            <a:schemeClr val="accent1">
+              <a:shade val="50000"/>
+            </a:schemeClr>
+          </a:lnRef>
+          <a:fillRef idx="1">
+            <a:schemeClr val="accent1"/>
+          </a:fillRef>
+          <a:effectRef idx="0">
+            <a:schemeClr val="accent1"/>
+          </a:effectRef>
+          <a:fontRef idx="minor">
+            <a:schemeClr val="lt1"/>
+          </a:fontRef>
+        </p:style>
+        <p:txBody>
+          <a:bodyPr rot="0" spcFirstLastPara="0" vertOverflow="overflow" horzOverflow="overflow" vert="horz" wrap="square" lIns="91440" tIns="45720" rIns="91440" bIns="45720" numCol="1" spcCol="0" rtlCol="0" fromWordArt="0" anchor="ctr" anchorCtr="0" forceAA="0" compatLnSpc="1">
+            <a:prstTxWarp prst="textNoShape">
+              <a:avLst/>
+            </a:prstTxWarp>
+            <a:noAutofit/>
+          </a:bodyPr>
+          <a:lstStyle/>
+          <a:p>
+            <a:pPr algn="ctr"/>
+            <a:endParaRPr lang="ko-KR" altLang="en-US">
+              <a:solidFill>
+                <a:schemeClr val="lt1"/>
+              </a:solidFill>
+            </a:endParaRPr>
+          </a:p>
+        </p:txBody>
+      </p:sp>
+      <p:sp>
+        <p:nvSpPr>
+          <p:cNvPr id="14" name="타원 13">
+            <a:extLst>
+              <a:ext uri="{FF2B5EF4-FFF2-40B4-BE49-F238E27FC236}">
+                <a16:creationId xmlns:a16="http://schemas.microsoft.com/office/drawing/2014/main" id="{447D616C-D6DE-4D65-8B94-6621A10E1ED8}"/>
+              </a:ext>
+            </a:extLst>
+          </p:cNvPr>
+          <p:cNvSpPr/>
+          <p:nvPr/>
+        </p:nvSpPr>
+        <p:spPr>
+          <a:xfrm>
+            <a:off x="5167403" y="3224213"/>
+            <a:ext cx="266699" cy="266699"/>
+          </a:xfrm>
+          <a:prstGeom prst="ellipse">
+            <a:avLst/>
+          </a:prstGeom>
+          <a:solidFill>
+            <a:srgbClr val="FF0000"/>
+          </a:solidFill>
+        </p:spPr>
+        <p:style>
+          <a:lnRef idx="2">
+            <a:schemeClr val="accent1">
+              <a:shade val="50000"/>
+            </a:schemeClr>
+          </a:lnRef>
+          <a:fillRef idx="1">
+            <a:schemeClr val="accent1"/>
+          </a:fillRef>
+          <a:effectRef idx="0">
+            <a:schemeClr val="accent1"/>
+          </a:effectRef>
+          <a:fontRef idx="minor">
+            <a:schemeClr val="lt1"/>
+          </a:fontRef>
+        </p:style>
+        <p:txBody>
+          <a:bodyPr rtlCol="0" anchor="ctr"/>
+          <a:lstStyle/>
+          <a:p>
+            <a:pPr algn="ctr"/>
+            <a:endParaRPr lang="ko-KR" altLang="en-US"/>
+          </a:p>
+        </p:txBody>
+      </p:sp>
+      <p:sp>
+        <p:nvSpPr>
+          <p:cNvPr id="18" name="타원 17">
+            <a:extLst>
+              <a:ext uri="{FF2B5EF4-FFF2-40B4-BE49-F238E27FC236}">
+                <a16:creationId xmlns:a16="http://schemas.microsoft.com/office/drawing/2014/main" id="{5C3FA3F7-13F9-456E-84B4-E90A30A9678D}"/>
+              </a:ext>
+            </a:extLst>
+          </p:cNvPr>
+          <p:cNvSpPr/>
+          <p:nvPr/>
+        </p:nvSpPr>
+        <p:spPr>
+          <a:xfrm>
+            <a:off x="5115106" y="2543176"/>
+            <a:ext cx="266699" cy="266699"/>
+          </a:xfrm>
+          <a:prstGeom prst="ellipse">
+            <a:avLst/>
+          </a:prstGeom>
+          <a:solidFill>
+            <a:srgbClr val="FF0000"/>
+          </a:solidFill>
+        </p:spPr>
+        <p:style>
+          <a:lnRef idx="2">
+            <a:schemeClr val="accent1">
+              <a:shade val="50000"/>
+            </a:schemeClr>
+          </a:lnRef>
+          <a:fillRef idx="1">
+            <a:schemeClr val="accent1"/>
+          </a:fillRef>
+          <a:effectRef idx="0">
+            <a:schemeClr val="accent1"/>
+          </a:effectRef>
+          <a:fontRef idx="minor">
+            <a:schemeClr val="lt1"/>
+          </a:fontRef>
+        </p:style>
+        <p:txBody>
+          <a:bodyPr rtlCol="0" anchor="ctr"/>
+          <a:lstStyle/>
+          <a:p>
+            <a:pPr algn="ctr"/>
+            <a:endParaRPr lang="ko-KR" altLang="en-US"/>
+          </a:p>
+        </p:txBody>
+      </p:sp>
+      <p:sp>
+        <p:nvSpPr>
+          <p:cNvPr id="19" name="타원 18">
+            <a:extLst>
+              <a:ext uri="{FF2B5EF4-FFF2-40B4-BE49-F238E27FC236}">
+                <a16:creationId xmlns:a16="http://schemas.microsoft.com/office/drawing/2014/main" id="{B55BAEFF-3678-4A20-BF1F-50688A009FF3}"/>
+              </a:ext>
+            </a:extLst>
+          </p:cNvPr>
+          <p:cNvSpPr/>
+          <p:nvPr/>
+        </p:nvSpPr>
+        <p:spPr>
+          <a:xfrm>
+            <a:off x="4938804" y="1979882"/>
+            <a:ext cx="266699" cy="266699"/>
+          </a:xfrm>
+          <a:prstGeom prst="ellipse">
+            <a:avLst/>
+          </a:prstGeom>
+          <a:solidFill>
+            <a:srgbClr val="FF0000"/>
+          </a:solidFill>
+        </p:spPr>
+        <p:style>
+          <a:lnRef idx="2">
+            <a:schemeClr val="accent1">
+              <a:shade val="50000"/>
+            </a:schemeClr>
+          </a:lnRef>
+          <a:fillRef idx="1">
+            <a:schemeClr val="accent1"/>
+          </a:fillRef>
+          <a:effectRef idx="0">
+            <a:schemeClr val="accent1"/>
+          </a:effectRef>
+          <a:fontRef idx="minor">
+            <a:schemeClr val="lt1"/>
+          </a:fontRef>
+        </p:style>
+        <p:txBody>
+          <a:bodyPr rtlCol="0" anchor="ctr"/>
+          <a:lstStyle/>
+          <a:p>
+            <a:pPr algn="ctr"/>
+            <a:endParaRPr lang="ko-KR" altLang="en-US"/>
+          </a:p>
+        </p:txBody>
+      </p:sp>
+      <p:sp>
+        <p:nvSpPr>
+          <p:cNvPr id="20" name="타원 19">
+            <a:extLst>
+              <a:ext uri="{FF2B5EF4-FFF2-40B4-BE49-F238E27FC236}">
+                <a16:creationId xmlns:a16="http://schemas.microsoft.com/office/drawing/2014/main" id="{9C25A22B-316D-4E44-A98A-4157DB31097E}"/>
+              </a:ext>
+            </a:extLst>
+          </p:cNvPr>
+          <p:cNvSpPr/>
+          <p:nvPr/>
+        </p:nvSpPr>
+        <p:spPr>
+          <a:xfrm>
+            <a:off x="4688910" y="1416588"/>
+            <a:ext cx="266699" cy="266699"/>
+          </a:xfrm>
+          <a:prstGeom prst="ellipse">
+            <a:avLst/>
+          </a:prstGeom>
+          <a:solidFill>
+            <a:srgbClr val="FF0000"/>
+          </a:solidFill>
+        </p:spPr>
+        <p:style>
+          <a:lnRef idx="2">
+            <a:schemeClr val="accent1">
+              <a:shade val="50000"/>
+            </a:schemeClr>
+          </a:lnRef>
+          <a:fillRef idx="1">
+            <a:schemeClr val="accent1"/>
+          </a:fillRef>
+          <a:effectRef idx="0">
+            <a:schemeClr val="accent1"/>
+          </a:effectRef>
+          <a:fontRef idx="minor">
+            <a:schemeClr val="lt1"/>
+          </a:fontRef>
+        </p:style>
+        <p:txBody>
+          <a:bodyPr rtlCol="0" anchor="ctr"/>
+          <a:lstStyle/>
+          <a:p>
+            <a:pPr algn="ctr"/>
+            <a:endParaRPr lang="ko-KR" altLang="en-US"/>
+          </a:p>
+        </p:txBody>
+      </p:sp>
+      <p:sp>
+        <p:nvSpPr>
+          <p:cNvPr id="21" name="타원 20">
+            <a:extLst>
+              <a:ext uri="{FF2B5EF4-FFF2-40B4-BE49-F238E27FC236}">
+                <a16:creationId xmlns:a16="http://schemas.microsoft.com/office/drawing/2014/main" id="{4D7078F7-3569-478F-BBEE-6B22CB628490}"/>
+              </a:ext>
+            </a:extLst>
+          </p:cNvPr>
+          <p:cNvSpPr/>
+          <p:nvPr/>
+        </p:nvSpPr>
+        <p:spPr>
+          <a:xfrm>
+            <a:off x="4162604" y="912020"/>
+            <a:ext cx="266699" cy="266699"/>
+          </a:xfrm>
+          <a:prstGeom prst="ellipse">
+            <a:avLst/>
+          </a:prstGeom>
+          <a:solidFill>
+            <a:srgbClr val="FF0000"/>
+          </a:solidFill>
+        </p:spPr>
+        <p:style>
+          <a:lnRef idx="2">
+            <a:schemeClr val="accent1">
+              <a:shade val="50000"/>
+            </a:schemeClr>
+          </a:lnRef>
+          <a:fillRef idx="1">
+            <a:schemeClr val="accent1"/>
+          </a:fillRef>
+          <a:effectRef idx="0">
+            <a:schemeClr val="accent1"/>
+          </a:effectRef>
+          <a:fontRef idx="minor">
+            <a:schemeClr val="lt1"/>
+          </a:fontRef>
+        </p:style>
+        <p:txBody>
+          <a:bodyPr rtlCol="0" anchor="ctr"/>
+          <a:lstStyle/>
+          <a:p>
+            <a:pPr algn="ctr"/>
+            <a:endParaRPr lang="ko-KR" altLang="en-US"/>
+          </a:p>
+        </p:txBody>
+      </p:sp>
+      <p:sp>
+        <p:nvSpPr>
+          <p:cNvPr id="22" name="타원 21">
+            <a:extLst>
+              <a:ext uri="{FF2B5EF4-FFF2-40B4-BE49-F238E27FC236}">
+                <a16:creationId xmlns:a16="http://schemas.microsoft.com/office/drawing/2014/main" id="{5D8DD9B6-49AE-4197-BB3D-F3FA1F9A4244}"/>
+              </a:ext>
+            </a:extLst>
+          </p:cNvPr>
+          <p:cNvSpPr/>
+          <p:nvPr/>
+        </p:nvSpPr>
+        <p:spPr>
+          <a:xfrm>
+            <a:off x="4938803" y="4214557"/>
+            <a:ext cx="266699" cy="266699"/>
+          </a:xfrm>
+          <a:prstGeom prst="ellipse">
+            <a:avLst/>
+          </a:prstGeom>
+          <a:solidFill>
+            <a:srgbClr val="FF0000"/>
+          </a:solidFill>
+        </p:spPr>
+        <p:style>
+          <a:lnRef idx="2">
+            <a:schemeClr val="accent1">
+              <a:shade val="50000"/>
+            </a:schemeClr>
+          </a:lnRef>
+          <a:fillRef idx="1">
+            <a:schemeClr val="accent1"/>
+          </a:fillRef>
+          <a:effectRef idx="0">
+            <a:schemeClr val="accent1"/>
+          </a:effectRef>
+          <a:fontRef idx="minor">
+            <a:schemeClr val="lt1"/>
+          </a:fontRef>
+        </p:style>
+        <p:txBody>
+          <a:bodyPr rtlCol="0" anchor="ctr"/>
+          <a:lstStyle/>
+          <a:p>
+            <a:pPr algn="ctr"/>
+            <a:endParaRPr lang="ko-KR" altLang="en-US"/>
+          </a:p>
+        </p:txBody>
+      </p:sp>
+      <p:sp>
+        <p:nvSpPr>
+          <p:cNvPr id="23" name="타원 22">
+            <a:extLst>
+              <a:ext uri="{FF2B5EF4-FFF2-40B4-BE49-F238E27FC236}">
+                <a16:creationId xmlns:a16="http://schemas.microsoft.com/office/drawing/2014/main" id="{D68268B7-36EB-4120-8039-33FC5B0BEA8E}"/>
+              </a:ext>
+            </a:extLst>
+          </p:cNvPr>
+          <p:cNvSpPr/>
+          <p:nvPr/>
+        </p:nvSpPr>
+        <p:spPr>
+          <a:xfrm>
+            <a:off x="4372154" y="4957507"/>
+            <a:ext cx="266699" cy="266699"/>
+          </a:xfrm>
+          <a:prstGeom prst="ellipse">
+            <a:avLst/>
+          </a:prstGeom>
+          <a:solidFill>
+            <a:srgbClr val="FF0000"/>
+          </a:solidFill>
+        </p:spPr>
+        <p:style>
+          <a:lnRef idx="2">
+            <a:schemeClr val="accent1">
+              <a:shade val="50000"/>
+            </a:schemeClr>
+          </a:lnRef>
+          <a:fillRef idx="1">
+            <a:schemeClr val="accent1"/>
+          </a:fillRef>
+          <a:effectRef idx="0">
+            <a:schemeClr val="accent1"/>
+          </a:effectRef>
+          <a:fontRef idx="minor">
+            <a:schemeClr val="lt1"/>
+          </a:fontRef>
+        </p:style>
+        <p:txBody>
+          <a:bodyPr rtlCol="0" anchor="ctr"/>
+          <a:lstStyle/>
+          <a:p>
+            <a:pPr algn="ctr"/>
+            <a:endParaRPr lang="ko-KR" altLang="en-US"/>
+          </a:p>
+        </p:txBody>
+      </p:sp>
+      <p:cxnSp>
+        <p:nvCxnSpPr>
+          <p:cNvPr id="32" name="직선 화살표 연결선 31">
+            <a:extLst>
+              <a:ext uri="{FF2B5EF4-FFF2-40B4-BE49-F238E27FC236}">
+                <a16:creationId xmlns:a16="http://schemas.microsoft.com/office/drawing/2014/main" id="{D91E783E-DE35-4B7C-ACEE-C07A2C5CB49C}"/>
+              </a:ext>
+            </a:extLst>
+          </p:cNvPr>
+          <p:cNvCxnSpPr>
+            <a:cxnSpLocks/>
+            <a:stCxn id="14" idx="2"/>
+            <a:endCxn id="6" idx="6"/>
+          </p:cNvCxnSpPr>
+          <p:nvPr/>
+        </p:nvCxnSpPr>
+        <p:spPr>
+          <a:xfrm flipH="1">
+            <a:off x="4372154" y="3357563"/>
+            <a:ext cx="795249" cy="0"/>
+          </a:xfrm>
+          <a:prstGeom prst="straightConnector1">
+            <a:avLst/>
+          </a:prstGeom>
+          <a:ln>
+            <a:solidFill>
+              <a:schemeClr val="tx1">
+                <a:lumMod val="50000"/>
+                <a:lumOff val="50000"/>
+              </a:schemeClr>
+            </a:solidFill>
+            <a:prstDash val="dash"/>
+            <a:tailEnd type="triangle"/>
+          </a:ln>
+        </p:spPr>
+        <p:style>
+          <a:lnRef idx="2">
+            <a:schemeClr val="accent1"/>
+          </a:lnRef>
+          <a:fillRef idx="0">
+            <a:schemeClr val="accent1"/>
+          </a:fillRef>
+          <a:effectRef idx="1">
+            <a:schemeClr val="accent1"/>
+          </a:effectRef>
+          <a:fontRef idx="minor">
+            <a:schemeClr val="tx1"/>
+          </a:fontRef>
+        </p:style>
+      </p:cxnSp>
+      <mc:AlternateContent xmlns:mc="http://schemas.openxmlformats.org/markup-compatibility/2006">
+        <mc:Choice xmlns:a14="http://schemas.microsoft.com/office/drawing/2010/main" Requires="a14">
+          <p:sp>
+            <p:nvSpPr>
+              <p:cNvPr id="35" name="직사각형 34">
+                <a:extLst>
+                  <a:ext uri="{FF2B5EF4-FFF2-40B4-BE49-F238E27FC236}">
+                    <a16:creationId xmlns:a16="http://schemas.microsoft.com/office/drawing/2014/main" id="{649A4D69-4900-4FAC-B800-FD2EB47205C8}"/>
+                  </a:ext>
+                </a:extLst>
+              </p:cNvPr>
+              <p:cNvSpPr/>
+              <p:nvPr/>
+            </p:nvSpPr>
+            <p:spPr>
+              <a:xfrm>
+                <a:off x="5430845" y="3160457"/>
+                <a:ext cx="489621" cy="369332"/>
+              </a:xfrm>
+              <a:prstGeom prst="rect">
+                <a:avLst/>
+              </a:prstGeom>
+            </p:spPr>
+            <p:txBody>
+              <a:bodyPr wrap="none">
+                <a:spAutoFit/>
+              </a:bodyPr>
+              <a:lstStyle/>
+              <a:p>
+                <a14:m>
+                  <m:oMathPara xmlns:m="http://schemas.openxmlformats.org/officeDocument/2006/math">
+                    <m:oMathParaPr>
+                      <m:jc m:val="centerGroup"/>
+                    </m:oMathParaPr>
+                    <m:oMath xmlns:m="http://schemas.openxmlformats.org/officeDocument/2006/math">
+                      <m:sSub>
+                        <m:sSubPr>
+                          <m:ctrlPr>
+                            <a:rPr lang="en-US" altLang="ko-KR" i="1" smtClean="0">
+                              <a:latin typeface="Cambria Math" panose="02040503050406030204" pitchFamily="18" charset="0"/>
+                            </a:rPr>
+                          </m:ctrlPr>
+                        </m:sSubPr>
+                        <m:e>
+                          <m:r>
+                            <a:rPr lang="en-US" altLang="ko-KR" b="0" i="1" smtClean="0">
+                              <a:latin typeface="Cambria Math" panose="02040503050406030204" pitchFamily="18" charset="0"/>
+                            </a:rPr>
+                            <m:t>𝑥</m:t>
+                          </m:r>
+                        </m:e>
+                        <m:sub>
+                          <m:r>
+                            <a:rPr lang="en-US" altLang="ko-KR" b="0" i="1" smtClean="0">
+                              <a:latin typeface="Cambria Math" panose="02040503050406030204" pitchFamily="18" charset="0"/>
+                            </a:rPr>
+                            <m:t>1</m:t>
+                          </m:r>
+                        </m:sub>
+                      </m:sSub>
+                    </m:oMath>
+                  </m:oMathPara>
+                </a14:m>
+                <a:endParaRPr lang="ko-KR" altLang="en-US" dirty="0"/>
+              </a:p>
+            </p:txBody>
+          </p:sp>
+        </mc:Choice>
+        <mc:Fallback>
+          <p:sp>
+            <p:nvSpPr>
+              <p:cNvPr id="35" name="직사각형 34">
+                <a:extLst>
+                  <a:ext uri="{FF2B5EF4-FFF2-40B4-BE49-F238E27FC236}">
+                    <a16:creationId xmlns:a16="http://schemas.microsoft.com/office/drawing/2014/main" id="{649A4D69-4900-4FAC-B800-FD2EB47205C8}"/>
+                  </a:ext>
+                </a:extLst>
+              </p:cNvPr>
+              <p:cNvSpPr>
+                <a:spLocks noRot="1" noChangeAspect="1" noMove="1" noResize="1" noEditPoints="1" noAdjustHandles="1" noChangeArrowheads="1" noChangeShapeType="1" noTextEdit="1"/>
+              </p:cNvSpPr>
+              <p:nvPr/>
+            </p:nvSpPr>
+            <p:spPr>
+              <a:xfrm>
+                <a:off x="5430845" y="3160457"/>
+                <a:ext cx="489621" cy="369332"/>
+              </a:xfrm>
+              <a:prstGeom prst="rect">
+                <a:avLst/>
+              </a:prstGeom>
+              <a:blipFill>
+                <a:blip r:embed="rId2"/>
+                <a:stretch>
+                  <a:fillRect b="-1639"/>
+                </a:stretch>
+              </a:blipFill>
+            </p:spPr>
+            <p:txBody>
+              <a:bodyPr/>
+              <a:lstStyle/>
+              <a:p>
+                <a:r>
+                  <a:rPr lang="ko-KR" altLang="en-US">
+                    <a:noFill/>
+                  </a:rPr>
+                  <a:t> </a:t>
+                </a:r>
+              </a:p>
+            </p:txBody>
+          </p:sp>
+        </mc:Fallback>
+      </mc:AlternateContent>
+      <mc:AlternateContent xmlns:mc="http://schemas.openxmlformats.org/markup-compatibility/2006">
+        <mc:Choice xmlns:a14="http://schemas.microsoft.com/office/drawing/2010/main" Requires="a14">
+          <p:sp>
+            <p:nvSpPr>
+              <p:cNvPr id="36" name="직사각형 35">
+                <a:extLst>
+                  <a:ext uri="{FF2B5EF4-FFF2-40B4-BE49-F238E27FC236}">
+                    <a16:creationId xmlns:a16="http://schemas.microsoft.com/office/drawing/2014/main" id="{EE51E1E5-0C6E-414B-A103-7130E121B149}"/>
+                  </a:ext>
+                </a:extLst>
+              </p:cNvPr>
+              <p:cNvSpPr/>
+              <p:nvPr/>
+            </p:nvSpPr>
+            <p:spPr>
+              <a:xfrm>
+                <a:off x="3562709" y="3104523"/>
+                <a:ext cx="562398" cy="369332"/>
+              </a:xfrm>
+              <a:prstGeom prst="rect">
+                <a:avLst/>
+              </a:prstGeom>
+            </p:spPr>
+            <p:txBody>
+              <a:bodyPr wrap="none">
+                <a:spAutoFit/>
+              </a:bodyPr>
+              <a:lstStyle/>
+              <a:p>
+                <a14:m>
+                  <m:oMathPara xmlns:m="http://schemas.openxmlformats.org/officeDocument/2006/math">
+                    <m:oMathParaPr>
+                      <m:jc m:val="centerGroup"/>
+                    </m:oMathParaPr>
+                    <m:oMath xmlns:m="http://schemas.openxmlformats.org/officeDocument/2006/math">
+                      <m:sSub>
+                        <m:sSubPr>
+                          <m:ctrlPr>
+                            <a:rPr lang="en-US" altLang="ko-KR" i="1" smtClean="0">
+                              <a:latin typeface="Cambria Math" panose="02040503050406030204" pitchFamily="18" charset="0"/>
+                            </a:rPr>
+                          </m:ctrlPr>
+                        </m:sSubPr>
+                        <m:e>
+                          <m:r>
+                            <a:rPr lang="en-US" altLang="ko-KR" b="0" i="1" smtClean="0">
+                              <a:latin typeface="Cambria Math" panose="02040503050406030204" pitchFamily="18" charset="0"/>
+                            </a:rPr>
+                            <m:t>𝑚</m:t>
+                          </m:r>
+                        </m:e>
+                        <m:sub>
+                          <m:r>
+                            <a:rPr lang="en-US" altLang="ko-KR" b="0" i="1" smtClean="0">
+                              <a:latin typeface="Cambria Math" panose="02040503050406030204" pitchFamily="18" charset="0"/>
+                            </a:rPr>
+                            <m:t>1</m:t>
+                          </m:r>
+                        </m:sub>
+                      </m:sSub>
+                    </m:oMath>
+                  </m:oMathPara>
+                </a14:m>
+                <a:endParaRPr lang="ko-KR" altLang="en-US" dirty="0"/>
+              </a:p>
+            </p:txBody>
+          </p:sp>
+        </mc:Choice>
+        <mc:Fallback>
+          <p:sp>
+            <p:nvSpPr>
+              <p:cNvPr id="36" name="직사각형 35">
+                <a:extLst>
+                  <a:ext uri="{FF2B5EF4-FFF2-40B4-BE49-F238E27FC236}">
+                    <a16:creationId xmlns:a16="http://schemas.microsoft.com/office/drawing/2014/main" id="{EE51E1E5-0C6E-414B-A103-7130E121B149}"/>
+                  </a:ext>
+                </a:extLst>
+              </p:cNvPr>
+              <p:cNvSpPr>
+                <a:spLocks noRot="1" noChangeAspect="1" noMove="1" noResize="1" noEditPoints="1" noAdjustHandles="1" noChangeArrowheads="1" noChangeShapeType="1" noTextEdit="1"/>
+              </p:cNvSpPr>
+              <p:nvPr/>
+            </p:nvSpPr>
+            <p:spPr>
+              <a:xfrm>
+                <a:off x="3562709" y="3104523"/>
+                <a:ext cx="562398" cy="369332"/>
+              </a:xfrm>
+              <a:prstGeom prst="rect">
+                <a:avLst/>
+              </a:prstGeom>
+              <a:blipFill>
+                <a:blip r:embed="rId3"/>
+                <a:stretch>
+                  <a:fillRect b="-1639"/>
+                </a:stretch>
+              </a:blipFill>
+            </p:spPr>
+            <p:txBody>
+              <a:bodyPr/>
+              <a:lstStyle/>
+              <a:p>
+                <a:r>
+                  <a:rPr lang="ko-KR" altLang="en-US">
+                    <a:noFill/>
+                  </a:rPr>
+                  <a:t> </a:t>
+                </a:r>
+              </a:p>
+            </p:txBody>
+          </p:sp>
+        </mc:Fallback>
+      </mc:AlternateContent>
+      <mc:AlternateContent xmlns:mc="http://schemas.openxmlformats.org/markup-compatibility/2006">
+        <mc:Choice xmlns:a14="http://schemas.microsoft.com/office/drawing/2010/main" Requires="a14">
+          <p:sp>
+            <p:nvSpPr>
+              <p:cNvPr id="37" name="직사각형 36">
+                <a:extLst>
+                  <a:ext uri="{FF2B5EF4-FFF2-40B4-BE49-F238E27FC236}">
+                    <a16:creationId xmlns:a16="http://schemas.microsoft.com/office/drawing/2014/main" id="{1AE0DC67-032E-4E65-A339-5BACCC763CAC}"/>
+                  </a:ext>
+                </a:extLst>
+              </p:cNvPr>
+              <p:cNvSpPr/>
+              <p:nvPr/>
+            </p:nvSpPr>
+            <p:spPr>
+              <a:xfrm>
+                <a:off x="4610458" y="2985731"/>
+                <a:ext cx="475002" cy="369332"/>
+              </a:xfrm>
+              <a:prstGeom prst="rect">
+                <a:avLst/>
+              </a:prstGeom>
+            </p:spPr>
+            <p:txBody>
+              <a:bodyPr wrap="none">
+                <a:spAutoFit/>
+              </a:bodyPr>
+              <a:lstStyle/>
+              <a:p>
+                <a14:m>
+                  <m:oMathPara xmlns:m="http://schemas.openxmlformats.org/officeDocument/2006/math">
+                    <m:oMathParaPr>
+                      <m:jc m:val="centerGroup"/>
+                    </m:oMathParaPr>
+                    <m:oMath xmlns:m="http://schemas.openxmlformats.org/officeDocument/2006/math">
+                      <m:sSub>
+                        <m:sSubPr>
+                          <m:ctrlPr>
+                            <a:rPr lang="en-US" altLang="ko-KR" i="1" smtClean="0">
+                              <a:latin typeface="Cambria Math" panose="02040503050406030204" pitchFamily="18" charset="0"/>
+                            </a:rPr>
+                          </m:ctrlPr>
+                        </m:sSubPr>
+                        <m:e>
+                          <m:r>
+                            <a:rPr lang="en-US" altLang="ko-KR" b="0" i="1" smtClean="0">
+                              <a:latin typeface="Cambria Math" panose="02040503050406030204" pitchFamily="18" charset="0"/>
+                            </a:rPr>
+                            <m:t>𝑧</m:t>
+                          </m:r>
+                        </m:e>
+                        <m:sub>
+                          <m:r>
+                            <a:rPr lang="en-US" altLang="ko-KR" b="0" i="1" smtClean="0">
+                              <a:latin typeface="Cambria Math" panose="02040503050406030204" pitchFamily="18" charset="0"/>
+                            </a:rPr>
+                            <m:t>1</m:t>
+                          </m:r>
+                        </m:sub>
+                      </m:sSub>
+                    </m:oMath>
+                  </m:oMathPara>
+                </a14:m>
+                <a:endParaRPr lang="ko-KR" altLang="en-US" dirty="0"/>
+              </a:p>
+            </p:txBody>
+          </p:sp>
+        </mc:Choice>
+        <mc:Fallback>
+          <p:sp>
+            <p:nvSpPr>
+              <p:cNvPr id="37" name="직사각형 36">
+                <a:extLst>
+                  <a:ext uri="{FF2B5EF4-FFF2-40B4-BE49-F238E27FC236}">
+                    <a16:creationId xmlns:a16="http://schemas.microsoft.com/office/drawing/2014/main" id="{1AE0DC67-032E-4E65-A339-5BACCC763CAC}"/>
+                  </a:ext>
+                </a:extLst>
+              </p:cNvPr>
+              <p:cNvSpPr>
+                <a:spLocks noRot="1" noChangeAspect="1" noMove="1" noResize="1" noEditPoints="1" noAdjustHandles="1" noChangeArrowheads="1" noChangeShapeType="1" noTextEdit="1"/>
+              </p:cNvSpPr>
+              <p:nvPr/>
+            </p:nvSpPr>
+            <p:spPr>
+              <a:xfrm>
+                <a:off x="4610458" y="2985731"/>
+                <a:ext cx="475002" cy="369332"/>
+              </a:xfrm>
+              <a:prstGeom prst="rect">
+                <a:avLst/>
+              </a:prstGeom>
+              <a:blipFill>
+                <a:blip r:embed="rId4"/>
+                <a:stretch>
+                  <a:fillRect b="-3333"/>
+                </a:stretch>
+              </a:blipFill>
+            </p:spPr>
+            <p:txBody>
+              <a:bodyPr/>
+              <a:lstStyle/>
+              <a:p>
+                <a:r>
+                  <a:rPr lang="ko-KR" altLang="en-US">
+                    <a:noFill/>
+                  </a:rPr>
+                  <a:t> </a:t>
+                </a:r>
+              </a:p>
+            </p:txBody>
+          </p:sp>
+        </mc:Fallback>
+      </mc:AlternateContent>
+      <mc:AlternateContent xmlns:mc="http://schemas.openxmlformats.org/markup-compatibility/2006">
+        <mc:Choice xmlns:a14="http://schemas.microsoft.com/office/drawing/2010/main" Requires="a14">
+          <p:sp>
+            <p:nvSpPr>
+              <p:cNvPr id="39" name="직사각형 38">
+                <a:extLst>
+                  <a:ext uri="{FF2B5EF4-FFF2-40B4-BE49-F238E27FC236}">
+                    <a16:creationId xmlns:a16="http://schemas.microsoft.com/office/drawing/2014/main" id="{0632D941-6856-478A-962A-64ACE14F5B25}"/>
+                  </a:ext>
+                </a:extLst>
+              </p:cNvPr>
+              <p:cNvSpPr/>
+              <p:nvPr/>
+            </p:nvSpPr>
+            <p:spPr>
+              <a:xfrm>
+                <a:off x="5381805" y="2391981"/>
+                <a:ext cx="494943" cy="369332"/>
+              </a:xfrm>
+              <a:prstGeom prst="rect">
+                <a:avLst/>
+              </a:prstGeom>
+            </p:spPr>
+            <p:txBody>
+              <a:bodyPr wrap="none">
+                <a:spAutoFit/>
+              </a:bodyPr>
+              <a:lstStyle/>
+              <a:p>
+                <a14:m>
+                  <m:oMathPara xmlns:m="http://schemas.openxmlformats.org/officeDocument/2006/math">
+                    <m:oMathParaPr>
+                      <m:jc m:val="centerGroup"/>
+                    </m:oMathParaPr>
+                    <m:oMath xmlns:m="http://schemas.openxmlformats.org/officeDocument/2006/math">
+                      <m:sSub>
+                        <m:sSubPr>
+                          <m:ctrlPr>
+                            <a:rPr lang="en-US" altLang="ko-KR" i="1" smtClean="0">
+                              <a:latin typeface="Cambria Math" panose="02040503050406030204" pitchFamily="18" charset="0"/>
+                            </a:rPr>
+                          </m:ctrlPr>
+                        </m:sSubPr>
+                        <m:e>
+                          <m:r>
+                            <a:rPr lang="en-US" altLang="ko-KR" b="0" i="1" smtClean="0">
+                              <a:latin typeface="Cambria Math" panose="02040503050406030204" pitchFamily="18" charset="0"/>
+                            </a:rPr>
+                            <m:t>𝑥</m:t>
+                          </m:r>
+                        </m:e>
+                        <m:sub>
+                          <m:r>
+                            <a:rPr lang="en-US" altLang="ko-KR" b="0" i="1" smtClean="0">
+                              <a:latin typeface="Cambria Math" panose="02040503050406030204" pitchFamily="18" charset="0"/>
+                            </a:rPr>
+                            <m:t>2</m:t>
+                          </m:r>
+                        </m:sub>
+                      </m:sSub>
+                    </m:oMath>
+                  </m:oMathPara>
+                </a14:m>
+                <a:endParaRPr lang="ko-KR" altLang="en-US" dirty="0"/>
+              </a:p>
+            </p:txBody>
+          </p:sp>
+        </mc:Choice>
+        <mc:Fallback>
+          <p:sp>
+            <p:nvSpPr>
+              <p:cNvPr id="39" name="직사각형 38">
+                <a:extLst>
+                  <a:ext uri="{FF2B5EF4-FFF2-40B4-BE49-F238E27FC236}">
+                    <a16:creationId xmlns:a16="http://schemas.microsoft.com/office/drawing/2014/main" id="{0632D941-6856-478A-962A-64ACE14F5B25}"/>
+                  </a:ext>
+                </a:extLst>
+              </p:cNvPr>
+              <p:cNvSpPr>
+                <a:spLocks noRot="1" noChangeAspect="1" noMove="1" noResize="1" noEditPoints="1" noAdjustHandles="1" noChangeArrowheads="1" noChangeShapeType="1" noTextEdit="1"/>
+              </p:cNvSpPr>
+              <p:nvPr/>
+            </p:nvSpPr>
+            <p:spPr>
+              <a:xfrm>
+                <a:off x="5381805" y="2391981"/>
+                <a:ext cx="494943" cy="369332"/>
+              </a:xfrm>
+              <a:prstGeom prst="rect">
+                <a:avLst/>
+              </a:prstGeom>
+              <a:blipFill>
+                <a:blip r:embed="rId5"/>
+                <a:stretch>
+                  <a:fillRect b="-1639"/>
+                </a:stretch>
+              </a:blipFill>
+            </p:spPr>
+            <p:txBody>
+              <a:bodyPr/>
+              <a:lstStyle/>
+              <a:p>
+                <a:r>
+                  <a:rPr lang="ko-KR" altLang="en-US">
+                    <a:noFill/>
+                  </a:rPr>
+                  <a:t> </a:t>
+                </a:r>
+              </a:p>
+            </p:txBody>
+          </p:sp>
+        </mc:Fallback>
+      </mc:AlternateContent>
+      <mc:AlternateContent xmlns:mc="http://schemas.openxmlformats.org/markup-compatibility/2006">
+        <mc:Choice xmlns:a14="http://schemas.microsoft.com/office/drawing/2010/main" Requires="a14">
+          <p:sp>
+            <p:nvSpPr>
+              <p:cNvPr id="40" name="직사각형 39">
+                <a:extLst>
+                  <a:ext uri="{FF2B5EF4-FFF2-40B4-BE49-F238E27FC236}">
+                    <a16:creationId xmlns:a16="http://schemas.microsoft.com/office/drawing/2014/main" id="{FF07E55D-6CE2-4168-95E9-7C4118791182}"/>
+                  </a:ext>
+                </a:extLst>
+              </p:cNvPr>
+              <p:cNvSpPr/>
+              <p:nvPr/>
+            </p:nvSpPr>
+            <p:spPr>
+              <a:xfrm>
+                <a:off x="3511811" y="2561308"/>
+                <a:ext cx="562398" cy="369332"/>
+              </a:xfrm>
+              <a:prstGeom prst="rect">
+                <a:avLst/>
+              </a:prstGeom>
+            </p:spPr>
+            <p:txBody>
+              <a:bodyPr wrap="none">
+                <a:spAutoFit/>
+              </a:bodyPr>
+              <a:lstStyle/>
+              <a:p>
+                <a14:m>
+                  <m:oMathPara xmlns:m="http://schemas.openxmlformats.org/officeDocument/2006/math">
+                    <m:oMathParaPr>
+                      <m:jc m:val="centerGroup"/>
+                    </m:oMathParaPr>
+                    <m:oMath xmlns:m="http://schemas.openxmlformats.org/officeDocument/2006/math">
+                      <m:sSub>
+                        <m:sSubPr>
+                          <m:ctrlPr>
+                            <a:rPr lang="en-US" altLang="ko-KR" i="1" smtClean="0">
+                              <a:latin typeface="Cambria Math" panose="02040503050406030204" pitchFamily="18" charset="0"/>
+                            </a:rPr>
+                          </m:ctrlPr>
+                        </m:sSubPr>
+                        <m:e>
+                          <m:r>
+                            <a:rPr lang="en-US" altLang="ko-KR" b="0" i="1" smtClean="0">
+                              <a:latin typeface="Cambria Math" panose="02040503050406030204" pitchFamily="18" charset="0"/>
+                            </a:rPr>
+                            <m:t>𝑚</m:t>
+                          </m:r>
+                        </m:e>
+                        <m:sub>
+                          <m:r>
+                            <a:rPr lang="en-US" altLang="ko-KR" b="0" i="1" smtClean="0">
+                              <a:latin typeface="Cambria Math" panose="02040503050406030204" pitchFamily="18" charset="0"/>
+                            </a:rPr>
+                            <m:t>2</m:t>
+                          </m:r>
+                        </m:sub>
+                      </m:sSub>
+                    </m:oMath>
+                  </m:oMathPara>
+                </a14:m>
+                <a:endParaRPr lang="ko-KR" altLang="en-US" dirty="0"/>
+              </a:p>
+            </p:txBody>
+          </p:sp>
+        </mc:Choice>
+        <mc:Fallback>
+          <p:sp>
+            <p:nvSpPr>
+              <p:cNvPr id="40" name="직사각형 39">
+                <a:extLst>
+                  <a:ext uri="{FF2B5EF4-FFF2-40B4-BE49-F238E27FC236}">
+                    <a16:creationId xmlns:a16="http://schemas.microsoft.com/office/drawing/2014/main" id="{FF07E55D-6CE2-4168-95E9-7C4118791182}"/>
+                  </a:ext>
+                </a:extLst>
+              </p:cNvPr>
+              <p:cNvSpPr>
+                <a:spLocks noRot="1" noChangeAspect="1" noMove="1" noResize="1" noEditPoints="1" noAdjustHandles="1" noChangeArrowheads="1" noChangeShapeType="1" noTextEdit="1"/>
+              </p:cNvSpPr>
+              <p:nvPr/>
+            </p:nvSpPr>
+            <p:spPr>
+              <a:xfrm>
+                <a:off x="3511811" y="2561308"/>
+                <a:ext cx="562398" cy="369332"/>
+              </a:xfrm>
+              <a:prstGeom prst="rect">
+                <a:avLst/>
+              </a:prstGeom>
+              <a:blipFill>
+                <a:blip r:embed="rId6"/>
+                <a:stretch>
+                  <a:fillRect b="-1639"/>
+                </a:stretch>
+              </a:blipFill>
+            </p:spPr>
+            <p:txBody>
+              <a:bodyPr/>
+              <a:lstStyle/>
+              <a:p>
+                <a:r>
+                  <a:rPr lang="ko-KR" altLang="en-US">
+                    <a:noFill/>
+                  </a:rPr>
+                  <a:t> </a:t>
+                </a:r>
+              </a:p>
+            </p:txBody>
+          </p:sp>
+        </mc:Fallback>
+      </mc:AlternateContent>
+      <mc:AlternateContent xmlns:mc="http://schemas.openxmlformats.org/markup-compatibility/2006">
+        <mc:Choice xmlns:a14="http://schemas.microsoft.com/office/drawing/2010/main" Requires="a14">
+          <p:sp>
+            <p:nvSpPr>
+              <p:cNvPr id="41" name="직사각형 40">
+                <a:extLst>
+                  <a:ext uri="{FF2B5EF4-FFF2-40B4-BE49-F238E27FC236}">
+                    <a16:creationId xmlns:a16="http://schemas.microsoft.com/office/drawing/2014/main" id="{2D1D5B09-6E38-4D29-A6EE-4D0038789CB0}"/>
+                  </a:ext>
+                </a:extLst>
+              </p:cNvPr>
+              <p:cNvSpPr/>
+              <p:nvPr/>
+            </p:nvSpPr>
+            <p:spPr>
+              <a:xfrm>
+                <a:off x="5205502" y="1713923"/>
+                <a:ext cx="494943" cy="369332"/>
+              </a:xfrm>
+              <a:prstGeom prst="rect">
+                <a:avLst/>
+              </a:prstGeom>
+            </p:spPr>
+            <p:txBody>
+              <a:bodyPr wrap="none">
+                <a:spAutoFit/>
+              </a:bodyPr>
+              <a:lstStyle/>
+              <a:p>
+                <a14:m>
+                  <m:oMathPara xmlns:m="http://schemas.openxmlformats.org/officeDocument/2006/math">
+                    <m:oMathParaPr>
+                      <m:jc m:val="centerGroup"/>
+                    </m:oMathParaPr>
+                    <m:oMath xmlns:m="http://schemas.openxmlformats.org/officeDocument/2006/math">
+                      <m:sSub>
+                        <m:sSubPr>
+                          <m:ctrlPr>
+                            <a:rPr lang="en-US" altLang="ko-KR" i="1" smtClean="0">
+                              <a:latin typeface="Cambria Math" panose="02040503050406030204" pitchFamily="18" charset="0"/>
+                            </a:rPr>
+                          </m:ctrlPr>
+                        </m:sSubPr>
+                        <m:e>
+                          <m:r>
+                            <a:rPr lang="en-US" altLang="ko-KR" b="0" i="1" smtClean="0">
+                              <a:latin typeface="Cambria Math" panose="02040503050406030204" pitchFamily="18" charset="0"/>
+                            </a:rPr>
+                            <m:t>𝑥</m:t>
+                          </m:r>
+                        </m:e>
+                        <m:sub>
+                          <m:r>
+                            <a:rPr lang="en-US" altLang="ko-KR" b="0" i="1" smtClean="0">
+                              <a:latin typeface="Cambria Math" panose="02040503050406030204" pitchFamily="18" charset="0"/>
+                            </a:rPr>
+                            <m:t>3</m:t>
+                          </m:r>
+                        </m:sub>
+                      </m:sSub>
+                    </m:oMath>
+                  </m:oMathPara>
+                </a14:m>
+                <a:endParaRPr lang="ko-KR" altLang="en-US" dirty="0"/>
+              </a:p>
+            </p:txBody>
+          </p:sp>
+        </mc:Choice>
+        <mc:Fallback>
+          <p:sp>
+            <p:nvSpPr>
+              <p:cNvPr id="41" name="직사각형 40">
+                <a:extLst>
+                  <a:ext uri="{FF2B5EF4-FFF2-40B4-BE49-F238E27FC236}">
+                    <a16:creationId xmlns:a16="http://schemas.microsoft.com/office/drawing/2014/main" id="{2D1D5B09-6E38-4D29-A6EE-4D0038789CB0}"/>
+                  </a:ext>
+                </a:extLst>
+              </p:cNvPr>
+              <p:cNvSpPr>
+                <a:spLocks noRot="1" noChangeAspect="1" noMove="1" noResize="1" noEditPoints="1" noAdjustHandles="1" noChangeArrowheads="1" noChangeShapeType="1" noTextEdit="1"/>
+              </p:cNvSpPr>
+              <p:nvPr/>
+            </p:nvSpPr>
+            <p:spPr>
+              <a:xfrm>
+                <a:off x="5205502" y="1713923"/>
+                <a:ext cx="494943" cy="369332"/>
+              </a:xfrm>
+              <a:prstGeom prst="rect">
+                <a:avLst/>
+              </a:prstGeom>
+              <a:blipFill>
+                <a:blip r:embed="rId7"/>
+                <a:stretch>
+                  <a:fillRect b="-1639"/>
+                </a:stretch>
+              </a:blipFill>
+            </p:spPr>
+            <p:txBody>
+              <a:bodyPr/>
+              <a:lstStyle/>
+              <a:p>
+                <a:r>
+                  <a:rPr lang="ko-KR" altLang="en-US">
+                    <a:noFill/>
+                  </a:rPr>
+                  <a:t> </a:t>
+                </a:r>
+              </a:p>
+            </p:txBody>
+          </p:sp>
+        </mc:Fallback>
+      </mc:AlternateContent>
+      <mc:AlternateContent xmlns:mc="http://schemas.openxmlformats.org/markup-compatibility/2006">
+        <mc:Choice xmlns:a14="http://schemas.microsoft.com/office/drawing/2010/main" Requires="a14">
+          <p:sp>
+            <p:nvSpPr>
+              <p:cNvPr id="42" name="직사각형 41">
+                <a:extLst>
+                  <a:ext uri="{FF2B5EF4-FFF2-40B4-BE49-F238E27FC236}">
+                    <a16:creationId xmlns:a16="http://schemas.microsoft.com/office/drawing/2014/main" id="{C01AB074-9A7B-4226-BD90-5BE93FA31C49}"/>
+                  </a:ext>
+                </a:extLst>
+              </p:cNvPr>
+              <p:cNvSpPr/>
+              <p:nvPr/>
+            </p:nvSpPr>
+            <p:spPr>
+              <a:xfrm>
+                <a:off x="3230612" y="2144831"/>
+                <a:ext cx="562398" cy="369332"/>
+              </a:xfrm>
+              <a:prstGeom prst="rect">
+                <a:avLst/>
+              </a:prstGeom>
+            </p:spPr>
+            <p:txBody>
+              <a:bodyPr wrap="none">
+                <a:spAutoFit/>
+              </a:bodyPr>
+              <a:lstStyle/>
+              <a:p>
+                <a14:m>
+                  <m:oMathPara xmlns:m="http://schemas.openxmlformats.org/officeDocument/2006/math">
+                    <m:oMathParaPr>
+                      <m:jc m:val="centerGroup"/>
+                    </m:oMathParaPr>
+                    <m:oMath xmlns:m="http://schemas.openxmlformats.org/officeDocument/2006/math">
+                      <m:sSub>
+                        <m:sSubPr>
+                          <m:ctrlPr>
+                            <a:rPr lang="en-US" altLang="ko-KR" i="1" smtClean="0">
+                              <a:latin typeface="Cambria Math" panose="02040503050406030204" pitchFamily="18" charset="0"/>
+                            </a:rPr>
+                          </m:ctrlPr>
+                        </m:sSubPr>
+                        <m:e>
+                          <m:r>
+                            <a:rPr lang="en-US" altLang="ko-KR" b="0" i="1" smtClean="0">
+                              <a:latin typeface="Cambria Math" panose="02040503050406030204" pitchFamily="18" charset="0"/>
+                            </a:rPr>
+                            <m:t>𝑚</m:t>
+                          </m:r>
+                        </m:e>
+                        <m:sub>
+                          <m:r>
+                            <a:rPr lang="en-US" altLang="ko-KR" b="0" i="1" smtClean="0">
+                              <a:latin typeface="Cambria Math" panose="02040503050406030204" pitchFamily="18" charset="0"/>
+                            </a:rPr>
+                            <m:t>3</m:t>
+                          </m:r>
+                        </m:sub>
+                      </m:sSub>
+                    </m:oMath>
+                  </m:oMathPara>
+                </a14:m>
+                <a:endParaRPr lang="ko-KR" altLang="en-US" dirty="0"/>
+              </a:p>
+            </p:txBody>
+          </p:sp>
+        </mc:Choice>
+        <mc:Fallback>
+          <p:sp>
+            <p:nvSpPr>
+              <p:cNvPr id="42" name="직사각형 41">
+                <a:extLst>
+                  <a:ext uri="{FF2B5EF4-FFF2-40B4-BE49-F238E27FC236}">
+                    <a16:creationId xmlns:a16="http://schemas.microsoft.com/office/drawing/2014/main" id="{C01AB074-9A7B-4226-BD90-5BE93FA31C49}"/>
+                  </a:ext>
+                </a:extLst>
+              </p:cNvPr>
+              <p:cNvSpPr>
+                <a:spLocks noRot="1" noChangeAspect="1" noMove="1" noResize="1" noEditPoints="1" noAdjustHandles="1" noChangeArrowheads="1" noChangeShapeType="1" noTextEdit="1"/>
+              </p:cNvSpPr>
+              <p:nvPr/>
+            </p:nvSpPr>
+            <p:spPr>
+              <a:xfrm>
+                <a:off x="3230612" y="2144831"/>
+                <a:ext cx="562398" cy="369332"/>
+              </a:xfrm>
+              <a:prstGeom prst="rect">
+                <a:avLst/>
+              </a:prstGeom>
+              <a:blipFill>
+                <a:blip r:embed="rId8"/>
+                <a:stretch>
+                  <a:fillRect b="-3333"/>
+                </a:stretch>
+              </a:blipFill>
+            </p:spPr>
+            <p:txBody>
+              <a:bodyPr/>
+              <a:lstStyle/>
+              <a:p>
+                <a:r>
+                  <a:rPr lang="ko-KR" altLang="en-US">
+                    <a:noFill/>
+                  </a:rPr>
+                  <a:t> </a:t>
+                </a:r>
+              </a:p>
+            </p:txBody>
+          </p:sp>
+        </mc:Fallback>
+      </mc:AlternateContent>
+      <p:cxnSp>
+        <p:nvCxnSpPr>
+          <p:cNvPr id="43" name="직선 화살표 연결선 42">
+            <a:extLst>
+              <a:ext uri="{FF2B5EF4-FFF2-40B4-BE49-F238E27FC236}">
+                <a16:creationId xmlns:a16="http://schemas.microsoft.com/office/drawing/2014/main" id="{B1B1559E-883D-47CF-9547-B4D867DBC565}"/>
+              </a:ext>
+            </a:extLst>
+          </p:cNvPr>
+          <p:cNvCxnSpPr>
+            <a:cxnSpLocks/>
+            <a:stCxn id="18" idx="2"/>
+            <a:endCxn id="8" idx="6"/>
+          </p:cNvCxnSpPr>
+          <p:nvPr/>
+        </p:nvCxnSpPr>
+        <p:spPr>
+          <a:xfrm flipH="1">
+            <a:off x="4315004" y="2676526"/>
+            <a:ext cx="800102" cy="133350"/>
+          </a:xfrm>
+          <a:prstGeom prst="straightConnector1">
+            <a:avLst/>
+          </a:prstGeom>
+          <a:ln>
+            <a:solidFill>
+              <a:schemeClr val="tx1">
+                <a:lumMod val="50000"/>
+                <a:lumOff val="50000"/>
+              </a:schemeClr>
+            </a:solidFill>
+            <a:prstDash val="dash"/>
+            <a:tailEnd type="triangle"/>
+          </a:ln>
+        </p:spPr>
+        <p:style>
+          <a:lnRef idx="2">
+            <a:schemeClr val="accent1"/>
+          </a:lnRef>
+          <a:fillRef idx="0">
+            <a:schemeClr val="accent1"/>
+          </a:fillRef>
+          <a:effectRef idx="1">
+            <a:schemeClr val="accent1"/>
+          </a:effectRef>
+          <a:fontRef idx="minor">
+            <a:schemeClr val="tx1"/>
+          </a:fontRef>
+        </p:style>
+      </p:cxnSp>
+      <mc:AlternateContent xmlns:mc="http://schemas.openxmlformats.org/markup-compatibility/2006">
+        <mc:Choice xmlns:a14="http://schemas.microsoft.com/office/drawing/2010/main" Requires="a14">
+          <p:sp>
+            <p:nvSpPr>
+              <p:cNvPr id="44" name="직사각형 43">
+                <a:extLst>
+                  <a:ext uri="{FF2B5EF4-FFF2-40B4-BE49-F238E27FC236}">
+                    <a16:creationId xmlns:a16="http://schemas.microsoft.com/office/drawing/2014/main" id="{EFB735AC-9523-4980-8E57-204D712E340B}"/>
+                  </a:ext>
+                </a:extLst>
+              </p:cNvPr>
+              <p:cNvSpPr/>
+              <p:nvPr/>
+            </p:nvSpPr>
+            <p:spPr>
+              <a:xfrm>
+                <a:off x="4484652" y="2312505"/>
+                <a:ext cx="480324" cy="369332"/>
+              </a:xfrm>
+              <a:prstGeom prst="rect">
+                <a:avLst/>
+              </a:prstGeom>
+            </p:spPr>
+            <p:txBody>
+              <a:bodyPr wrap="none">
+                <a:spAutoFit/>
+              </a:bodyPr>
+              <a:lstStyle/>
+              <a:p>
+                <a14:m>
+                  <m:oMathPara xmlns:m="http://schemas.openxmlformats.org/officeDocument/2006/math">
+                    <m:oMathParaPr>
+                      <m:jc m:val="centerGroup"/>
+                    </m:oMathParaPr>
+                    <m:oMath xmlns:m="http://schemas.openxmlformats.org/officeDocument/2006/math">
+                      <m:sSub>
+                        <m:sSubPr>
+                          <m:ctrlPr>
+                            <a:rPr lang="en-US" altLang="ko-KR" i="1" smtClean="0">
+                              <a:latin typeface="Cambria Math" panose="02040503050406030204" pitchFamily="18" charset="0"/>
+                            </a:rPr>
+                          </m:ctrlPr>
+                        </m:sSubPr>
+                        <m:e>
+                          <m:r>
+                            <a:rPr lang="en-US" altLang="ko-KR" b="0" i="1" smtClean="0">
+                              <a:latin typeface="Cambria Math" panose="02040503050406030204" pitchFamily="18" charset="0"/>
+                            </a:rPr>
+                            <m:t>𝑧</m:t>
+                          </m:r>
+                        </m:e>
+                        <m:sub>
+                          <m:r>
+                            <a:rPr lang="en-US" altLang="ko-KR" b="0" i="1" smtClean="0">
+                              <a:latin typeface="Cambria Math" panose="02040503050406030204" pitchFamily="18" charset="0"/>
+                            </a:rPr>
+                            <m:t>2</m:t>
+                          </m:r>
+                        </m:sub>
+                      </m:sSub>
+                    </m:oMath>
+                  </m:oMathPara>
+                </a14:m>
+                <a:endParaRPr lang="ko-KR" altLang="en-US" dirty="0"/>
+              </a:p>
+            </p:txBody>
+          </p:sp>
+        </mc:Choice>
+        <mc:Fallback>
+          <p:sp>
+            <p:nvSpPr>
+              <p:cNvPr id="44" name="직사각형 43">
+                <a:extLst>
+                  <a:ext uri="{FF2B5EF4-FFF2-40B4-BE49-F238E27FC236}">
+                    <a16:creationId xmlns:a16="http://schemas.microsoft.com/office/drawing/2014/main" id="{EFB735AC-9523-4980-8E57-204D712E340B}"/>
+                  </a:ext>
+                </a:extLst>
+              </p:cNvPr>
+              <p:cNvSpPr>
+                <a:spLocks noRot="1" noChangeAspect="1" noMove="1" noResize="1" noEditPoints="1" noAdjustHandles="1" noChangeArrowheads="1" noChangeShapeType="1" noTextEdit="1"/>
+              </p:cNvSpPr>
+              <p:nvPr/>
+            </p:nvSpPr>
+            <p:spPr>
+              <a:xfrm>
+                <a:off x="4484652" y="2312505"/>
+                <a:ext cx="480324" cy="369332"/>
+              </a:xfrm>
+              <a:prstGeom prst="rect">
+                <a:avLst/>
+              </a:prstGeom>
+              <a:blipFill>
+                <a:blip r:embed="rId9"/>
+                <a:stretch>
+                  <a:fillRect b="-1639"/>
+                </a:stretch>
+              </a:blipFill>
+            </p:spPr>
+            <p:txBody>
+              <a:bodyPr/>
+              <a:lstStyle/>
+              <a:p>
+                <a:r>
+                  <a:rPr lang="ko-KR" altLang="en-US">
+                    <a:noFill/>
+                  </a:rPr>
+                  <a:t> </a:t>
+                </a:r>
+              </a:p>
+            </p:txBody>
+          </p:sp>
+        </mc:Fallback>
+      </mc:AlternateContent>
+      <p:cxnSp>
+        <p:nvCxnSpPr>
+          <p:cNvPr id="48" name="직선 화살표 연결선 47">
+            <a:extLst>
+              <a:ext uri="{FF2B5EF4-FFF2-40B4-BE49-F238E27FC236}">
+                <a16:creationId xmlns:a16="http://schemas.microsoft.com/office/drawing/2014/main" id="{6AFBCBD7-C391-4EC9-A77B-19B93B6C6EBC}"/>
+              </a:ext>
+            </a:extLst>
+          </p:cNvPr>
+          <p:cNvCxnSpPr>
+            <a:cxnSpLocks/>
+            <a:stCxn id="19" idx="2"/>
+            <a:endCxn id="9" idx="6"/>
+          </p:cNvCxnSpPr>
+          <p:nvPr/>
+        </p:nvCxnSpPr>
+        <p:spPr>
+          <a:xfrm flipH="1">
+            <a:off x="4105454" y="2113232"/>
+            <a:ext cx="833350" cy="201344"/>
+          </a:xfrm>
+          <a:prstGeom prst="straightConnector1">
+            <a:avLst/>
+          </a:prstGeom>
+          <a:ln>
+            <a:solidFill>
+              <a:schemeClr val="tx1">
+                <a:lumMod val="50000"/>
+                <a:lumOff val="50000"/>
+              </a:schemeClr>
+            </a:solidFill>
+            <a:prstDash val="dash"/>
+            <a:tailEnd type="triangle"/>
+          </a:ln>
+        </p:spPr>
+        <p:style>
+          <a:lnRef idx="2">
+            <a:schemeClr val="accent1"/>
+          </a:lnRef>
+          <a:fillRef idx="0">
+            <a:schemeClr val="accent1"/>
+          </a:fillRef>
+          <a:effectRef idx="1">
+            <a:schemeClr val="accent1"/>
+          </a:effectRef>
+          <a:fontRef idx="minor">
+            <a:schemeClr val="tx1"/>
+          </a:fontRef>
+        </p:style>
+      </p:cxnSp>
+      <mc:AlternateContent xmlns:mc="http://schemas.openxmlformats.org/markup-compatibility/2006">
+        <mc:Choice xmlns:a14="http://schemas.microsoft.com/office/drawing/2010/main" Requires="a14">
+          <p:sp>
+            <p:nvSpPr>
+              <p:cNvPr id="49" name="직사각형 48">
+                <a:extLst>
+                  <a:ext uri="{FF2B5EF4-FFF2-40B4-BE49-F238E27FC236}">
+                    <a16:creationId xmlns:a16="http://schemas.microsoft.com/office/drawing/2014/main" id="{F8159099-B4F2-4ABC-9843-BEA3778B3A66}"/>
+                  </a:ext>
+                </a:extLst>
+              </p:cNvPr>
+              <p:cNvSpPr/>
+              <p:nvPr/>
+            </p:nvSpPr>
+            <p:spPr>
+              <a:xfrm>
+                <a:off x="4298950" y="1733551"/>
+                <a:ext cx="480324" cy="369332"/>
+              </a:xfrm>
+              <a:prstGeom prst="rect">
+                <a:avLst/>
+              </a:prstGeom>
+            </p:spPr>
+            <p:txBody>
+              <a:bodyPr wrap="none">
+                <a:spAutoFit/>
+              </a:bodyPr>
+              <a:lstStyle/>
+              <a:p>
+                <a14:m>
+                  <m:oMathPara xmlns:m="http://schemas.openxmlformats.org/officeDocument/2006/math">
+                    <m:oMathParaPr>
+                      <m:jc m:val="centerGroup"/>
+                    </m:oMathParaPr>
+                    <m:oMath xmlns:m="http://schemas.openxmlformats.org/officeDocument/2006/math">
+                      <m:sSub>
+                        <m:sSubPr>
+                          <m:ctrlPr>
+                            <a:rPr lang="en-US" altLang="ko-KR" i="1" smtClean="0">
+                              <a:latin typeface="Cambria Math" panose="02040503050406030204" pitchFamily="18" charset="0"/>
+                            </a:rPr>
+                          </m:ctrlPr>
+                        </m:sSubPr>
+                        <m:e>
+                          <m:r>
+                            <a:rPr lang="en-US" altLang="ko-KR" b="0" i="1" smtClean="0">
+                              <a:latin typeface="Cambria Math" panose="02040503050406030204" pitchFamily="18" charset="0"/>
+                            </a:rPr>
+                            <m:t>𝑧</m:t>
+                          </m:r>
+                        </m:e>
+                        <m:sub>
+                          <m:r>
+                            <a:rPr lang="en-US" altLang="ko-KR" b="0" i="1" smtClean="0">
+                              <a:latin typeface="Cambria Math" panose="02040503050406030204" pitchFamily="18" charset="0"/>
+                            </a:rPr>
+                            <m:t>3</m:t>
+                          </m:r>
+                        </m:sub>
+                      </m:sSub>
+                    </m:oMath>
+                  </m:oMathPara>
+                </a14:m>
+                <a:endParaRPr lang="ko-KR" altLang="en-US" dirty="0"/>
+              </a:p>
+            </p:txBody>
+          </p:sp>
+        </mc:Choice>
+        <mc:Fallback>
+          <p:sp>
+            <p:nvSpPr>
+              <p:cNvPr id="49" name="직사각형 48">
+                <a:extLst>
+                  <a:ext uri="{FF2B5EF4-FFF2-40B4-BE49-F238E27FC236}">
+                    <a16:creationId xmlns:a16="http://schemas.microsoft.com/office/drawing/2014/main" id="{F8159099-B4F2-4ABC-9843-BEA3778B3A66}"/>
+                  </a:ext>
+                </a:extLst>
+              </p:cNvPr>
+              <p:cNvSpPr>
+                <a:spLocks noRot="1" noChangeAspect="1" noMove="1" noResize="1" noEditPoints="1" noAdjustHandles="1" noChangeArrowheads="1" noChangeShapeType="1" noTextEdit="1"/>
+              </p:cNvSpPr>
+              <p:nvPr/>
+            </p:nvSpPr>
+            <p:spPr>
+              <a:xfrm>
+                <a:off x="4298950" y="1733551"/>
+                <a:ext cx="480324" cy="369332"/>
+              </a:xfrm>
+              <a:prstGeom prst="rect">
+                <a:avLst/>
+              </a:prstGeom>
+              <a:blipFill>
+                <a:blip r:embed="rId10"/>
+                <a:stretch>
+                  <a:fillRect b="-1639"/>
+                </a:stretch>
+              </a:blipFill>
+            </p:spPr>
+            <p:txBody>
+              <a:bodyPr/>
+              <a:lstStyle/>
+              <a:p>
+                <a:r>
+                  <a:rPr lang="ko-KR" altLang="en-US">
+                    <a:noFill/>
+                  </a:rPr>
+                  <a:t> </a:t>
+                </a:r>
+              </a:p>
+            </p:txBody>
+          </p:sp>
+        </mc:Fallback>
+      </mc:AlternateContent>
+      <mc:AlternateContent xmlns:mc="http://schemas.openxmlformats.org/markup-compatibility/2006">
+        <mc:Choice xmlns:a14="http://schemas.microsoft.com/office/drawing/2010/main" Requires="a14">
+          <p:sp>
+            <p:nvSpPr>
+              <p:cNvPr id="52" name="직사각형 51">
+                <a:extLst>
+                  <a:ext uri="{FF2B5EF4-FFF2-40B4-BE49-F238E27FC236}">
+                    <a16:creationId xmlns:a16="http://schemas.microsoft.com/office/drawing/2014/main" id="{8B41E475-32B0-4308-8201-47C3602C3461}"/>
+                  </a:ext>
+                </a:extLst>
+              </p:cNvPr>
+              <p:cNvSpPr/>
+              <p:nvPr/>
+            </p:nvSpPr>
+            <p:spPr>
+              <a:xfrm>
+                <a:off x="3323774" y="3739367"/>
+                <a:ext cx="660181" cy="369332"/>
+              </a:xfrm>
+              <a:prstGeom prst="rect">
+                <a:avLst/>
+              </a:prstGeom>
+            </p:spPr>
+            <p:txBody>
+              <a:bodyPr wrap="none">
+                <a:spAutoFit/>
+              </a:bodyPr>
+              <a:lstStyle/>
+              <a:p>
+                <a14:m>
+                  <m:oMathPara xmlns:m="http://schemas.openxmlformats.org/officeDocument/2006/math">
+                    <m:oMathParaPr>
+                      <m:jc m:val="centerGroup"/>
+                    </m:oMathParaPr>
+                    <m:oMath xmlns:m="http://schemas.openxmlformats.org/officeDocument/2006/math">
+                      <m:sSub>
+                        <m:sSubPr>
+                          <m:ctrlPr>
+                            <a:rPr lang="en-US" altLang="ko-KR" i="1" smtClean="0">
+                              <a:latin typeface="Cambria Math" panose="02040503050406030204" pitchFamily="18" charset="0"/>
+                            </a:rPr>
+                          </m:ctrlPr>
+                        </m:sSubPr>
+                        <m:e>
+                          <m:r>
+                            <a:rPr lang="en-US" altLang="ko-KR" b="0" i="1" smtClean="0">
+                              <a:latin typeface="Cambria Math" panose="02040503050406030204" pitchFamily="18" charset="0"/>
+                            </a:rPr>
+                            <m:t>𝑚</m:t>
+                          </m:r>
+                        </m:e>
+                        <m:sub>
+                          <m:r>
+                            <a:rPr lang="en-US" altLang="ko-KR" b="0" i="1" smtClean="0">
+                              <a:latin typeface="Cambria Math" panose="02040503050406030204" pitchFamily="18" charset="0"/>
+                            </a:rPr>
+                            <m:t>10</m:t>
+                          </m:r>
+                        </m:sub>
+                      </m:sSub>
+                    </m:oMath>
+                  </m:oMathPara>
+                </a14:m>
+                <a:endParaRPr lang="ko-KR" altLang="en-US" dirty="0"/>
+              </a:p>
+            </p:txBody>
+          </p:sp>
+        </mc:Choice>
+        <mc:Fallback>
+          <p:sp>
+            <p:nvSpPr>
+              <p:cNvPr id="52" name="직사각형 51">
+                <a:extLst>
+                  <a:ext uri="{FF2B5EF4-FFF2-40B4-BE49-F238E27FC236}">
+                    <a16:creationId xmlns:a16="http://schemas.microsoft.com/office/drawing/2014/main" id="{8B41E475-32B0-4308-8201-47C3602C3461}"/>
+                  </a:ext>
+                </a:extLst>
+              </p:cNvPr>
+              <p:cNvSpPr>
+                <a:spLocks noRot="1" noChangeAspect="1" noMove="1" noResize="1" noEditPoints="1" noAdjustHandles="1" noChangeArrowheads="1" noChangeShapeType="1" noTextEdit="1"/>
+              </p:cNvSpPr>
+              <p:nvPr/>
+            </p:nvSpPr>
+            <p:spPr>
+              <a:xfrm>
+                <a:off x="3323774" y="3739367"/>
+                <a:ext cx="660181" cy="369332"/>
+              </a:xfrm>
+              <a:prstGeom prst="rect">
+                <a:avLst/>
+              </a:prstGeom>
+              <a:blipFill>
+                <a:blip r:embed="rId11"/>
+                <a:stretch>
+                  <a:fillRect b="-1639"/>
+                </a:stretch>
+              </a:blipFill>
+            </p:spPr>
+            <p:txBody>
+              <a:bodyPr/>
+              <a:lstStyle/>
+              <a:p>
+                <a:r>
+                  <a:rPr lang="ko-KR" altLang="en-US">
+                    <a:noFill/>
+                  </a:rPr>
+                  <a:t> </a:t>
+                </a:r>
+              </a:p>
+            </p:txBody>
+          </p:sp>
+        </mc:Fallback>
+      </mc:AlternateContent>
+      <mc:AlternateContent xmlns:mc="http://schemas.openxmlformats.org/markup-compatibility/2006">
+        <mc:Choice xmlns:a14="http://schemas.microsoft.com/office/drawing/2010/main" Requires="a14">
+          <p:sp>
+            <p:nvSpPr>
+              <p:cNvPr id="53" name="직사각형 52">
+                <a:extLst>
+                  <a:ext uri="{FF2B5EF4-FFF2-40B4-BE49-F238E27FC236}">
+                    <a16:creationId xmlns:a16="http://schemas.microsoft.com/office/drawing/2014/main" id="{9DA1401A-0056-4AC8-9BA2-B51BC2D87B43}"/>
+                  </a:ext>
+                </a:extLst>
+              </p:cNvPr>
+              <p:cNvSpPr/>
+              <p:nvPr/>
+            </p:nvSpPr>
+            <p:spPr>
+              <a:xfrm>
+                <a:off x="5171545" y="4337237"/>
+                <a:ext cx="587404" cy="369332"/>
+              </a:xfrm>
+              <a:prstGeom prst="rect">
+                <a:avLst/>
+              </a:prstGeom>
+            </p:spPr>
+            <p:txBody>
+              <a:bodyPr wrap="none">
+                <a:spAutoFit/>
+              </a:bodyPr>
+              <a:lstStyle/>
+              <a:p>
+                <a14:m>
+                  <m:oMathPara xmlns:m="http://schemas.openxmlformats.org/officeDocument/2006/math">
+                    <m:oMathParaPr>
+                      <m:jc m:val="centerGroup"/>
+                    </m:oMathParaPr>
+                    <m:oMath xmlns:m="http://schemas.openxmlformats.org/officeDocument/2006/math">
+                      <m:sSub>
+                        <m:sSubPr>
+                          <m:ctrlPr>
+                            <a:rPr lang="en-US" altLang="ko-KR" i="1" smtClean="0">
+                              <a:latin typeface="Cambria Math" panose="02040503050406030204" pitchFamily="18" charset="0"/>
+                            </a:rPr>
+                          </m:ctrlPr>
+                        </m:sSubPr>
+                        <m:e>
+                          <m:r>
+                            <a:rPr lang="en-US" altLang="ko-KR" b="0" i="1" smtClean="0">
+                              <a:latin typeface="Cambria Math" panose="02040503050406030204" pitchFamily="18" charset="0"/>
+                            </a:rPr>
+                            <m:t>𝑥</m:t>
+                          </m:r>
+                        </m:e>
+                        <m:sub>
+                          <m:r>
+                            <a:rPr lang="en-US" altLang="ko-KR" b="0" i="1" smtClean="0">
+                              <a:latin typeface="Cambria Math" panose="02040503050406030204" pitchFamily="18" charset="0"/>
+                            </a:rPr>
+                            <m:t>10</m:t>
+                          </m:r>
+                        </m:sub>
+                      </m:sSub>
+                    </m:oMath>
+                  </m:oMathPara>
+                </a14:m>
+                <a:endParaRPr lang="ko-KR" altLang="en-US" dirty="0"/>
+              </a:p>
+            </p:txBody>
+          </p:sp>
+        </mc:Choice>
+        <mc:Fallback>
+          <p:sp>
+            <p:nvSpPr>
+              <p:cNvPr id="53" name="직사각형 52">
+                <a:extLst>
+                  <a:ext uri="{FF2B5EF4-FFF2-40B4-BE49-F238E27FC236}">
+                    <a16:creationId xmlns:a16="http://schemas.microsoft.com/office/drawing/2014/main" id="{9DA1401A-0056-4AC8-9BA2-B51BC2D87B43}"/>
+                  </a:ext>
+                </a:extLst>
+              </p:cNvPr>
+              <p:cNvSpPr>
+                <a:spLocks noRot="1" noChangeAspect="1" noMove="1" noResize="1" noEditPoints="1" noAdjustHandles="1" noChangeArrowheads="1" noChangeShapeType="1" noTextEdit="1"/>
+              </p:cNvSpPr>
+              <p:nvPr/>
+            </p:nvSpPr>
+            <p:spPr>
+              <a:xfrm>
+                <a:off x="5171545" y="4337237"/>
+                <a:ext cx="587404" cy="369332"/>
+              </a:xfrm>
+              <a:prstGeom prst="rect">
+                <a:avLst/>
+              </a:prstGeom>
+              <a:blipFill>
+                <a:blip r:embed="rId12"/>
+                <a:stretch>
+                  <a:fillRect b="-1639"/>
+                </a:stretch>
+              </a:blipFill>
+            </p:spPr>
+            <p:txBody>
+              <a:bodyPr/>
+              <a:lstStyle/>
+              <a:p>
+                <a:r>
+                  <a:rPr lang="ko-KR" altLang="en-US">
+                    <a:noFill/>
+                  </a:rPr>
+                  <a:t> </a:t>
+                </a:r>
+              </a:p>
+            </p:txBody>
+          </p:sp>
+        </mc:Fallback>
+      </mc:AlternateContent>
+      <p:sp>
+        <p:nvSpPr>
+          <p:cNvPr id="54" name="타원 53">
+            <a:extLst>
+              <a:ext uri="{FF2B5EF4-FFF2-40B4-BE49-F238E27FC236}">
+                <a16:creationId xmlns:a16="http://schemas.microsoft.com/office/drawing/2014/main" id="{3736D280-7BF3-4B8F-B516-5F746898021B}"/>
+              </a:ext>
+            </a:extLst>
+          </p:cNvPr>
+          <p:cNvSpPr/>
+          <p:nvPr/>
+        </p:nvSpPr>
+        <p:spPr>
+          <a:xfrm rot="900000">
+            <a:off x="4019779" y="3130063"/>
+            <a:ext cx="540832" cy="448869"/>
+          </a:xfrm>
+          <a:prstGeom prst="ellipse">
+            <a:avLst/>
+          </a:prstGeom>
+          <a:noFill/>
+          <a:ln>
+            <a:prstDash val="dash"/>
+          </a:ln>
+        </p:spPr>
+        <p:style>
+          <a:lnRef idx="2">
+            <a:schemeClr val="accent1">
+              <a:shade val="50000"/>
+            </a:schemeClr>
+          </a:lnRef>
+          <a:fillRef idx="1">
+            <a:schemeClr val="accent1"/>
+          </a:fillRef>
+          <a:effectRef idx="0">
+            <a:schemeClr val="accent1"/>
+          </a:effectRef>
+          <a:fontRef idx="minor">
+            <a:schemeClr val="lt1"/>
+          </a:fontRef>
+        </p:style>
+        <p:txBody>
+          <a:bodyPr rtlCol="0" anchor="ctr"/>
+          <a:lstStyle/>
+          <a:p>
+            <a:pPr algn="ctr"/>
+            <a:endParaRPr lang="ko-KR" altLang="en-US"/>
+          </a:p>
+        </p:txBody>
+      </p:sp>
+      <p:sp>
+        <p:nvSpPr>
+          <p:cNvPr id="55" name="타원 54">
+            <a:extLst>
+              <a:ext uri="{FF2B5EF4-FFF2-40B4-BE49-F238E27FC236}">
+                <a16:creationId xmlns:a16="http://schemas.microsoft.com/office/drawing/2014/main" id="{9C591F9E-A14C-4759-BBB5-BF4F48C7AE19}"/>
+              </a:ext>
+            </a:extLst>
+          </p:cNvPr>
+          <p:cNvSpPr/>
+          <p:nvPr/>
+        </p:nvSpPr>
+        <p:spPr>
+          <a:xfrm rot="900000">
+            <a:off x="3855431" y="2569027"/>
+            <a:ext cx="639056" cy="448869"/>
+          </a:xfrm>
+          <a:prstGeom prst="ellipse">
+            <a:avLst/>
+          </a:prstGeom>
+          <a:noFill/>
+          <a:ln>
+            <a:prstDash val="dash"/>
+          </a:ln>
+        </p:spPr>
+        <p:style>
+          <a:lnRef idx="2">
+            <a:schemeClr val="accent1">
+              <a:shade val="50000"/>
+            </a:schemeClr>
+          </a:lnRef>
+          <a:fillRef idx="1">
+            <a:schemeClr val="accent1"/>
+          </a:fillRef>
+          <a:effectRef idx="0">
+            <a:schemeClr val="accent1"/>
+          </a:effectRef>
+          <a:fontRef idx="minor">
+            <a:schemeClr val="lt1"/>
+          </a:fontRef>
+        </p:style>
+        <p:txBody>
+          <a:bodyPr rtlCol="0" anchor="ctr"/>
+          <a:lstStyle/>
+          <a:p>
+            <a:pPr algn="ctr"/>
+            <a:endParaRPr lang="ko-KR" altLang="en-US"/>
+          </a:p>
+        </p:txBody>
+      </p:sp>
+      <p:sp>
+        <p:nvSpPr>
+          <p:cNvPr id="56" name="타원 55">
+            <a:extLst>
+              <a:ext uri="{FF2B5EF4-FFF2-40B4-BE49-F238E27FC236}">
+                <a16:creationId xmlns:a16="http://schemas.microsoft.com/office/drawing/2014/main" id="{69C4E572-E098-4B89-829C-17F2595ABF9C}"/>
+              </a:ext>
+            </a:extLst>
+          </p:cNvPr>
+          <p:cNvSpPr/>
+          <p:nvPr/>
+        </p:nvSpPr>
+        <p:spPr>
+          <a:xfrm rot="900000">
+            <a:off x="3527350" y="2086480"/>
+            <a:ext cx="883590" cy="448869"/>
+          </a:xfrm>
+          <a:prstGeom prst="ellipse">
+            <a:avLst/>
+          </a:prstGeom>
+          <a:noFill/>
+          <a:ln>
+            <a:prstDash val="dash"/>
+          </a:ln>
+        </p:spPr>
+        <p:style>
+          <a:lnRef idx="2">
+            <a:schemeClr val="accent1">
+              <a:shade val="50000"/>
+            </a:schemeClr>
+          </a:lnRef>
+          <a:fillRef idx="1">
+            <a:schemeClr val="accent1"/>
+          </a:fillRef>
+          <a:effectRef idx="0">
+            <a:schemeClr val="accent1"/>
+          </a:effectRef>
+          <a:fontRef idx="minor">
+            <a:schemeClr val="lt1"/>
+          </a:fontRef>
+        </p:style>
+        <p:txBody>
+          <a:bodyPr rtlCol="0" anchor="ctr"/>
+          <a:lstStyle/>
+          <a:p>
+            <a:pPr algn="ctr"/>
+            <a:endParaRPr lang="ko-KR" altLang="en-US"/>
+          </a:p>
+        </p:txBody>
+      </p:sp>
+      <p:sp>
+        <p:nvSpPr>
+          <p:cNvPr id="57" name="타원 56">
+            <a:extLst>
+              <a:ext uri="{FF2B5EF4-FFF2-40B4-BE49-F238E27FC236}">
+                <a16:creationId xmlns:a16="http://schemas.microsoft.com/office/drawing/2014/main" id="{AE7FF53C-F318-4EB9-8B07-C3449D6415E3}"/>
+              </a:ext>
+            </a:extLst>
+          </p:cNvPr>
+          <p:cNvSpPr/>
+          <p:nvPr/>
+        </p:nvSpPr>
+        <p:spPr>
+          <a:xfrm>
+            <a:off x="3169323" y="1629884"/>
+            <a:ext cx="1036559" cy="448869"/>
+          </a:xfrm>
+          <a:prstGeom prst="ellipse">
+            <a:avLst/>
+          </a:prstGeom>
+          <a:noFill/>
+          <a:ln>
+            <a:prstDash val="dash"/>
+          </a:ln>
+        </p:spPr>
+        <p:style>
+          <a:lnRef idx="2">
+            <a:schemeClr val="accent1">
+              <a:shade val="50000"/>
+            </a:schemeClr>
+          </a:lnRef>
+          <a:fillRef idx="1">
+            <a:schemeClr val="accent1"/>
+          </a:fillRef>
+          <a:effectRef idx="0">
+            <a:schemeClr val="accent1"/>
+          </a:effectRef>
+          <a:fontRef idx="minor">
+            <a:schemeClr val="lt1"/>
+          </a:fontRef>
+        </p:style>
+        <p:txBody>
+          <a:bodyPr rtlCol="0" anchor="ctr"/>
+          <a:lstStyle/>
+          <a:p>
+            <a:pPr algn="ctr"/>
+            <a:endParaRPr lang="ko-KR" altLang="en-US"/>
+          </a:p>
+        </p:txBody>
+      </p:sp>
+      <p:sp>
+        <p:nvSpPr>
+          <p:cNvPr id="59" name="타원 58">
+            <a:extLst>
+              <a:ext uri="{FF2B5EF4-FFF2-40B4-BE49-F238E27FC236}">
+                <a16:creationId xmlns:a16="http://schemas.microsoft.com/office/drawing/2014/main" id="{A7EE6AE4-A031-4968-B06F-F7C41DEAEDB5}"/>
+              </a:ext>
+            </a:extLst>
+          </p:cNvPr>
+          <p:cNvSpPr/>
+          <p:nvPr/>
+        </p:nvSpPr>
+        <p:spPr>
+          <a:xfrm>
+            <a:off x="3263328" y="3796149"/>
+            <a:ext cx="1489228" cy="448869"/>
+          </a:xfrm>
+          <a:prstGeom prst="ellipse">
+            <a:avLst/>
+          </a:prstGeom>
+          <a:noFill/>
+          <a:ln>
+            <a:prstDash val="dash"/>
+          </a:ln>
+        </p:spPr>
+        <p:style>
+          <a:lnRef idx="2">
+            <a:schemeClr val="accent1">
+              <a:shade val="50000"/>
+            </a:schemeClr>
+          </a:lnRef>
+          <a:fillRef idx="1">
+            <a:schemeClr val="accent1"/>
+          </a:fillRef>
+          <a:effectRef idx="0">
+            <a:schemeClr val="accent1"/>
+          </a:effectRef>
+          <a:fontRef idx="minor">
+            <a:schemeClr val="lt1"/>
+          </a:fontRef>
+        </p:style>
+        <p:txBody>
+          <a:bodyPr rtlCol="0" anchor="ctr"/>
+          <a:lstStyle/>
+          <a:p>
+            <a:pPr algn="ctr"/>
+            <a:endParaRPr lang="ko-KR" altLang="en-US"/>
+          </a:p>
+        </p:txBody>
+      </p:sp>
+      <p:pic>
+        <p:nvPicPr>
+          <p:cNvPr id="61" name="그림 60">
+            <a:extLst>
+              <a:ext uri="{FF2B5EF4-FFF2-40B4-BE49-F238E27FC236}">
+                <a16:creationId xmlns:a16="http://schemas.microsoft.com/office/drawing/2014/main" id="{656FB2E5-E008-4CA8-A2E0-E667EB87C85A}"/>
+              </a:ext>
+            </a:extLst>
+          </p:cNvPr>
+          <p:cNvPicPr>
+            <a:picLocks noChangeAspect="1"/>
+          </p:cNvPicPr>
+          <p:nvPr/>
+        </p:nvPicPr>
+        <p:blipFill rotWithShape="1">
+          <a:blip r:embed="rId13"/>
+          <a:srcRect b="37994"/>
+          <a:stretch/>
+        </p:blipFill>
+        <p:spPr>
+          <a:xfrm>
+            <a:off x="6156667" y="1129031"/>
+            <a:ext cx="5222732" cy="737870"/>
+          </a:xfrm>
+          <a:prstGeom prst="rect">
+            <a:avLst/>
+          </a:prstGeom>
+        </p:spPr>
+      </p:pic>
+      <mc:AlternateContent xmlns:mc="http://schemas.openxmlformats.org/markup-compatibility/2006">
+        <mc:Choice xmlns:a14="http://schemas.microsoft.com/office/drawing/2010/main" Requires="a14">
+          <p:sp>
+            <p:nvSpPr>
+              <p:cNvPr id="62" name="직사각형 61">
+                <a:extLst>
+                  <a:ext uri="{FF2B5EF4-FFF2-40B4-BE49-F238E27FC236}">
+                    <a16:creationId xmlns:a16="http://schemas.microsoft.com/office/drawing/2014/main" id="{61A0C4F4-2A0C-4798-A31A-DF65122C8EB8}"/>
+                  </a:ext>
+                </a:extLst>
+              </p:cNvPr>
+              <p:cNvSpPr/>
+              <p:nvPr/>
+            </p:nvSpPr>
+            <p:spPr>
+              <a:xfrm>
+                <a:off x="3181720" y="4605851"/>
+                <a:ext cx="562911" cy="369332"/>
+              </a:xfrm>
+              <a:prstGeom prst="rect">
+                <a:avLst/>
+              </a:prstGeom>
+            </p:spPr>
+            <p:txBody>
+              <a:bodyPr wrap="none">
+                <a:spAutoFit/>
+              </a:bodyPr>
+              <a:lstStyle/>
+              <a:p>
+                <a14:m>
+                  <m:oMathPara xmlns:m="http://schemas.openxmlformats.org/officeDocument/2006/math">
+                    <m:oMathParaPr>
+                      <m:jc m:val="centerGroup"/>
+                    </m:oMathParaPr>
+                    <m:oMath xmlns:m="http://schemas.openxmlformats.org/officeDocument/2006/math">
+                      <m:sSub>
+                        <m:sSubPr>
+                          <m:ctrlPr>
+                            <a:rPr lang="en-US" altLang="ko-KR" i="1" smtClean="0">
+                              <a:latin typeface="Cambria Math" panose="02040503050406030204" pitchFamily="18" charset="0"/>
+                            </a:rPr>
+                          </m:ctrlPr>
+                        </m:sSubPr>
+                        <m:e>
+                          <m:r>
+                            <a:rPr lang="en-US" altLang="ko-KR" b="0" i="1" smtClean="0">
+                              <a:latin typeface="Cambria Math" panose="02040503050406030204" pitchFamily="18" charset="0"/>
+                            </a:rPr>
+                            <m:t>𝑚</m:t>
+                          </m:r>
+                        </m:e>
+                        <m:sub>
+                          <m:r>
+                            <a:rPr lang="en-US" altLang="ko-KR" b="0" i="1" smtClean="0">
+                              <a:latin typeface="Cambria Math" panose="02040503050406030204" pitchFamily="18" charset="0"/>
+                            </a:rPr>
+                            <m:t>9</m:t>
+                          </m:r>
+                        </m:sub>
+                      </m:sSub>
+                    </m:oMath>
+                  </m:oMathPara>
+                </a14:m>
+                <a:endParaRPr lang="ko-KR" altLang="en-US" dirty="0"/>
+              </a:p>
+            </p:txBody>
+          </p:sp>
+        </mc:Choice>
+        <mc:Fallback>
+          <p:sp>
+            <p:nvSpPr>
+              <p:cNvPr id="62" name="직사각형 61">
+                <a:extLst>
+                  <a:ext uri="{FF2B5EF4-FFF2-40B4-BE49-F238E27FC236}">
+                    <a16:creationId xmlns:a16="http://schemas.microsoft.com/office/drawing/2014/main" id="{61A0C4F4-2A0C-4798-A31A-DF65122C8EB8}"/>
+                  </a:ext>
+                </a:extLst>
+              </p:cNvPr>
+              <p:cNvSpPr>
+                <a:spLocks noRot="1" noChangeAspect="1" noMove="1" noResize="1" noEditPoints="1" noAdjustHandles="1" noChangeArrowheads="1" noChangeShapeType="1" noTextEdit="1"/>
+              </p:cNvSpPr>
+              <p:nvPr/>
+            </p:nvSpPr>
+            <p:spPr>
+              <a:xfrm>
+                <a:off x="3181720" y="4605851"/>
+                <a:ext cx="562911" cy="369332"/>
+              </a:xfrm>
+              <a:prstGeom prst="rect">
+                <a:avLst/>
+              </a:prstGeom>
+              <a:blipFill>
+                <a:blip r:embed="rId14"/>
+                <a:stretch>
+                  <a:fillRect b="-3333"/>
+                </a:stretch>
+              </a:blipFill>
+            </p:spPr>
+            <p:txBody>
+              <a:bodyPr/>
+              <a:lstStyle/>
+              <a:p>
+                <a:r>
+                  <a:rPr lang="ko-KR" altLang="en-US">
+                    <a:noFill/>
+                  </a:rPr>
+                  <a:t> </a:t>
+                </a:r>
+              </a:p>
+            </p:txBody>
+          </p:sp>
+        </mc:Fallback>
+      </mc:AlternateContent>
+      <p:sp>
+        <p:nvSpPr>
+          <p:cNvPr id="63" name="타원 62">
+            <a:extLst>
+              <a:ext uri="{FF2B5EF4-FFF2-40B4-BE49-F238E27FC236}">
+                <a16:creationId xmlns:a16="http://schemas.microsoft.com/office/drawing/2014/main" id="{8F7DAEE2-9B5E-494B-97F8-3C530D7B7404}"/>
+              </a:ext>
+            </a:extLst>
+          </p:cNvPr>
+          <p:cNvSpPr/>
+          <p:nvPr/>
+        </p:nvSpPr>
+        <p:spPr>
+          <a:xfrm rot="1133490">
+            <a:off x="2987757" y="4313860"/>
+            <a:ext cx="1277844" cy="448869"/>
+          </a:xfrm>
+          <a:prstGeom prst="ellipse">
+            <a:avLst/>
+          </a:prstGeom>
+          <a:noFill/>
+          <a:ln>
+            <a:prstDash val="dash"/>
+          </a:ln>
+        </p:spPr>
+        <p:style>
+          <a:lnRef idx="2">
+            <a:schemeClr val="accent1">
+              <a:shade val="50000"/>
+            </a:schemeClr>
+          </a:lnRef>
+          <a:fillRef idx="1">
+            <a:schemeClr val="accent1"/>
+          </a:fillRef>
+          <a:effectRef idx="0">
+            <a:schemeClr val="accent1"/>
+          </a:effectRef>
+          <a:fontRef idx="minor">
+            <a:schemeClr val="lt1"/>
+          </a:fontRef>
+        </p:style>
+        <p:txBody>
+          <a:bodyPr rtlCol="0" anchor="ctr"/>
+          <a:lstStyle/>
+          <a:p>
+            <a:pPr algn="ctr"/>
+            <a:endParaRPr lang="ko-KR" altLang="en-US"/>
+          </a:p>
+        </p:txBody>
+      </p:sp>
+      <p:pic>
+        <p:nvPicPr>
+          <p:cNvPr id="64" name="그림 63">
+            <a:extLst>
+              <a:ext uri="{FF2B5EF4-FFF2-40B4-BE49-F238E27FC236}">
+                <a16:creationId xmlns:a16="http://schemas.microsoft.com/office/drawing/2014/main" id="{23764ABB-DF82-4811-B35C-3AFF6D7B5D66}"/>
+              </a:ext>
+            </a:extLst>
+          </p:cNvPr>
+          <p:cNvPicPr>
+            <a:picLocks noChangeAspect="1"/>
+          </p:cNvPicPr>
+          <p:nvPr/>
+        </p:nvPicPr>
+        <p:blipFill>
+          <a:blip r:embed="rId15"/>
+          <a:stretch>
+            <a:fillRect/>
+          </a:stretch>
+        </p:blipFill>
+        <p:spPr>
+          <a:xfrm>
+            <a:off x="8429685" y="1765775"/>
+            <a:ext cx="2419290" cy="480806"/>
+          </a:xfrm>
+          <a:prstGeom prst="rect">
+            <a:avLst/>
+          </a:prstGeom>
+        </p:spPr>
+      </p:pic>
+      <p:pic>
+        <p:nvPicPr>
+          <p:cNvPr id="66" name="그림 65">
+            <a:extLst>
+              <a:ext uri="{FF2B5EF4-FFF2-40B4-BE49-F238E27FC236}">
+                <a16:creationId xmlns:a16="http://schemas.microsoft.com/office/drawing/2014/main" id="{78BF5E3A-81CF-474A-931A-C29DEB89C0C0}"/>
+              </a:ext>
+            </a:extLst>
+          </p:cNvPr>
+          <p:cNvPicPr>
+            <a:picLocks noChangeAspect="1"/>
+          </p:cNvPicPr>
+          <p:nvPr/>
+        </p:nvPicPr>
+        <p:blipFill>
+          <a:blip r:embed="rId16"/>
+          <a:stretch>
+            <a:fillRect/>
+          </a:stretch>
+        </p:blipFill>
+        <p:spPr>
+          <a:xfrm>
+            <a:off x="6488764" y="2447925"/>
+            <a:ext cx="4996622" cy="1888853"/>
+          </a:xfrm>
+          <a:prstGeom prst="rect">
+            <a:avLst/>
+          </a:prstGeom>
+        </p:spPr>
+      </p:pic>
     </p:spTree>
     <p:extLst>
       <p:ext uri="{BB962C8B-B14F-4D97-AF65-F5344CB8AC3E}">
-        <p14:creationId xmlns:p14="http://schemas.microsoft.com/office/powerpoint/2010/main" val="1428699275"/>
+        <p14:creationId xmlns:p14="http://schemas.microsoft.com/office/powerpoint/2010/main" val="3337797584"/>
       </p:ext>
     </p:extLst>
   </p:cSld>
@@ -12217,7 +14341,7 @@
           <p:cNvPr id="2" name="제목 1">
             <a:extLst>
               <a:ext uri="{FF2B5EF4-FFF2-40B4-BE49-F238E27FC236}">
-                <a16:creationId xmlns:a16="http://schemas.microsoft.com/office/drawing/2014/main" id="{924ADEB0-20DE-4E24-8A7B-DB47878E52DC}"/>
+                <a16:creationId xmlns:a16="http://schemas.microsoft.com/office/drawing/2014/main" id="{3A71BFB8-29AA-4339-934F-D6F932DC2ED8}"/>
               </a:ext>
             </a:extLst>
           </p:cNvPr>
@@ -12235,15 +14359,7 @@
           <a:p>
             <a:r>
               <a:rPr lang="en-US" altLang="ko-KR" dirty="0"/>
-              <a:t>Particle</a:t>
-            </a:r>
-            <a:r>
-              <a:rPr lang="ko-KR" altLang="en-US" dirty="0"/>
-              <a:t> </a:t>
-            </a:r>
-            <a:r>
-              <a:rPr lang="en-US" altLang="ko-KR" dirty="0"/>
-              <a:t>Filter</a:t>
+              <a:t>EKF-Filter</a:t>
             </a:r>
             <a:endParaRPr lang="ko-KR" altLang="en-US" dirty="0"/>
           </a:p>
@@ -12254,7 +14370,7 @@
           <p:cNvPr id="3" name="내용 개체 틀 2">
             <a:extLst>
               <a:ext uri="{FF2B5EF4-FFF2-40B4-BE49-F238E27FC236}">
-                <a16:creationId xmlns:a16="http://schemas.microsoft.com/office/drawing/2014/main" id="{C1DA0CCA-ABBD-44EC-91F4-FAB009748ACF}"/>
+                <a16:creationId xmlns:a16="http://schemas.microsoft.com/office/drawing/2014/main" id="{DB1A2A85-2262-4B3E-B377-54FAA46A9885}"/>
               </a:ext>
             </a:extLst>
           </p:cNvPr>
@@ -12270,14 +14386,188 @@
           <a:bodyPr/>
           <a:lstStyle/>
           <a:p>
-            <a:endParaRPr lang="ko-KR" altLang="en-US"/>
+            <a:r>
+              <a:rPr lang="en-US" altLang="ko-KR" dirty="0"/>
+              <a:t>Convergence</a:t>
+            </a:r>
+          </a:p>
+          <a:p>
+            <a:pPr marL="457200" lvl="1" indent="0">
+              <a:buNone/>
+            </a:pPr>
+            <a:r>
+              <a:rPr lang="en-US" altLang="ko-KR" dirty="0"/>
+              <a:t>- covariance </a:t>
+            </a:r>
+            <a:r>
+              <a:rPr lang="ko-KR" altLang="en-US" dirty="0"/>
+              <a:t>행렬이 단조적으로 수렴하므로</a:t>
+            </a:r>
+            <a:r>
+              <a:rPr lang="en-US" altLang="ko-KR" dirty="0"/>
+              <a:t>, </a:t>
+            </a:r>
+            <a:r>
+              <a:rPr lang="ko-KR" altLang="en-US" dirty="0"/>
+              <a:t>불확실성이 줄어든다</a:t>
+            </a:r>
+            <a:r>
+              <a:rPr lang="en-US" altLang="ko-KR" dirty="0"/>
+              <a:t>. </a:t>
+            </a:r>
+          </a:p>
+          <a:p>
+            <a:endParaRPr lang="en-US" altLang="ko-KR" dirty="0"/>
+          </a:p>
+          <a:p>
+            <a:r>
+              <a:rPr lang="en-US" altLang="ko-KR" dirty="0"/>
+              <a:t>Computational Effort</a:t>
+            </a:r>
+          </a:p>
+          <a:p>
+            <a:pPr marL="457200" lvl="1" indent="0">
+              <a:buNone/>
+            </a:pPr>
+            <a:r>
+              <a:rPr lang="en-US" altLang="ko-KR" dirty="0"/>
+              <a:t>- Observation </a:t>
+            </a:r>
+            <a:r>
+              <a:rPr lang="ko-KR" altLang="en-US" dirty="0"/>
+              <a:t>마다 공분산행렬을 업데이트해야 하므로</a:t>
+            </a:r>
+            <a:r>
+              <a:rPr lang="en-US" altLang="ko-KR" dirty="0"/>
+              <a:t>, Landmark</a:t>
+            </a:r>
+            <a:r>
+              <a:rPr lang="ko-KR" altLang="en-US" dirty="0"/>
+              <a:t>개수에 따라 </a:t>
+            </a:r>
+            <a:r>
+              <a:rPr lang="ko-KR" altLang="en-US" dirty="0" err="1"/>
+              <a:t>계산량은</a:t>
+            </a:r>
+            <a:r>
+              <a:rPr lang="ko-KR" altLang="en-US" dirty="0"/>
+              <a:t> 제곱에 비례한다</a:t>
+            </a:r>
+            <a:r>
+              <a:rPr lang="en-US" altLang="ko-KR" dirty="0"/>
+              <a:t>.  </a:t>
+            </a:r>
+          </a:p>
+          <a:p>
+            <a:endParaRPr lang="en-US" altLang="ko-KR" dirty="0"/>
+          </a:p>
+          <a:p>
+            <a:r>
+              <a:rPr lang="en-US" altLang="ko-KR" dirty="0"/>
+              <a:t>Data Association</a:t>
+            </a:r>
+          </a:p>
+          <a:p>
+            <a:pPr marL="457200" lvl="1" indent="0">
+              <a:buNone/>
+            </a:pPr>
+            <a:r>
+              <a:rPr lang="en-US" altLang="ko-KR" dirty="0"/>
+              <a:t>- Observation</a:t>
+            </a:r>
+            <a:r>
+              <a:rPr lang="ko-KR" altLang="en-US" dirty="0"/>
+              <a:t>이 </a:t>
+            </a:r>
+            <a:r>
+              <a:rPr lang="en-US" altLang="ko-KR" dirty="0"/>
+              <a:t>Landmark</a:t>
+            </a:r>
+            <a:r>
+              <a:rPr lang="ko-KR" altLang="en-US" dirty="0"/>
+              <a:t>에 잘못 연결되는 경우에 취약하다</a:t>
+            </a:r>
+            <a:r>
+              <a:rPr lang="en-US" altLang="ko-KR" dirty="0"/>
+              <a:t>. </a:t>
+            </a:r>
+            <a:r>
+              <a:rPr lang="en-US" altLang="ko-KR" dirty="0">
+                <a:sym typeface="Wingdings" panose="05000000000000000000" pitchFamily="2" charset="2"/>
+              </a:rPr>
+              <a:t> Loop-closure </a:t>
+            </a:r>
+            <a:r>
+              <a:rPr lang="ko-KR" altLang="en-US" dirty="0">
+                <a:sym typeface="Wingdings" panose="05000000000000000000" pitchFamily="2" charset="2"/>
+              </a:rPr>
+              <a:t>문제 발생</a:t>
+            </a:r>
+            <a:endParaRPr lang="en-US" altLang="ko-KR" dirty="0"/>
+          </a:p>
+          <a:p>
+            <a:endParaRPr lang="en-US" altLang="ko-KR" dirty="0"/>
+          </a:p>
+          <a:p>
+            <a:r>
+              <a:rPr lang="en-US" altLang="ko-KR" dirty="0"/>
+              <a:t>Non-linearity</a:t>
+            </a:r>
+          </a:p>
+          <a:p>
+            <a:pPr marL="457200" lvl="1" indent="0">
+              <a:buNone/>
+            </a:pPr>
+            <a:r>
+              <a:rPr lang="en-US" altLang="ko-KR" dirty="0"/>
+              <a:t>- </a:t>
+            </a:r>
+            <a:r>
+              <a:rPr lang="ko-KR" altLang="en-US" dirty="0"/>
+              <a:t>비선형 시스템을 선형 근사 </a:t>
+            </a:r>
+            <a:r>
+              <a:rPr lang="en-US" altLang="ko-KR" dirty="0"/>
+              <a:t>(Jacobian </a:t>
+            </a:r>
+            <a:r>
+              <a:rPr lang="en-US" altLang="ko-KR" dirty="0">
+                <a:sym typeface="Wingdings" panose="05000000000000000000" pitchFamily="2" charset="2"/>
+              </a:rPr>
+              <a:t> 1</a:t>
+            </a:r>
+            <a:r>
+              <a:rPr lang="en-US" altLang="ko-KR" baseline="30000" dirty="0">
+                <a:sym typeface="Wingdings" panose="05000000000000000000" pitchFamily="2" charset="2"/>
+              </a:rPr>
+              <a:t>st</a:t>
+            </a:r>
+            <a:r>
+              <a:rPr lang="en-US" altLang="ko-KR" dirty="0">
+                <a:sym typeface="Wingdings" panose="05000000000000000000" pitchFamily="2" charset="2"/>
+              </a:rPr>
+              <a:t> Taylor series) </a:t>
+            </a:r>
+            <a:r>
+              <a:rPr lang="ko-KR" altLang="en-US" dirty="0">
+                <a:sym typeface="Wingdings" panose="05000000000000000000" pitchFamily="2" charset="2"/>
+              </a:rPr>
+              <a:t>하기때문에 오류가 발생할 수 있다</a:t>
+            </a:r>
+            <a:r>
+              <a:rPr lang="en-US" altLang="ko-KR" dirty="0">
+                <a:sym typeface="Wingdings" panose="05000000000000000000" pitchFamily="2" charset="2"/>
+              </a:rPr>
+              <a:t>. </a:t>
+            </a:r>
+            <a:endParaRPr lang="en-US" altLang="ko-KR" dirty="0"/>
           </a:p>
         </p:txBody>
       </p:sp>
     </p:spTree>
     <p:extLst>
       <p:ext uri="{BB962C8B-B14F-4D97-AF65-F5344CB8AC3E}">
-        <p14:creationId xmlns:p14="http://schemas.microsoft.com/office/powerpoint/2010/main" val="1341978871"/>
+        <p14:creationId xmlns:p14="http://schemas.microsoft.com/office/powerpoint/2010/main" val="1428699275"/>
       </p:ext>
     </p:extLst>
   </p:cSld>
